--- a/Info/AprilProject_PPT.pptx
+++ b/Info/AprilProject_PPT.pptx
@@ -175,7 +175,7 @@
           <a:blip r:embed="rId3">
             <a:extLst>
               <a:ext uri="{28A0092B-C50C-407E-A947-70E740481C1C}">
-                <a14:useLocalDpi xmlns:a14="http://schemas.microsoft.com/office/drawing/2010/main" xmlns="" val="0"/>
+                <a14:useLocalDpi xmlns="" xmlns:a14="http://schemas.microsoft.com/office/drawing/2010/main" val="0"/>
               </a:ext>
             </a:extLst>
           </a:blip>
@@ -195,7 +195,7 @@
           <a:noFill/>
           <a:extLst>
             <a:ext uri="{909E8E84-426E-40DD-AFC4-6F175D3DCCD1}">
-              <a14:hiddenFill xmlns:a14="http://schemas.microsoft.com/office/drawing/2010/main" xmlns="">
+              <a14:hiddenFill xmlns="" xmlns:a14="http://schemas.microsoft.com/office/drawing/2010/main">
                 <a:solidFill>
                   <a:srgbClr val="FFFFFF"/>
                 </a:solidFill>
@@ -246,7 +246,7 @@
     </p:spTree>
     <p:extLst>
       <p:ext uri="{BB962C8B-B14F-4D97-AF65-F5344CB8AC3E}">
-        <p14:creationId xmlns:p14="http://schemas.microsoft.com/office/powerpoint/2010/main" xmlns="" val="2032416694"/>
+        <p14:creationId xmlns="" xmlns:p14="http://schemas.microsoft.com/office/powerpoint/2010/main" val="2032416694"/>
       </p:ext>
     </p:extLst>
   </p:cSld>
@@ -391,7 +391,7 @@
             <a:fld id="{D2E587EC-4A3E-4030-BABC-5E0C0236501C}" type="datetimeFigureOut">
               <a:rPr lang="ko-KR" altLang="en-US" smtClean="0"/>
               <a:pPr/>
-              <a:t>2017-04-13</a:t>
+              <a:t>2017-04-20</a:t>
             </a:fld>
             <a:endParaRPr lang="ko-KR" altLang="en-US"/>
           </a:p>
@@ -459,7 +459,7 @@
     </p:spTree>
     <p:extLst>
       <p:ext uri="{BB962C8B-B14F-4D97-AF65-F5344CB8AC3E}">
-        <p14:creationId xmlns:p14="http://schemas.microsoft.com/office/powerpoint/2010/main" xmlns="" val="2825368943"/>
+        <p14:creationId xmlns="" xmlns:p14="http://schemas.microsoft.com/office/powerpoint/2010/main" val="2825368943"/>
       </p:ext>
     </p:extLst>
   </p:cSld>
@@ -604,7 +604,7 @@
             <a:fld id="{D2E587EC-4A3E-4030-BABC-5E0C0236501C}" type="datetimeFigureOut">
               <a:rPr lang="ko-KR" altLang="en-US" smtClean="0"/>
               <a:pPr/>
-              <a:t>2017-04-13</a:t>
+              <a:t>2017-04-20</a:t>
             </a:fld>
             <a:endParaRPr lang="ko-KR" altLang="en-US"/>
           </a:p>
@@ -672,7 +672,7 @@
     </p:spTree>
     <p:extLst>
       <p:ext uri="{BB962C8B-B14F-4D97-AF65-F5344CB8AC3E}">
-        <p14:creationId xmlns:p14="http://schemas.microsoft.com/office/powerpoint/2010/main" xmlns="" val="2221001295"/>
+        <p14:creationId xmlns="" xmlns:p14="http://schemas.microsoft.com/office/powerpoint/2010/main" val="2221001295"/>
       </p:ext>
     </p:extLst>
   </p:cSld>
@@ -772,7 +772,7 @@
     </p:spTree>
     <p:extLst>
       <p:ext uri="{BB962C8B-B14F-4D97-AF65-F5344CB8AC3E}">
-        <p14:creationId xmlns:p14="http://schemas.microsoft.com/office/powerpoint/2010/main" xmlns="" val="3694015714"/>
+        <p14:creationId xmlns="" xmlns:p14="http://schemas.microsoft.com/office/powerpoint/2010/main" val="3694015714"/>
       </p:ext>
     </p:extLst>
   </p:cSld>
@@ -983,7 +983,7 @@
             <a:fld id="{D2E587EC-4A3E-4030-BABC-5E0C0236501C}" type="datetimeFigureOut">
               <a:rPr lang="ko-KR" altLang="en-US" smtClean="0"/>
               <a:pPr/>
-              <a:t>2017-04-13</a:t>
+              <a:t>2017-04-20</a:t>
             </a:fld>
             <a:endParaRPr lang="ko-KR" altLang="en-US"/>
           </a:p>
@@ -1051,7 +1051,7 @@
     </p:spTree>
     <p:extLst>
       <p:ext uri="{BB962C8B-B14F-4D97-AF65-F5344CB8AC3E}">
-        <p14:creationId xmlns:p14="http://schemas.microsoft.com/office/powerpoint/2010/main" xmlns="" val="1819799790"/>
+        <p14:creationId xmlns="" xmlns:p14="http://schemas.microsoft.com/office/powerpoint/2010/main" val="1819799790"/>
       </p:ext>
     </p:extLst>
   </p:cSld>
@@ -1312,7 +1312,7 @@
             <a:fld id="{D2E587EC-4A3E-4030-BABC-5E0C0236501C}" type="datetimeFigureOut">
               <a:rPr lang="ko-KR" altLang="en-US" smtClean="0"/>
               <a:pPr/>
-              <a:t>2017-04-13</a:t>
+              <a:t>2017-04-20</a:t>
             </a:fld>
             <a:endParaRPr lang="ko-KR" altLang="en-US"/>
           </a:p>
@@ -1380,7 +1380,7 @@
     </p:spTree>
     <p:extLst>
       <p:ext uri="{BB962C8B-B14F-4D97-AF65-F5344CB8AC3E}">
-        <p14:creationId xmlns:p14="http://schemas.microsoft.com/office/powerpoint/2010/main" xmlns="" val="1845900609"/>
+        <p14:creationId xmlns="" xmlns:p14="http://schemas.microsoft.com/office/powerpoint/2010/main" val="1845900609"/>
       </p:ext>
     </p:extLst>
   </p:cSld>
@@ -1781,7 +1781,7 @@
             <a:fld id="{D2E587EC-4A3E-4030-BABC-5E0C0236501C}" type="datetimeFigureOut">
               <a:rPr lang="ko-KR" altLang="en-US" smtClean="0"/>
               <a:pPr/>
-              <a:t>2017-04-13</a:t>
+              <a:t>2017-04-20</a:t>
             </a:fld>
             <a:endParaRPr lang="ko-KR" altLang="en-US"/>
           </a:p>
@@ -1849,7 +1849,7 @@
     </p:spTree>
     <p:extLst>
       <p:ext uri="{BB962C8B-B14F-4D97-AF65-F5344CB8AC3E}">
-        <p14:creationId xmlns:p14="http://schemas.microsoft.com/office/powerpoint/2010/main" xmlns="" val="1834140844"/>
+        <p14:creationId xmlns="" xmlns:p14="http://schemas.microsoft.com/office/powerpoint/2010/main" val="1834140844"/>
       </p:ext>
     </p:extLst>
   </p:cSld>
@@ -1934,7 +1934,7 @@
             <a:fld id="{D2E587EC-4A3E-4030-BABC-5E0C0236501C}" type="datetimeFigureOut">
               <a:rPr lang="ko-KR" altLang="en-US" smtClean="0"/>
               <a:pPr/>
-              <a:t>2017-04-13</a:t>
+              <a:t>2017-04-20</a:t>
             </a:fld>
             <a:endParaRPr lang="ko-KR" altLang="en-US"/>
           </a:p>
@@ -2002,7 +2002,7 @@
     </p:spTree>
     <p:extLst>
       <p:ext uri="{BB962C8B-B14F-4D97-AF65-F5344CB8AC3E}">
-        <p14:creationId xmlns:p14="http://schemas.microsoft.com/office/powerpoint/2010/main" xmlns="" val="3978738694"/>
+        <p14:creationId xmlns="" xmlns:p14="http://schemas.microsoft.com/office/powerpoint/2010/main" val="3978738694"/>
       </p:ext>
     </p:extLst>
   </p:cSld>
@@ -2056,7 +2056,7 @@
             <a:fld id="{D2E587EC-4A3E-4030-BABC-5E0C0236501C}" type="datetimeFigureOut">
               <a:rPr lang="ko-KR" altLang="en-US" smtClean="0"/>
               <a:pPr/>
-              <a:t>2017-04-13</a:t>
+              <a:t>2017-04-20</a:t>
             </a:fld>
             <a:endParaRPr lang="ko-KR" altLang="en-US"/>
           </a:p>
@@ -2124,7 +2124,7 @@
     </p:spTree>
     <p:extLst>
       <p:ext uri="{BB962C8B-B14F-4D97-AF65-F5344CB8AC3E}">
-        <p14:creationId xmlns:p14="http://schemas.microsoft.com/office/powerpoint/2010/main" xmlns="" val="3760371323"/>
+        <p14:creationId xmlns="" xmlns:p14="http://schemas.microsoft.com/office/powerpoint/2010/main" val="3760371323"/>
       </p:ext>
     </p:extLst>
   </p:cSld>
@@ -2369,7 +2369,7 @@
             <a:fld id="{D2E587EC-4A3E-4030-BABC-5E0C0236501C}" type="datetimeFigureOut">
               <a:rPr lang="ko-KR" altLang="en-US" smtClean="0"/>
               <a:pPr/>
-              <a:t>2017-04-13</a:t>
+              <a:t>2017-04-20</a:t>
             </a:fld>
             <a:endParaRPr lang="ko-KR" altLang="en-US"/>
           </a:p>
@@ -2437,7 +2437,7 @@
     </p:spTree>
     <p:extLst>
       <p:ext uri="{BB962C8B-B14F-4D97-AF65-F5344CB8AC3E}">
-        <p14:creationId xmlns:p14="http://schemas.microsoft.com/office/powerpoint/2010/main" xmlns="" val="2046782160"/>
+        <p14:creationId xmlns="" xmlns:p14="http://schemas.microsoft.com/office/powerpoint/2010/main" val="2046782160"/>
       </p:ext>
     </p:extLst>
   </p:cSld>
@@ -2658,7 +2658,7 @@
             <a:fld id="{D2E587EC-4A3E-4030-BABC-5E0C0236501C}" type="datetimeFigureOut">
               <a:rPr lang="ko-KR" altLang="en-US" smtClean="0"/>
               <a:pPr/>
-              <a:t>2017-04-13</a:t>
+              <a:t>2017-04-20</a:t>
             </a:fld>
             <a:endParaRPr lang="ko-KR" altLang="en-US"/>
           </a:p>
@@ -2726,7 +2726,7 @@
     </p:spTree>
     <p:extLst>
       <p:ext uri="{BB962C8B-B14F-4D97-AF65-F5344CB8AC3E}">
-        <p14:creationId xmlns:p14="http://schemas.microsoft.com/office/powerpoint/2010/main" xmlns="" val="2028806487"/>
+        <p14:creationId xmlns="" xmlns:p14="http://schemas.microsoft.com/office/powerpoint/2010/main" val="2028806487"/>
       </p:ext>
     </p:extLst>
   </p:cSld>
@@ -2771,7 +2771,7 @@
     </p:spTree>
     <p:extLst>
       <p:ext uri="{BB962C8B-B14F-4D97-AF65-F5344CB8AC3E}">
-        <p14:creationId xmlns:p14="http://schemas.microsoft.com/office/powerpoint/2010/main" xmlns="" val="437338208"/>
+        <p14:creationId xmlns="" xmlns:p14="http://schemas.microsoft.com/office/powerpoint/2010/main" val="437338208"/>
       </p:ext>
     </p:extLst>
   </p:cSld>
@@ -3092,7 +3092,7 @@
           <a:p>
             <a:pPr algn="ctr"/>
             <a:r>
-              <a:rPr lang="en-US" altLang="ko-KR" sz="3600" b="1" dirty="0" smtClean="0">
+              <a:rPr lang="en-US" altLang="ko-KR" sz="3600" b="1" dirty="0" err="1" smtClean="0">
                 <a:solidFill>
                   <a:schemeClr val="tx1">
                     <a:lumMod val="65000"/>
@@ -3103,8 +3103,33 @@
                 <a:ea typeface="맑은 고딕" pitchFamily="50" charset="-127"/>
                 <a:cs typeface="Calibri" pitchFamily="34" charset="0"/>
               </a:rPr>
-              <a:t>April Project</a:t>
-            </a:r>
+              <a:t>H_</a:t>
+            </a:r>
+            <a:r>
+              <a:rPr lang="en-US" altLang="ko-KR" sz="3600" b="1" dirty="0" err="1" smtClean="0">
+                <a:solidFill>
+                  <a:schemeClr val="tx1">
+                    <a:lumMod val="65000"/>
+                    <a:lumOff val="35000"/>
+                  </a:schemeClr>
+                </a:solidFill>
+                <a:latin typeface="Calibri" pitchFamily="34" charset="0"/>
+                <a:ea typeface="맑은 고딕" pitchFamily="50" charset="-127"/>
+                <a:cs typeface="Calibri" pitchFamily="34" charset="0"/>
+              </a:rPr>
+              <a:t>Project</a:t>
+            </a:r>
+            <a:endParaRPr lang="en-US" altLang="ko-KR" sz="3600" b="1" dirty="0" smtClean="0">
+              <a:solidFill>
+                <a:schemeClr val="tx1">
+                  <a:lumMod val="65000"/>
+                  <a:lumOff val="35000"/>
+                </a:schemeClr>
+              </a:solidFill>
+              <a:latin typeface="Calibri" pitchFamily="34" charset="0"/>
+              <a:ea typeface="맑은 고딕" pitchFamily="50" charset="-127"/>
+              <a:cs typeface="Calibri" pitchFamily="34" charset="0"/>
+            </a:endParaRPr>
           </a:p>
         </p:txBody>
       </p:sp>
@@ -3142,7 +3167,7 @@
     </p:spTree>
     <p:extLst>
       <p:ext uri="{BB962C8B-B14F-4D97-AF65-F5344CB8AC3E}">
-        <p14:creationId xmlns:p14="http://schemas.microsoft.com/office/powerpoint/2010/main" xmlns="" val="1941221791"/>
+        <p14:creationId xmlns="" xmlns:p14="http://schemas.microsoft.com/office/powerpoint/2010/main" val="1941221791"/>
       </p:ext>
     </p:extLst>
   </p:cSld>
@@ -3310,7 +3335,7 @@
     </p:spTree>
     <p:extLst>
       <p:ext uri="{BB962C8B-B14F-4D97-AF65-F5344CB8AC3E}">
-        <p14:creationId xmlns:p14="http://schemas.microsoft.com/office/powerpoint/2010/main" xmlns="" val="891763176"/>
+        <p14:creationId xmlns="" xmlns:p14="http://schemas.microsoft.com/office/powerpoint/2010/main" val="891763176"/>
       </p:ext>
     </p:extLst>
   </p:cSld>
@@ -3521,7 +3546,7 @@
     </p:spTree>
     <p:extLst>
       <p:ext uri="{BB962C8B-B14F-4D97-AF65-F5344CB8AC3E}">
-        <p14:creationId xmlns:p14="http://schemas.microsoft.com/office/powerpoint/2010/main" xmlns="" val="891763176"/>
+        <p14:creationId xmlns="" xmlns:p14="http://schemas.microsoft.com/office/powerpoint/2010/main" val="891763176"/>
       </p:ext>
     </p:extLst>
   </p:cSld>
@@ -3967,7 +3992,7 @@
     </p:spTree>
     <p:extLst>
       <p:ext uri="{BB962C8B-B14F-4D97-AF65-F5344CB8AC3E}">
-        <p14:creationId xmlns:p14="http://schemas.microsoft.com/office/powerpoint/2010/main" xmlns="" val="891763176"/>
+        <p14:creationId xmlns="" xmlns:p14="http://schemas.microsoft.com/office/powerpoint/2010/main" val="891763176"/>
       </p:ext>
     </p:extLst>
   </p:cSld>
@@ -4151,7 +4176,7 @@
     </p:spTree>
     <p:extLst>
       <p:ext uri="{BB962C8B-B14F-4D97-AF65-F5344CB8AC3E}">
-        <p14:creationId xmlns:p14="http://schemas.microsoft.com/office/powerpoint/2010/main" xmlns="" val="891763176"/>
+        <p14:creationId xmlns="" xmlns:p14="http://schemas.microsoft.com/office/powerpoint/2010/main" val="891763176"/>
       </p:ext>
     </p:extLst>
   </p:cSld>
@@ -4292,7 +4317,7 @@
     </p:spTree>
     <p:extLst>
       <p:ext uri="{BB962C8B-B14F-4D97-AF65-F5344CB8AC3E}">
-        <p14:creationId xmlns:p14="http://schemas.microsoft.com/office/powerpoint/2010/main" xmlns="" val="891763176"/>
+        <p14:creationId xmlns="" xmlns:p14="http://schemas.microsoft.com/office/powerpoint/2010/main" val="891763176"/>
       </p:ext>
     </p:extLst>
   </p:cSld>
@@ -4601,7 +4626,7 @@
     </p:spTree>
     <p:extLst>
       <p:ext uri="{BB962C8B-B14F-4D97-AF65-F5344CB8AC3E}">
-        <p14:creationId xmlns:p14="http://schemas.microsoft.com/office/powerpoint/2010/main" xmlns="" val="891763176"/>
+        <p14:creationId xmlns="" xmlns:p14="http://schemas.microsoft.com/office/powerpoint/2010/main" val="891763176"/>
       </p:ext>
     </p:extLst>
   </p:cSld>
@@ -4695,7 +4720,7 @@
           <a:blip r:embed="rId2">
             <a:extLst>
               <a:ext uri="{28A0092B-C50C-407E-A947-70E740481C1C}">
-                <a14:useLocalDpi xmlns:a14="http://schemas.microsoft.com/office/drawing/2010/main" xmlns="" val="0"/>
+                <a14:useLocalDpi xmlns="" xmlns:a14="http://schemas.microsoft.com/office/drawing/2010/main" val="0"/>
               </a:ext>
             </a:extLst>
           </a:blip>
@@ -4725,14 +4750,14 @@
           </a:effectLst>
           <a:extLst>
             <a:ext uri="{909E8E84-426E-40DD-AFC4-6F175D3DCCD1}">
-              <a14:hiddenFill xmlns:a14="http://schemas.microsoft.com/office/drawing/2010/main" xmlns="">
+              <a14:hiddenFill xmlns="" xmlns:a14="http://schemas.microsoft.com/office/drawing/2010/main">
                 <a:solidFill>
                   <a:schemeClr val="accent1"/>
                 </a:solidFill>
               </a14:hiddenFill>
             </a:ext>
             <a:ext uri="{91240B29-F687-4F45-9708-019B960494DF}">
-              <a14:hiddenLine xmlns:a14="http://schemas.microsoft.com/office/drawing/2010/main" xmlns="" w="9525">
+              <a14:hiddenLine xmlns="" xmlns:a14="http://schemas.microsoft.com/office/drawing/2010/main" w="9525">
                 <a:solidFill>
                   <a:schemeClr val="tx1"/>
                 </a:solidFill>
@@ -4742,7 +4767,7 @@
               </a14:hiddenLine>
             </a:ext>
             <a:ext uri="{AF507438-7753-43E0-B8FC-AC1667EBCBE1}">
-              <a14:hiddenEffects xmlns:a14="http://schemas.microsoft.com/office/drawing/2010/main" xmlns="">
+              <a14:hiddenEffects xmlns="" xmlns:a14="http://schemas.microsoft.com/office/drawing/2010/main">
                 <a:effectLst>
                   <a:outerShdw dist="35921" dir="2700000" algn="ctr" rotWithShape="0">
                     <a:schemeClr val="bg2"/>
@@ -4820,7 +4845,7 @@
     </p:spTree>
     <p:extLst>
       <p:ext uri="{BB962C8B-B14F-4D97-AF65-F5344CB8AC3E}">
-        <p14:creationId xmlns:p14="http://schemas.microsoft.com/office/powerpoint/2010/main" xmlns="" val="891763176"/>
+        <p14:creationId xmlns="" xmlns:p14="http://schemas.microsoft.com/office/powerpoint/2010/main" val="891763176"/>
       </p:ext>
     </p:extLst>
   </p:cSld>
@@ -4915,7 +4940,7 @@
           <a:blip r:embed="rId2">
             <a:extLst>
               <a:ext uri="{28A0092B-C50C-407E-A947-70E740481C1C}">
-                <a14:useLocalDpi xmlns:a14="http://schemas.microsoft.com/office/drawing/2010/main" xmlns="" val="0"/>
+                <a14:useLocalDpi xmlns="" xmlns:a14="http://schemas.microsoft.com/office/drawing/2010/main" val="0"/>
               </a:ext>
             </a:extLst>
           </a:blip>
@@ -4948,14 +4973,14 @@
           </a:effectLst>
           <a:extLst>
             <a:ext uri="{909E8E84-426E-40DD-AFC4-6F175D3DCCD1}">
-              <a14:hiddenFill xmlns:a14="http://schemas.microsoft.com/office/drawing/2010/main" xmlns="">
+              <a14:hiddenFill xmlns="" xmlns:a14="http://schemas.microsoft.com/office/drawing/2010/main">
                 <a:solidFill>
                   <a:schemeClr val="accent1"/>
                 </a:solidFill>
               </a14:hiddenFill>
             </a:ext>
             <a:ext uri="{91240B29-F687-4F45-9708-019B960494DF}">
-              <a14:hiddenLine xmlns:a14="http://schemas.microsoft.com/office/drawing/2010/main" xmlns="" w="9525">
+              <a14:hiddenLine xmlns="" xmlns:a14="http://schemas.microsoft.com/office/drawing/2010/main" w="9525">
                 <a:solidFill>
                   <a:schemeClr val="tx1"/>
                 </a:solidFill>
@@ -4965,7 +4990,7 @@
               </a14:hiddenLine>
             </a:ext>
             <a:ext uri="{AF507438-7753-43E0-B8FC-AC1667EBCBE1}">
-              <a14:hiddenEffects xmlns:a14="http://schemas.microsoft.com/office/drawing/2010/main" xmlns="">
+              <a14:hiddenEffects xmlns="" xmlns:a14="http://schemas.microsoft.com/office/drawing/2010/main">
                 <a:effectLst>
                   <a:outerShdw dist="35921" dir="2700000" algn="ctr" rotWithShape="0">
                     <a:schemeClr val="bg2"/>
@@ -4988,7 +5013,7 @@
           <a:blip r:embed="rId3">
             <a:extLst>
               <a:ext uri="{28A0092B-C50C-407E-A947-70E740481C1C}">
-                <a14:useLocalDpi xmlns:a14="http://schemas.microsoft.com/office/drawing/2010/main" xmlns="" val="0"/>
+                <a14:useLocalDpi xmlns="" xmlns:a14="http://schemas.microsoft.com/office/drawing/2010/main" val="0"/>
               </a:ext>
             </a:extLst>
           </a:blip>
@@ -5021,14 +5046,14 @@
           </a:effectLst>
           <a:extLst>
             <a:ext uri="{909E8E84-426E-40DD-AFC4-6F175D3DCCD1}">
-              <a14:hiddenFill xmlns:a14="http://schemas.microsoft.com/office/drawing/2010/main" xmlns="">
+              <a14:hiddenFill xmlns="" xmlns:a14="http://schemas.microsoft.com/office/drawing/2010/main">
                 <a:solidFill>
                   <a:schemeClr val="accent1"/>
                 </a:solidFill>
               </a14:hiddenFill>
             </a:ext>
             <a:ext uri="{91240B29-F687-4F45-9708-019B960494DF}">
-              <a14:hiddenLine xmlns:a14="http://schemas.microsoft.com/office/drawing/2010/main" xmlns="" w="9525">
+              <a14:hiddenLine xmlns="" xmlns:a14="http://schemas.microsoft.com/office/drawing/2010/main" w="9525">
                 <a:solidFill>
                   <a:schemeClr val="tx1"/>
                 </a:solidFill>
@@ -5038,7 +5063,7 @@
               </a14:hiddenLine>
             </a:ext>
             <a:ext uri="{AF507438-7753-43E0-B8FC-AC1667EBCBE1}">
-              <a14:hiddenEffects xmlns:a14="http://schemas.microsoft.com/office/drawing/2010/main" xmlns="">
+              <a14:hiddenEffects xmlns="" xmlns:a14="http://schemas.microsoft.com/office/drawing/2010/main">
                 <a:effectLst>
                   <a:outerShdw dist="35921" dir="2700000" algn="ctr" rotWithShape="0">
                     <a:schemeClr val="bg2"/>
@@ -5061,7 +5086,7 @@
           <a:blip r:embed="rId4">
             <a:extLst>
               <a:ext uri="{28A0092B-C50C-407E-A947-70E740481C1C}">
-                <a14:useLocalDpi xmlns:a14="http://schemas.microsoft.com/office/drawing/2010/main" xmlns="" val="0"/>
+                <a14:useLocalDpi xmlns="" xmlns:a14="http://schemas.microsoft.com/office/drawing/2010/main" val="0"/>
               </a:ext>
             </a:extLst>
           </a:blip>
@@ -5094,14 +5119,14 @@
           </a:effectLst>
           <a:extLst>
             <a:ext uri="{909E8E84-426E-40DD-AFC4-6F175D3DCCD1}">
-              <a14:hiddenFill xmlns:a14="http://schemas.microsoft.com/office/drawing/2010/main" xmlns="">
+              <a14:hiddenFill xmlns="" xmlns:a14="http://schemas.microsoft.com/office/drawing/2010/main">
                 <a:solidFill>
                   <a:schemeClr val="accent1"/>
                 </a:solidFill>
               </a14:hiddenFill>
             </a:ext>
             <a:ext uri="{91240B29-F687-4F45-9708-019B960494DF}">
-              <a14:hiddenLine xmlns:a14="http://schemas.microsoft.com/office/drawing/2010/main" xmlns="" w="9525">
+              <a14:hiddenLine xmlns="" xmlns:a14="http://schemas.microsoft.com/office/drawing/2010/main" w="9525">
                 <a:solidFill>
                   <a:schemeClr val="tx1"/>
                 </a:solidFill>
@@ -5111,7 +5136,7 @@
               </a14:hiddenLine>
             </a:ext>
             <a:ext uri="{AF507438-7753-43E0-B8FC-AC1667EBCBE1}">
-              <a14:hiddenEffects xmlns:a14="http://schemas.microsoft.com/office/drawing/2010/main" xmlns="">
+              <a14:hiddenEffects xmlns="" xmlns:a14="http://schemas.microsoft.com/office/drawing/2010/main">
                 <a:effectLst>
                   <a:outerShdw dist="35921" dir="2700000" algn="ctr" rotWithShape="0">
                     <a:schemeClr val="bg2"/>
@@ -5125,7 +5150,7 @@
     </p:spTree>
     <p:extLst>
       <p:ext uri="{BB962C8B-B14F-4D97-AF65-F5344CB8AC3E}">
-        <p14:creationId xmlns:p14="http://schemas.microsoft.com/office/powerpoint/2010/main" xmlns="" val="891763176"/>
+        <p14:creationId xmlns="" xmlns:p14="http://schemas.microsoft.com/office/powerpoint/2010/main" val="891763176"/>
       </p:ext>
     </p:extLst>
   </p:cSld>
@@ -5519,7 +5544,7 @@
     </p:spTree>
     <p:extLst>
       <p:ext uri="{BB962C8B-B14F-4D97-AF65-F5344CB8AC3E}">
-        <p14:creationId xmlns:p14="http://schemas.microsoft.com/office/powerpoint/2010/main" xmlns="" val="891763176"/>
+        <p14:creationId xmlns="" xmlns:p14="http://schemas.microsoft.com/office/powerpoint/2010/main" val="891763176"/>
       </p:ext>
     </p:extLst>
   </p:cSld>
@@ -5620,7 +5645,7 @@
         </p:spPr>
         <p:txBody>
           <a:bodyPr>
-            <a:normAutofit fontScale="70000" lnSpcReduction="20000"/>
+            <a:normAutofit/>
           </a:bodyPr>
           <a:lstStyle/>
           <a:p>
@@ -5811,7 +5836,33 @@
                 <a:latin typeface="Calibri" pitchFamily="34" charset="0"/>
                 <a:cs typeface="Calibri" pitchFamily="34" charset="0"/>
               </a:rPr>
-              <a:t>급여관리</a:t>
+              <a:t>급여관리 </a:t>
+            </a:r>
+            <a:r>
+              <a:rPr lang="en-US" altLang="ko-KR" sz="1900" dirty="0" smtClean="0">
+                <a:solidFill>
+                  <a:schemeClr val="tx1">
+                    <a:lumMod val="50000"/>
+                    <a:lumOff val="50000"/>
+                  </a:schemeClr>
+                </a:solidFill>
+                <a:latin typeface="Calibri" pitchFamily="34" charset="0"/>
+                <a:cs typeface="Calibri" pitchFamily="34" charset="0"/>
+              </a:rPr>
+              <a:t>&amp; </a:t>
+            </a:r>
+            <a:r>
+              <a:rPr lang="ko-KR" altLang="en-US" sz="1900" dirty="0" smtClean="0">
+                <a:solidFill>
+                  <a:schemeClr val="tx1">
+                    <a:lumMod val="50000"/>
+                    <a:lumOff val="50000"/>
+                  </a:schemeClr>
+                </a:solidFill>
+                <a:latin typeface="Calibri" pitchFamily="34" charset="0"/>
+                <a:cs typeface="Calibri" pitchFamily="34" charset="0"/>
+              </a:rPr>
+              <a:t>게시판</a:t>
             </a:r>
             <a:endParaRPr lang="en-US" altLang="ko-KR" sz="1900" dirty="0" smtClean="0">
               <a:solidFill>
@@ -5895,7 +5946,33 @@
                 <a:latin typeface="Calibri" pitchFamily="34" charset="0"/>
                 <a:cs typeface="Calibri" pitchFamily="34" charset="0"/>
               </a:rPr>
-              <a:t>근태관리</a:t>
+              <a:t>근태관리 </a:t>
+            </a:r>
+            <a:r>
+              <a:rPr lang="en-US" altLang="ko-KR" sz="1900" dirty="0" smtClean="0">
+                <a:solidFill>
+                  <a:schemeClr val="tx1">
+                    <a:lumMod val="50000"/>
+                    <a:lumOff val="50000"/>
+                  </a:schemeClr>
+                </a:solidFill>
+                <a:latin typeface="Calibri" pitchFamily="34" charset="0"/>
+                <a:cs typeface="Calibri" pitchFamily="34" charset="0"/>
+              </a:rPr>
+              <a:t>&amp; </a:t>
+            </a:r>
+            <a:r>
+              <a:rPr lang="ko-KR" altLang="en-US" sz="1900" dirty="0" smtClean="0">
+                <a:solidFill>
+                  <a:schemeClr val="tx1">
+                    <a:lumMod val="50000"/>
+                    <a:lumOff val="50000"/>
+                  </a:schemeClr>
+                </a:solidFill>
+                <a:latin typeface="Calibri" pitchFamily="34" charset="0"/>
+                <a:cs typeface="Calibri" pitchFamily="34" charset="0"/>
+              </a:rPr>
+              <a:t>게시판</a:t>
             </a:r>
             <a:endParaRPr lang="en-US" altLang="ko-KR" sz="1900" dirty="0" smtClean="0">
               <a:solidFill>
@@ -5932,155 +6009,6 @@
               <a:lnSpc>
                 <a:spcPct val="120000"/>
               </a:lnSpc>
-            </a:pPr>
-            <a:r>
-              <a:rPr lang="ko-KR" altLang="en-US" sz="3000" dirty="0" smtClean="0">
-                <a:solidFill>
-                  <a:schemeClr val="tx1">
-                    <a:lumMod val="75000"/>
-                    <a:lumOff val="25000"/>
-                  </a:schemeClr>
-                </a:solidFill>
-                <a:latin typeface="Calibri" pitchFamily="34" charset="0"/>
-                <a:cs typeface="Calibri" pitchFamily="34" charset="0"/>
-              </a:rPr>
-              <a:t>이진주 </a:t>
-            </a:r>
-            <a:r>
-              <a:rPr lang="en-US" altLang="ko-KR" sz="3000" dirty="0" smtClean="0">
-                <a:solidFill>
-                  <a:schemeClr val="tx1">
-                    <a:lumMod val="75000"/>
-                    <a:lumOff val="25000"/>
-                  </a:schemeClr>
-                </a:solidFill>
-                <a:latin typeface="Calibri" pitchFamily="34" charset="0"/>
-                <a:cs typeface="Calibri" pitchFamily="34" charset="0"/>
-              </a:rPr>
-              <a:t>(Team Member)</a:t>
-            </a:r>
-          </a:p>
-          <a:p>
-            <a:pPr>
-              <a:lnSpc>
-                <a:spcPct val="120000"/>
-              </a:lnSpc>
-              <a:buFont typeface="Wingdings" pitchFamily="2" charset="2"/>
-              <a:buChar char="ü"/>
-            </a:pPr>
-            <a:r>
-              <a:rPr lang="ko-KR" altLang="en-US" sz="1900" dirty="0" smtClean="0">
-                <a:solidFill>
-                  <a:schemeClr val="tx1">
-                    <a:lumMod val="50000"/>
-                    <a:lumOff val="50000"/>
-                  </a:schemeClr>
-                </a:solidFill>
-                <a:latin typeface="Calibri" pitchFamily="34" charset="0"/>
-                <a:cs typeface="Calibri" pitchFamily="34" charset="0"/>
-              </a:rPr>
-              <a:t>화학물질관리</a:t>
-            </a:r>
-            <a:endParaRPr lang="en-US" altLang="ko-KR" sz="1900" dirty="0" smtClean="0">
-              <a:solidFill>
-                <a:schemeClr val="tx1">
-                  <a:lumMod val="50000"/>
-                  <a:lumOff val="50000"/>
-                </a:schemeClr>
-              </a:solidFill>
-              <a:latin typeface="Calibri" pitchFamily="34" charset="0"/>
-              <a:cs typeface="Calibri" pitchFamily="34" charset="0"/>
-            </a:endParaRPr>
-          </a:p>
-          <a:p>
-            <a:pPr>
-              <a:lnSpc>
-                <a:spcPct val="120000"/>
-              </a:lnSpc>
-              <a:buFont typeface="Wingdings" pitchFamily="2" charset="2"/>
-              <a:buChar char="ü"/>
-            </a:pPr>
-            <a:endParaRPr lang="en-US" altLang="ko-KR" sz="1900" dirty="0" smtClean="0">
-              <a:solidFill>
-                <a:schemeClr val="tx1">
-                  <a:lumMod val="75000"/>
-                  <a:lumOff val="25000"/>
-                </a:schemeClr>
-              </a:solidFill>
-              <a:latin typeface="Calibri" pitchFamily="34" charset="0"/>
-              <a:cs typeface="Calibri" pitchFamily="34" charset="0"/>
-            </a:endParaRPr>
-          </a:p>
-          <a:p>
-            <a:pPr>
-              <a:lnSpc>
-                <a:spcPct val="120000"/>
-              </a:lnSpc>
-            </a:pPr>
-            <a:r>
-              <a:rPr lang="ko-KR" altLang="en-US" dirty="0" smtClean="0">
-                <a:solidFill>
-                  <a:schemeClr val="tx1">
-                    <a:lumMod val="75000"/>
-                    <a:lumOff val="25000"/>
-                  </a:schemeClr>
-                </a:solidFill>
-                <a:latin typeface="Calibri" pitchFamily="34" charset="0"/>
-                <a:cs typeface="Calibri" pitchFamily="34" charset="0"/>
-              </a:rPr>
-              <a:t>남상혁 </a:t>
-            </a:r>
-            <a:r>
-              <a:rPr lang="en-US" altLang="ko-KR" dirty="0" smtClean="0">
-                <a:solidFill>
-                  <a:schemeClr val="tx1">
-                    <a:lumMod val="75000"/>
-                    <a:lumOff val="25000"/>
-                  </a:schemeClr>
-                </a:solidFill>
-                <a:latin typeface="Calibri" pitchFamily="34" charset="0"/>
-                <a:cs typeface="Calibri" pitchFamily="34" charset="0"/>
-              </a:rPr>
-              <a:t>(Team Member)</a:t>
-            </a:r>
-          </a:p>
-          <a:p>
-            <a:pPr>
-              <a:lnSpc>
-                <a:spcPct val="120000"/>
-              </a:lnSpc>
-              <a:buFont typeface="Wingdings" pitchFamily="2" charset="2"/>
-              <a:buChar char="ü"/>
-            </a:pPr>
-            <a:r>
-              <a:rPr lang="ko-KR" altLang="en-US" sz="2100" dirty="0" smtClean="0">
-                <a:solidFill>
-                  <a:schemeClr val="tx1">
-                    <a:lumMod val="50000"/>
-                    <a:lumOff val="50000"/>
-                  </a:schemeClr>
-                </a:solidFill>
-                <a:latin typeface="Calibri" pitchFamily="34" charset="0"/>
-                <a:cs typeface="Calibri" pitchFamily="34" charset="0"/>
-              </a:rPr>
-              <a:t>축구동아리 관리</a:t>
-            </a:r>
-            <a:endParaRPr lang="en-US" altLang="ko-KR" sz="2100" dirty="0" smtClean="0">
-              <a:solidFill>
-                <a:schemeClr val="tx1">
-                  <a:lumMod val="50000"/>
-                  <a:lumOff val="50000"/>
-                </a:schemeClr>
-              </a:solidFill>
-              <a:latin typeface="Calibri" pitchFamily="34" charset="0"/>
-              <a:cs typeface="Calibri" pitchFamily="34" charset="0"/>
-            </a:endParaRPr>
-          </a:p>
-          <a:p>
-            <a:pPr>
-              <a:lnSpc>
-                <a:spcPct val="120000"/>
-              </a:lnSpc>
               <a:buFont typeface="Wingdings" pitchFamily="2" charset="2"/>
               <a:buChar char="ü"/>
             </a:pPr>
@@ -6112,7 +6040,7 @@
     </p:spTree>
     <p:extLst>
       <p:ext uri="{BB962C8B-B14F-4D97-AF65-F5344CB8AC3E}">
-        <p14:creationId xmlns:p14="http://schemas.microsoft.com/office/powerpoint/2010/main" xmlns="" val="891763176"/>
+        <p14:creationId xmlns="" xmlns:p14="http://schemas.microsoft.com/office/powerpoint/2010/main" val="891763176"/>
       </p:ext>
     </p:extLst>
   </p:cSld>
@@ -7799,20 +7727,7 @@
                 <a:latin typeface="Calibri" pitchFamily="34" charset="0"/>
                 <a:cs typeface="Calibri" pitchFamily="34" charset="0"/>
               </a:rPr>
-              <a:t> </a:t>
-            </a:r>
-            <a:r>
-              <a:rPr lang="en-US" altLang="ko-KR" sz="2500" dirty="0" smtClean="0">
-                <a:solidFill>
-                  <a:schemeClr val="tx1">
-                    <a:lumMod val="50000"/>
-                    <a:lumOff val="50000"/>
-                  </a:schemeClr>
-                </a:solidFill>
-                <a:latin typeface="Calibri" pitchFamily="34" charset="0"/>
-                <a:cs typeface="Calibri" pitchFamily="34" charset="0"/>
-              </a:rPr>
-              <a:t>1.5.2</a:t>
+              <a:t> 1.5.2</a:t>
             </a:r>
           </a:p>
           <a:p>
@@ -7954,7 +7869,7 @@
     </p:spTree>
     <p:extLst>
       <p:ext uri="{BB962C8B-B14F-4D97-AF65-F5344CB8AC3E}">
-        <p14:creationId xmlns:p14="http://schemas.microsoft.com/office/powerpoint/2010/main" xmlns="" val="891763176"/>
+        <p14:creationId xmlns="" xmlns:p14="http://schemas.microsoft.com/office/powerpoint/2010/main" val="891763176"/>
       </p:ext>
     </p:extLst>
   </p:cSld>
@@ -8340,7 +8255,6 @@
               <a:rPr lang="en-US" altLang="ko-KR" sz="3200" dirty="0" smtClean="0"/>
               <a:t>Server</a:t>
             </a:r>
-            <a:endParaRPr lang="en-US" altLang="ko-KR" sz="3200" dirty="0" smtClean="0"/>
           </a:p>
         </p:txBody>
       </p:sp>
@@ -8725,7 +8639,7 @@
     </p:spTree>
     <p:extLst>
       <p:ext uri="{BB962C8B-B14F-4D97-AF65-F5344CB8AC3E}">
-        <p14:creationId xmlns:p14="http://schemas.microsoft.com/office/powerpoint/2010/main" xmlns="" val="891763176"/>
+        <p14:creationId xmlns="" xmlns:p14="http://schemas.microsoft.com/office/powerpoint/2010/main" val="891763176"/>
       </p:ext>
     </p:extLst>
   </p:cSld>
@@ -8893,7 +8807,7 @@
     </p:spTree>
     <p:extLst>
       <p:ext uri="{BB962C8B-B14F-4D97-AF65-F5344CB8AC3E}">
-        <p14:creationId xmlns:p14="http://schemas.microsoft.com/office/powerpoint/2010/main" xmlns="" val="891763176"/>
+        <p14:creationId xmlns="" xmlns:p14="http://schemas.microsoft.com/office/powerpoint/2010/main" val="891763176"/>
       </p:ext>
     </p:extLst>
   </p:cSld>
@@ -9061,7 +8975,7 @@
     </p:spTree>
     <p:extLst>
       <p:ext uri="{BB962C8B-B14F-4D97-AF65-F5344CB8AC3E}">
-        <p14:creationId xmlns:p14="http://schemas.microsoft.com/office/powerpoint/2010/main" xmlns="" val="891763176"/>
+        <p14:creationId xmlns="" xmlns:p14="http://schemas.microsoft.com/office/powerpoint/2010/main" val="891763176"/>
       </p:ext>
     </p:extLst>
   </p:cSld>
@@ -9515,7 +9429,7 @@
     </p:spTree>
     <p:extLst>
       <p:ext uri="{BB962C8B-B14F-4D97-AF65-F5344CB8AC3E}">
-        <p14:creationId xmlns:p14="http://schemas.microsoft.com/office/powerpoint/2010/main" xmlns="" val="891763176"/>
+        <p14:creationId xmlns="" xmlns:p14="http://schemas.microsoft.com/office/powerpoint/2010/main" val="891763176"/>
       </p:ext>
     </p:extLst>
   </p:cSld>
@@ -9730,7 +9644,7 @@
     </p:spTree>
     <p:extLst>
       <p:ext uri="{BB962C8B-B14F-4D97-AF65-F5344CB8AC3E}">
-        <p14:creationId xmlns:p14="http://schemas.microsoft.com/office/powerpoint/2010/main" xmlns="" val="891763176"/>
+        <p14:creationId xmlns="" xmlns:p14="http://schemas.microsoft.com/office/powerpoint/2010/main" val="891763176"/>
       </p:ext>
     </p:extLst>
   </p:cSld>
@@ -10213,7 +10127,7 @@
     </p:spTree>
     <p:extLst>
       <p:ext uri="{BB962C8B-B14F-4D97-AF65-F5344CB8AC3E}">
-        <p14:creationId xmlns:p14="http://schemas.microsoft.com/office/powerpoint/2010/main" xmlns="" val="891763176"/>
+        <p14:creationId xmlns="" xmlns:p14="http://schemas.microsoft.com/office/powerpoint/2010/main" val="891763176"/>
       </p:ext>
     </p:extLst>
   </p:cSld>

--- a/Info/AprilProject_PPT.pptx
+++ b/Info/AprilProject_PPT.pptx
@@ -11,26 +11,20 @@
     <p:sldId id="287" r:id="rId5"/>
     <p:sldId id="283" r:id="rId6"/>
     <p:sldId id="285" r:id="rId7"/>
-    <p:sldId id="284" r:id="rId8"/>
+    <p:sldId id="288" r:id="rId8"/>
     <p:sldId id="258" r:id="rId9"/>
-    <p:sldId id="269" r:id="rId10"/>
-    <p:sldId id="262" r:id="rId11"/>
-    <p:sldId id="264" r:id="rId12"/>
-    <p:sldId id="265" r:id="rId13"/>
-    <p:sldId id="267" r:id="rId14"/>
-    <p:sldId id="268" r:id="rId15"/>
-    <p:sldId id="279" r:id="rId16"/>
-    <p:sldId id="280" r:id="rId17"/>
-    <p:sldId id="281" r:id="rId18"/>
-    <p:sldId id="270" r:id="rId19"/>
-    <p:sldId id="271" r:id="rId20"/>
-    <p:sldId id="272" r:id="rId21"/>
-    <p:sldId id="273" r:id="rId22"/>
-    <p:sldId id="274" r:id="rId23"/>
-    <p:sldId id="275" r:id="rId24"/>
-    <p:sldId id="276" r:id="rId25"/>
-    <p:sldId id="277" r:id="rId26"/>
-    <p:sldId id="282" r:id="rId27"/>
+    <p:sldId id="289" r:id="rId10"/>
+    <p:sldId id="269" r:id="rId11"/>
+    <p:sldId id="262" r:id="rId12"/>
+    <p:sldId id="290" r:id="rId13"/>
+    <p:sldId id="264" r:id="rId14"/>
+    <p:sldId id="265" r:id="rId15"/>
+    <p:sldId id="267" r:id="rId16"/>
+    <p:sldId id="292" r:id="rId17"/>
+    <p:sldId id="291" r:id="rId18"/>
+    <p:sldId id="268" r:id="rId19"/>
+    <p:sldId id="293" r:id="rId20"/>
+    <p:sldId id="282" r:id="rId21"/>
   </p:sldIdLst>
   <p:sldSz cx="9144000" cy="6858000" type="screen4x3"/>
   <p:notesSz cx="6858000" cy="9144000"/>
@@ -175,7 +169,7 @@
           <a:blip r:embed="rId3">
             <a:extLst>
               <a:ext uri="{28A0092B-C50C-407E-A947-70E740481C1C}">
-                <a14:useLocalDpi xmlns="" xmlns:a14="http://schemas.microsoft.com/office/drawing/2010/main" val="0"/>
+                <a14:useLocalDpi xmlns:a14="http://schemas.microsoft.com/office/drawing/2010/main" xmlns="" val="0"/>
               </a:ext>
             </a:extLst>
           </a:blip>
@@ -195,7 +189,7 @@
           <a:noFill/>
           <a:extLst>
             <a:ext uri="{909E8E84-426E-40DD-AFC4-6F175D3DCCD1}">
-              <a14:hiddenFill xmlns="" xmlns:a14="http://schemas.microsoft.com/office/drawing/2010/main">
+              <a14:hiddenFill xmlns:a14="http://schemas.microsoft.com/office/drawing/2010/main" xmlns="">
                 <a:solidFill>
                   <a:srgbClr val="FFFFFF"/>
                 </a:solidFill>
@@ -246,7 +240,7 @@
     </p:spTree>
     <p:extLst>
       <p:ext uri="{BB962C8B-B14F-4D97-AF65-F5344CB8AC3E}">
-        <p14:creationId xmlns="" xmlns:p14="http://schemas.microsoft.com/office/powerpoint/2010/main" val="2032416694"/>
+        <p14:creationId xmlns:p14="http://schemas.microsoft.com/office/powerpoint/2010/main" xmlns="" val="2032416694"/>
       </p:ext>
     </p:extLst>
   </p:cSld>
@@ -459,7 +453,7 @@
     </p:spTree>
     <p:extLst>
       <p:ext uri="{BB962C8B-B14F-4D97-AF65-F5344CB8AC3E}">
-        <p14:creationId xmlns="" xmlns:p14="http://schemas.microsoft.com/office/powerpoint/2010/main" val="2825368943"/>
+        <p14:creationId xmlns:p14="http://schemas.microsoft.com/office/powerpoint/2010/main" xmlns="" val="2825368943"/>
       </p:ext>
     </p:extLst>
   </p:cSld>
@@ -672,7 +666,7 @@
     </p:spTree>
     <p:extLst>
       <p:ext uri="{BB962C8B-B14F-4D97-AF65-F5344CB8AC3E}">
-        <p14:creationId xmlns="" xmlns:p14="http://schemas.microsoft.com/office/powerpoint/2010/main" val="2221001295"/>
+        <p14:creationId xmlns:p14="http://schemas.microsoft.com/office/powerpoint/2010/main" xmlns="" val="2221001295"/>
       </p:ext>
     </p:extLst>
   </p:cSld>
@@ -772,7 +766,7 @@
     </p:spTree>
     <p:extLst>
       <p:ext uri="{BB962C8B-B14F-4D97-AF65-F5344CB8AC3E}">
-        <p14:creationId xmlns="" xmlns:p14="http://schemas.microsoft.com/office/powerpoint/2010/main" val="3694015714"/>
+        <p14:creationId xmlns:p14="http://schemas.microsoft.com/office/powerpoint/2010/main" xmlns="" val="3694015714"/>
       </p:ext>
     </p:extLst>
   </p:cSld>
@@ -1051,7 +1045,7 @@
     </p:spTree>
     <p:extLst>
       <p:ext uri="{BB962C8B-B14F-4D97-AF65-F5344CB8AC3E}">
-        <p14:creationId xmlns="" xmlns:p14="http://schemas.microsoft.com/office/powerpoint/2010/main" val="1819799790"/>
+        <p14:creationId xmlns:p14="http://schemas.microsoft.com/office/powerpoint/2010/main" xmlns="" val="1819799790"/>
       </p:ext>
     </p:extLst>
   </p:cSld>
@@ -1380,7 +1374,7 @@
     </p:spTree>
     <p:extLst>
       <p:ext uri="{BB962C8B-B14F-4D97-AF65-F5344CB8AC3E}">
-        <p14:creationId xmlns="" xmlns:p14="http://schemas.microsoft.com/office/powerpoint/2010/main" val="1845900609"/>
+        <p14:creationId xmlns:p14="http://schemas.microsoft.com/office/powerpoint/2010/main" xmlns="" val="1845900609"/>
       </p:ext>
     </p:extLst>
   </p:cSld>
@@ -1849,7 +1843,7 @@
     </p:spTree>
     <p:extLst>
       <p:ext uri="{BB962C8B-B14F-4D97-AF65-F5344CB8AC3E}">
-        <p14:creationId xmlns="" xmlns:p14="http://schemas.microsoft.com/office/powerpoint/2010/main" val="1834140844"/>
+        <p14:creationId xmlns:p14="http://schemas.microsoft.com/office/powerpoint/2010/main" xmlns="" val="1834140844"/>
       </p:ext>
     </p:extLst>
   </p:cSld>
@@ -2002,7 +1996,7 @@
     </p:spTree>
     <p:extLst>
       <p:ext uri="{BB962C8B-B14F-4D97-AF65-F5344CB8AC3E}">
-        <p14:creationId xmlns="" xmlns:p14="http://schemas.microsoft.com/office/powerpoint/2010/main" val="3978738694"/>
+        <p14:creationId xmlns:p14="http://schemas.microsoft.com/office/powerpoint/2010/main" xmlns="" val="3978738694"/>
       </p:ext>
     </p:extLst>
   </p:cSld>
@@ -2124,7 +2118,7 @@
     </p:spTree>
     <p:extLst>
       <p:ext uri="{BB962C8B-B14F-4D97-AF65-F5344CB8AC3E}">
-        <p14:creationId xmlns="" xmlns:p14="http://schemas.microsoft.com/office/powerpoint/2010/main" val="3760371323"/>
+        <p14:creationId xmlns:p14="http://schemas.microsoft.com/office/powerpoint/2010/main" xmlns="" val="3760371323"/>
       </p:ext>
     </p:extLst>
   </p:cSld>
@@ -2437,7 +2431,7 @@
     </p:spTree>
     <p:extLst>
       <p:ext uri="{BB962C8B-B14F-4D97-AF65-F5344CB8AC3E}">
-        <p14:creationId xmlns="" xmlns:p14="http://schemas.microsoft.com/office/powerpoint/2010/main" val="2046782160"/>
+        <p14:creationId xmlns:p14="http://schemas.microsoft.com/office/powerpoint/2010/main" xmlns="" val="2046782160"/>
       </p:ext>
     </p:extLst>
   </p:cSld>
@@ -2726,7 +2720,7 @@
     </p:spTree>
     <p:extLst>
       <p:ext uri="{BB962C8B-B14F-4D97-AF65-F5344CB8AC3E}">
-        <p14:creationId xmlns="" xmlns:p14="http://schemas.microsoft.com/office/powerpoint/2010/main" val="2028806487"/>
+        <p14:creationId xmlns:p14="http://schemas.microsoft.com/office/powerpoint/2010/main" xmlns="" val="2028806487"/>
       </p:ext>
     </p:extLst>
   </p:cSld>
@@ -2771,7 +2765,7 @@
     </p:spTree>
     <p:extLst>
       <p:ext uri="{BB962C8B-B14F-4D97-AF65-F5344CB8AC3E}">
-        <p14:creationId xmlns="" xmlns:p14="http://schemas.microsoft.com/office/powerpoint/2010/main" val="437338208"/>
+        <p14:creationId xmlns:p14="http://schemas.microsoft.com/office/powerpoint/2010/main" xmlns="" val="437338208"/>
       </p:ext>
     </p:extLst>
   </p:cSld>
@@ -3103,21 +3097,7 @@
                 <a:ea typeface="맑은 고딕" pitchFamily="50" charset="-127"/>
                 <a:cs typeface="Calibri" pitchFamily="34" charset="0"/>
               </a:rPr>
-              <a:t>H_</a:t>
-            </a:r>
-            <a:r>
-              <a:rPr lang="en-US" altLang="ko-KR" sz="3600" b="1" dirty="0" err="1" smtClean="0">
-                <a:solidFill>
-                  <a:schemeClr val="tx1">
-                    <a:lumMod val="65000"/>
-                    <a:lumOff val="35000"/>
-                  </a:schemeClr>
-                </a:solidFill>
-                <a:latin typeface="Calibri" pitchFamily="34" charset="0"/>
-                <a:ea typeface="맑은 고딕" pitchFamily="50" charset="-127"/>
-                <a:cs typeface="Calibri" pitchFamily="34" charset="0"/>
-              </a:rPr>
-              <a:t>Project</a:t>
+              <a:t>H_Project</a:t>
             </a:r>
             <a:endParaRPr lang="en-US" altLang="ko-KR" sz="3600" b="1" dirty="0" smtClean="0">
               <a:solidFill>
@@ -3167,7 +3147,7 @@
     </p:spTree>
     <p:extLst>
       <p:ext uri="{BB962C8B-B14F-4D97-AF65-F5344CB8AC3E}">
-        <p14:creationId xmlns="" xmlns:p14="http://schemas.microsoft.com/office/powerpoint/2010/main" val="1941221791"/>
+        <p14:creationId xmlns:p14="http://schemas.microsoft.com/office/powerpoint/2010/main" xmlns="" val="1941221791"/>
       </p:ext>
     </p:extLst>
   </p:cSld>
@@ -3250,99 +3230,414 @@
           </a:p>
         </p:txBody>
       </p:sp>
-      <p:pic>
-        <p:nvPicPr>
-          <p:cNvPr id="1027" name="Picture 3"/>
-          <p:cNvPicPr>
-            <a:picLocks noChangeAspect="1" noChangeArrowheads="1"/>
-          </p:cNvPicPr>
-          <p:nvPr/>
-        </p:nvPicPr>
-        <p:blipFill>
-          <a:blip r:embed="rId2"/>
-          <a:srcRect/>
-          <a:stretch>
-            <a:fillRect/>
-          </a:stretch>
-        </p:blipFill>
-        <p:spPr bwMode="auto">
-          <a:xfrm>
-            <a:off x="1428728" y="1195343"/>
-            <a:ext cx="5500725" cy="2948037"/>
-          </a:xfrm>
-          <a:prstGeom prst="rect">
-            <a:avLst/>
-          </a:prstGeom>
-          <a:noFill/>
-          <a:ln w="9525">
-            <a:solidFill>
-              <a:schemeClr val="tx1"/>
-            </a:solidFill>
-            <a:miter lim="800000"/>
-            <a:headEnd/>
-            <a:tailEnd/>
-          </a:ln>
-          <a:effectLst>
-            <a:outerShdw blurRad="50800" dist="38100" dir="2700000" algn="tl" rotWithShape="0">
-              <a:prstClr val="black">
-                <a:alpha val="40000"/>
-              </a:prstClr>
-            </a:outerShdw>
-          </a:effectLst>
-        </p:spPr>
-      </p:pic>
-      <p:pic>
-        <p:nvPicPr>
-          <p:cNvPr id="1026" name="Picture 2"/>
-          <p:cNvPicPr>
-            <a:picLocks noChangeAspect="1" noChangeArrowheads="1"/>
-          </p:cNvPicPr>
-          <p:nvPr/>
-        </p:nvPicPr>
-        <p:blipFill>
-          <a:blip r:embed="rId3"/>
-          <a:srcRect/>
-          <a:stretch>
-            <a:fillRect/>
-          </a:stretch>
-        </p:blipFill>
-        <p:spPr bwMode="auto">
-          <a:xfrm>
-            <a:off x="2675767" y="4572008"/>
-            <a:ext cx="6182513" cy="1428760"/>
-          </a:xfrm>
-          <a:prstGeom prst="rect">
-            <a:avLst/>
-          </a:prstGeom>
-          <a:noFill/>
-          <a:ln w="9525">
-            <a:solidFill>
-              <a:schemeClr val="tx1"/>
-            </a:solidFill>
-            <a:miter lim="800000"/>
-            <a:headEnd/>
-            <a:tailEnd/>
-          </a:ln>
-          <a:effectLst>
-            <a:outerShdw blurRad="50800" dist="38100" dir="2700000" algn="tl" rotWithShape="0">
-              <a:prstClr val="black">
-                <a:alpha val="40000"/>
-              </a:prstClr>
-            </a:outerShdw>
-          </a:effectLst>
-        </p:spPr>
-      </p:pic>
+      <p:sp>
+        <p:nvSpPr>
+          <p:cNvPr id="3" name="Content Placeholder 2"/>
+          <p:cNvSpPr>
+            <a:spLocks noGrp="1"/>
+          </p:cNvSpPr>
+          <p:nvPr>
+            <p:ph idx="1"/>
+          </p:nvPr>
+        </p:nvSpPr>
+        <p:spPr>
+          <a:xfrm>
+            <a:off x="1835696" y="1484784"/>
+            <a:ext cx="6851104" cy="4525963"/>
+          </a:xfrm>
+        </p:spPr>
+        <p:txBody>
+          <a:bodyPr>
+            <a:normAutofit fontScale="92500" lnSpcReduction="10000"/>
+          </a:bodyPr>
+          <a:lstStyle/>
+          <a:p>
+            <a:pPr>
+              <a:lnSpc>
+                <a:spcPct val="120000"/>
+              </a:lnSpc>
+            </a:pPr>
+            <a:r>
+              <a:rPr lang="ko-KR" altLang="en-US" sz="3600" dirty="0" smtClean="0">
+                <a:solidFill>
+                  <a:schemeClr val="tx1">
+                    <a:lumMod val="75000"/>
+                    <a:lumOff val="25000"/>
+                  </a:schemeClr>
+                </a:solidFill>
+                <a:latin typeface="Calibri" pitchFamily="34" charset="0"/>
+                <a:cs typeface="Calibri" pitchFamily="34" charset="0"/>
+              </a:rPr>
+              <a:t>급여 관리 페이지</a:t>
+            </a:r>
+            <a:endParaRPr lang="en-US" altLang="ko-KR" sz="3600" dirty="0" smtClean="0">
+              <a:solidFill>
+                <a:schemeClr val="tx1">
+                  <a:lumMod val="75000"/>
+                  <a:lumOff val="25000"/>
+                </a:schemeClr>
+              </a:solidFill>
+              <a:latin typeface="Calibri" pitchFamily="34" charset="0"/>
+              <a:cs typeface="Calibri" pitchFamily="34" charset="0"/>
+            </a:endParaRPr>
+          </a:p>
+          <a:p>
+            <a:pPr>
+              <a:lnSpc>
+                <a:spcPct val="120000"/>
+              </a:lnSpc>
+              <a:buFont typeface="Wingdings" pitchFamily="2" charset="2"/>
+              <a:buChar char="ü"/>
+            </a:pPr>
+            <a:r>
+              <a:rPr lang="ko-KR" altLang="en-US" sz="2100" dirty="0" smtClean="0">
+                <a:solidFill>
+                  <a:schemeClr val="tx1">
+                    <a:lumMod val="50000"/>
+                    <a:lumOff val="50000"/>
+                  </a:schemeClr>
+                </a:solidFill>
+                <a:latin typeface="Calibri" pitchFamily="34" charset="0"/>
+                <a:cs typeface="Calibri" pitchFamily="34" charset="0"/>
+              </a:rPr>
+              <a:t>회원 및 관리자의 급여를 관리할 수 있는 폼</a:t>
+            </a:r>
+            <a:endParaRPr lang="en-US" altLang="ko-KR" sz="2100" dirty="0" smtClean="0">
+              <a:solidFill>
+                <a:schemeClr val="tx1">
+                  <a:lumMod val="50000"/>
+                  <a:lumOff val="50000"/>
+                </a:schemeClr>
+              </a:solidFill>
+              <a:latin typeface="Calibri" pitchFamily="34" charset="0"/>
+              <a:cs typeface="Calibri" pitchFamily="34" charset="0"/>
+            </a:endParaRPr>
+          </a:p>
+          <a:p>
+            <a:pPr>
+              <a:lnSpc>
+                <a:spcPct val="120000"/>
+              </a:lnSpc>
+              <a:buNone/>
+            </a:pPr>
+            <a:endParaRPr lang="en-US" altLang="ko-KR" sz="1900" dirty="0" smtClean="0">
+              <a:solidFill>
+                <a:schemeClr val="tx1">
+                  <a:lumMod val="50000"/>
+                  <a:lumOff val="50000"/>
+                </a:schemeClr>
+              </a:solidFill>
+              <a:latin typeface="Calibri" pitchFamily="34" charset="0"/>
+              <a:cs typeface="Calibri" pitchFamily="34" charset="0"/>
+            </a:endParaRPr>
+          </a:p>
+          <a:p>
+            <a:pPr>
+              <a:lnSpc>
+                <a:spcPct val="120000"/>
+              </a:lnSpc>
+            </a:pPr>
+            <a:r>
+              <a:rPr lang="ko-KR" altLang="en-US" sz="3600" dirty="0" smtClean="0">
+                <a:solidFill>
+                  <a:schemeClr val="tx1">
+                    <a:lumMod val="75000"/>
+                    <a:lumOff val="25000"/>
+                  </a:schemeClr>
+                </a:solidFill>
+                <a:latin typeface="Calibri" pitchFamily="34" charset="0"/>
+                <a:cs typeface="Calibri" pitchFamily="34" charset="0"/>
+              </a:rPr>
+              <a:t>관리자 급여 관리</a:t>
+            </a:r>
+            <a:endParaRPr lang="en-US" altLang="ko-KR" sz="3600" dirty="0" smtClean="0">
+              <a:solidFill>
+                <a:schemeClr val="tx1">
+                  <a:lumMod val="75000"/>
+                  <a:lumOff val="25000"/>
+                </a:schemeClr>
+              </a:solidFill>
+              <a:latin typeface="Calibri" pitchFamily="34" charset="0"/>
+              <a:cs typeface="Calibri" pitchFamily="34" charset="0"/>
+            </a:endParaRPr>
+          </a:p>
+          <a:p>
+            <a:pPr>
+              <a:lnSpc>
+                <a:spcPct val="120000"/>
+              </a:lnSpc>
+              <a:buFont typeface="Wingdings" pitchFamily="2" charset="2"/>
+              <a:buChar char="ü"/>
+            </a:pPr>
+            <a:r>
+              <a:rPr lang="ko-KR" altLang="en-US" sz="2100" dirty="0" smtClean="0">
+                <a:solidFill>
+                  <a:schemeClr val="tx1">
+                    <a:lumMod val="50000"/>
+                    <a:lumOff val="50000"/>
+                  </a:schemeClr>
+                </a:solidFill>
+                <a:latin typeface="Calibri" pitchFamily="34" charset="0"/>
+                <a:cs typeface="Calibri" pitchFamily="34" charset="0"/>
+              </a:rPr>
+              <a:t>관리자는 회원의 급여 관리  </a:t>
+            </a:r>
+            <a:r>
+              <a:rPr lang="ko-KR" altLang="en-US" sz="2100" dirty="0" err="1" smtClean="0">
+                <a:solidFill>
+                  <a:schemeClr val="tx1">
+                    <a:lumMod val="50000"/>
+                    <a:lumOff val="50000"/>
+                  </a:schemeClr>
+                </a:solidFill>
+                <a:latin typeface="Calibri" pitchFamily="34" charset="0"/>
+                <a:cs typeface="Calibri" pitchFamily="34" charset="0"/>
+              </a:rPr>
+              <a:t>추가</a:t>
+            </a:r>
+            <a:r>
+              <a:rPr lang="ko-KR" altLang="en-US" sz="2100" dirty="0" err="1" smtClean="0">
+                <a:solidFill>
+                  <a:schemeClr val="tx1">
+                    <a:lumMod val="50000"/>
+                    <a:lumOff val="50000"/>
+                  </a:schemeClr>
+                </a:solidFill>
+                <a:latin typeface="굴림체"/>
+                <a:ea typeface="굴림체"/>
+                <a:cs typeface="Calibri" pitchFamily="34" charset="0"/>
+              </a:rPr>
+              <a:t>ㆍ</a:t>
+            </a:r>
+            <a:r>
+              <a:rPr lang="ko-KR" altLang="en-US" sz="2100" dirty="0" err="1" smtClean="0">
+                <a:solidFill>
+                  <a:schemeClr val="tx1">
+                    <a:lumMod val="50000"/>
+                    <a:lumOff val="50000"/>
+                  </a:schemeClr>
+                </a:solidFill>
+                <a:latin typeface="Calibri" pitchFamily="34" charset="0"/>
+                <a:cs typeface="Calibri" pitchFamily="34" charset="0"/>
+              </a:rPr>
+              <a:t>수정</a:t>
+            </a:r>
+            <a:r>
+              <a:rPr lang="ko-KR" altLang="en-US" sz="2100" dirty="0" err="1" smtClean="0">
+                <a:solidFill>
+                  <a:schemeClr val="tx1">
+                    <a:lumMod val="50000"/>
+                    <a:lumOff val="50000"/>
+                  </a:schemeClr>
+                </a:solidFill>
+                <a:latin typeface="굴림체"/>
+                <a:ea typeface="굴림체"/>
+                <a:cs typeface="Calibri" pitchFamily="34" charset="0"/>
+              </a:rPr>
+              <a:t>ㆍ</a:t>
+            </a:r>
+            <a:r>
+              <a:rPr lang="ko-KR" altLang="en-US" sz="2100" dirty="0" err="1" smtClean="0">
+                <a:solidFill>
+                  <a:schemeClr val="tx1">
+                    <a:lumMod val="50000"/>
+                    <a:lumOff val="50000"/>
+                  </a:schemeClr>
+                </a:solidFill>
+                <a:latin typeface="Calibri" pitchFamily="34" charset="0"/>
+                <a:cs typeface="Calibri" pitchFamily="34" charset="0"/>
+              </a:rPr>
+              <a:t>삭제</a:t>
+            </a:r>
+            <a:r>
+              <a:rPr lang="ko-KR" altLang="en-US" sz="2100" dirty="0" smtClean="0">
+                <a:solidFill>
+                  <a:schemeClr val="tx1">
+                    <a:lumMod val="50000"/>
+                    <a:lumOff val="50000"/>
+                  </a:schemeClr>
+                </a:solidFill>
+                <a:latin typeface="Calibri" pitchFamily="34" charset="0"/>
+                <a:cs typeface="Calibri" pitchFamily="34" charset="0"/>
+              </a:rPr>
+              <a:t>  가능</a:t>
+            </a:r>
+            <a:endParaRPr lang="en-US" altLang="ko-KR" sz="2100" dirty="0" smtClean="0">
+              <a:solidFill>
+                <a:schemeClr val="tx1">
+                  <a:lumMod val="50000"/>
+                  <a:lumOff val="50000"/>
+                </a:schemeClr>
+              </a:solidFill>
+              <a:latin typeface="Calibri" pitchFamily="34" charset="0"/>
+              <a:cs typeface="Calibri" pitchFamily="34" charset="0"/>
+            </a:endParaRPr>
+          </a:p>
+          <a:p>
+            <a:pPr>
+              <a:lnSpc>
+                <a:spcPct val="120000"/>
+              </a:lnSpc>
+              <a:buFont typeface="Wingdings" pitchFamily="2" charset="2"/>
+              <a:buChar char="ü"/>
+            </a:pPr>
+            <a:r>
+              <a:rPr lang="ko-KR" altLang="en-US" sz="2100" dirty="0" smtClean="0">
+                <a:solidFill>
+                  <a:schemeClr val="tx1">
+                    <a:lumMod val="50000"/>
+                    <a:lumOff val="50000"/>
+                  </a:schemeClr>
+                </a:solidFill>
+                <a:latin typeface="Calibri" pitchFamily="34" charset="0"/>
+                <a:cs typeface="Calibri" pitchFamily="34" charset="0"/>
+              </a:rPr>
+              <a:t>급여 등록 시 관리자 및 회원의 코드번호 조회 가능</a:t>
+            </a:r>
+            <a:endParaRPr lang="en-US" altLang="ko-KR" sz="2100" dirty="0" smtClean="0">
+              <a:solidFill>
+                <a:schemeClr val="tx1">
+                  <a:lumMod val="50000"/>
+                  <a:lumOff val="50000"/>
+                </a:schemeClr>
+              </a:solidFill>
+              <a:latin typeface="Calibri" pitchFamily="34" charset="0"/>
+              <a:cs typeface="Calibri" pitchFamily="34" charset="0"/>
+            </a:endParaRPr>
+          </a:p>
+          <a:p>
+            <a:pPr>
+              <a:lnSpc>
+                <a:spcPct val="120000"/>
+              </a:lnSpc>
+              <a:buNone/>
+            </a:pPr>
+            <a:endParaRPr lang="en-US" altLang="ko-KR" sz="2800" dirty="0" smtClean="0">
+              <a:solidFill>
+                <a:schemeClr val="tx1">
+                  <a:lumMod val="50000"/>
+                  <a:lumOff val="50000"/>
+                </a:schemeClr>
+              </a:solidFill>
+              <a:latin typeface="Calibri" pitchFamily="34" charset="0"/>
+              <a:cs typeface="Calibri" pitchFamily="34" charset="0"/>
+            </a:endParaRPr>
+          </a:p>
+          <a:p>
+            <a:pPr>
+              <a:lnSpc>
+                <a:spcPct val="120000"/>
+              </a:lnSpc>
+            </a:pPr>
+            <a:r>
+              <a:rPr lang="ko-KR" altLang="en-US" sz="3600" dirty="0" smtClean="0">
+                <a:solidFill>
+                  <a:schemeClr val="tx1">
+                    <a:lumMod val="75000"/>
+                    <a:lumOff val="25000"/>
+                  </a:schemeClr>
+                </a:solidFill>
+                <a:latin typeface="Calibri" pitchFamily="34" charset="0"/>
+                <a:cs typeface="Calibri" pitchFamily="34" charset="0"/>
+              </a:rPr>
+              <a:t>회원 급여 관리</a:t>
+            </a:r>
+            <a:endParaRPr lang="en-US" altLang="ko-KR" sz="3600" dirty="0" smtClean="0">
+              <a:solidFill>
+                <a:schemeClr val="tx1">
+                  <a:lumMod val="75000"/>
+                  <a:lumOff val="25000"/>
+                </a:schemeClr>
+              </a:solidFill>
+              <a:latin typeface="Calibri" pitchFamily="34" charset="0"/>
+              <a:cs typeface="Calibri" pitchFamily="34" charset="0"/>
+            </a:endParaRPr>
+          </a:p>
+          <a:p>
+            <a:pPr>
+              <a:lnSpc>
+                <a:spcPct val="120000"/>
+              </a:lnSpc>
+              <a:buFont typeface="Wingdings" pitchFamily="2" charset="2"/>
+              <a:buChar char="ü"/>
+            </a:pPr>
+            <a:r>
+              <a:rPr lang="ko-KR" altLang="en-US" sz="2100" dirty="0" smtClean="0">
+                <a:solidFill>
+                  <a:schemeClr val="tx1">
+                    <a:lumMod val="50000"/>
+                    <a:lumOff val="50000"/>
+                  </a:schemeClr>
+                </a:solidFill>
+                <a:latin typeface="Calibri" pitchFamily="34" charset="0"/>
+                <a:cs typeface="Calibri" pitchFamily="34" charset="0"/>
+              </a:rPr>
+              <a:t>회원은 자신의 급여 정보 및 코드번호 확인 가능 </a:t>
+            </a:r>
+            <a:endParaRPr lang="en-US" altLang="ko-KR" sz="2100" dirty="0" smtClean="0">
+              <a:solidFill>
+                <a:schemeClr val="tx1">
+                  <a:lumMod val="50000"/>
+                  <a:lumOff val="50000"/>
+                </a:schemeClr>
+              </a:solidFill>
+              <a:latin typeface="Calibri" pitchFamily="34" charset="0"/>
+              <a:cs typeface="Calibri" pitchFamily="34" charset="0"/>
+            </a:endParaRPr>
+          </a:p>
+          <a:p>
+            <a:pPr>
+              <a:buFont typeface="Wingdings" pitchFamily="2" charset="2"/>
+              <a:buChar char="ü"/>
+            </a:pPr>
+            <a:endParaRPr lang="en-US" altLang="ko-KR" sz="2400" dirty="0" smtClean="0">
+              <a:solidFill>
+                <a:schemeClr val="tx1">
+                  <a:lumMod val="50000"/>
+                  <a:lumOff val="50000"/>
+                </a:schemeClr>
+              </a:solidFill>
+              <a:latin typeface="Calibri" pitchFamily="34" charset="0"/>
+              <a:cs typeface="Calibri" pitchFamily="34" charset="0"/>
+            </a:endParaRPr>
+          </a:p>
+          <a:p>
+            <a:endParaRPr lang="en-US" altLang="ko-KR" sz="4000" dirty="0" smtClean="0">
+              <a:solidFill>
+                <a:schemeClr val="tx1">
+                  <a:lumMod val="75000"/>
+                  <a:lumOff val="25000"/>
+                </a:schemeClr>
+              </a:solidFill>
+              <a:latin typeface="Calibri" pitchFamily="34" charset="0"/>
+              <a:cs typeface="Calibri" pitchFamily="34" charset="0"/>
+            </a:endParaRPr>
+          </a:p>
+          <a:p>
+            <a:endParaRPr lang="en-US" altLang="ko-KR" sz="4000" dirty="0" smtClean="0">
+              <a:solidFill>
+                <a:schemeClr val="tx1">
+                  <a:lumMod val="50000"/>
+                  <a:lumOff val="50000"/>
+                </a:schemeClr>
+              </a:solidFill>
+              <a:latin typeface="Calibri" pitchFamily="34" charset="0"/>
+              <a:cs typeface="Calibri" pitchFamily="34" charset="0"/>
+            </a:endParaRPr>
+          </a:p>
+        </p:txBody>
+      </p:sp>
     </p:spTree>
     <p:extLst>
       <p:ext uri="{BB962C8B-B14F-4D97-AF65-F5344CB8AC3E}">
-        <p14:creationId xmlns="" xmlns:p14="http://schemas.microsoft.com/office/powerpoint/2010/main" val="891763176"/>
+        <p14:creationId xmlns:p14="http://schemas.microsoft.com/office/powerpoint/2010/main" xmlns="" val="891763176"/>
       </p:ext>
     </p:extLst>
   </p:cSld>
   <p:clrMapOvr>
     <a:masterClrMapping/>
   </p:clrMapOvr>
-  <p:transition advTm="0"/>
+  <p:transition/>
   <p:timing>
     <p:tnLst>
       <p:par>
@@ -3370,9 +3665,57 @@
           <a:chExt cx="0" cy="0"/>
         </a:xfrm>
       </p:grpSpPr>
+      <p:sp>
+        <p:nvSpPr>
+          <p:cNvPr id="2" name="Title 1"/>
+          <p:cNvSpPr>
+            <a:spLocks noGrp="1"/>
+          </p:cNvSpPr>
+          <p:nvPr>
+            <p:ph type="title"/>
+          </p:nvPr>
+        </p:nvSpPr>
+        <p:spPr>
+          <a:xfrm>
+            <a:off x="1259632" y="0"/>
+            <a:ext cx="7884368" cy="1069514"/>
+          </a:xfrm>
+        </p:spPr>
+        <p:txBody>
+          <a:bodyPr/>
+          <a:lstStyle/>
+          <a:p>
+            <a:r>
+              <a:rPr lang="en-US" altLang="ko-KR" sz="4400" dirty="0" smtClean="0">
+                <a:solidFill>
+                  <a:schemeClr val="tx1">
+                    <a:lumMod val="75000"/>
+                    <a:lumOff val="25000"/>
+                  </a:schemeClr>
+                </a:solidFill>
+                <a:latin typeface="Calibri" pitchFamily="34" charset="0"/>
+                <a:ea typeface="Arial Unicode MS" pitchFamily="50" charset="-127"/>
+                <a:cs typeface="Calibri" pitchFamily="34" charset="0"/>
+              </a:rPr>
+              <a:t>Salary Management</a:t>
+            </a:r>
+            <a:endParaRPr lang="ko-KR" altLang="en-US" sz="4400" dirty="0">
+              <a:solidFill>
+                <a:schemeClr val="tx1">
+                  <a:lumMod val="75000"/>
+                  <a:lumOff val="25000"/>
+                </a:schemeClr>
+              </a:solidFill>
+              <a:latin typeface="Calibri" pitchFamily="34" charset="0"/>
+              <a:ea typeface="Arial Unicode MS" pitchFamily="50" charset="-127"/>
+              <a:cs typeface="Calibri" pitchFamily="34" charset="0"/>
+            </a:endParaRPr>
+          </a:p>
+        </p:txBody>
+      </p:sp>
       <p:pic>
         <p:nvPicPr>
-          <p:cNvPr id="3075" name="Picture 3"/>
+          <p:cNvPr id="5" name="Picture 2"/>
           <p:cNvPicPr>
             <a:picLocks noChangeAspect="1" noChangeArrowheads="1"/>
           </p:cNvPicPr>
@@ -3387,8 +3730,8 @@
         </p:blipFill>
         <p:spPr bwMode="auto">
           <a:xfrm>
-            <a:off x="1500166" y="4214818"/>
-            <a:ext cx="3749363" cy="2071702"/>
+            <a:off x="1331640" y="1052736"/>
+            <a:ext cx="6698656" cy="3888432"/>
           </a:xfrm>
           <a:prstGeom prst="rect">
             <a:avLst/>
@@ -3411,142 +3754,10 @@
           </a:effectLst>
         </p:spPr>
       </p:pic>
-      <p:sp>
-        <p:nvSpPr>
-          <p:cNvPr id="2" name="Title 1"/>
-          <p:cNvSpPr>
-            <a:spLocks noGrp="1"/>
-          </p:cNvSpPr>
-          <p:nvPr>
-            <p:ph type="title"/>
-          </p:nvPr>
-        </p:nvSpPr>
-        <p:spPr>
-          <a:xfrm>
-            <a:off x="1259632" y="0"/>
-            <a:ext cx="7884368" cy="1069514"/>
-          </a:xfrm>
-        </p:spPr>
-        <p:txBody>
-          <a:bodyPr/>
-          <a:lstStyle/>
-          <a:p>
-            <a:r>
-              <a:rPr lang="en-US" altLang="ko-KR" sz="4400" dirty="0" smtClean="0">
-                <a:solidFill>
-                  <a:schemeClr val="tx1">
-                    <a:lumMod val="75000"/>
-                    <a:lumOff val="25000"/>
-                  </a:schemeClr>
-                </a:solidFill>
-                <a:latin typeface="Calibri" pitchFamily="34" charset="0"/>
-                <a:ea typeface="Arial Unicode MS" pitchFamily="50" charset="-127"/>
-                <a:cs typeface="Calibri" pitchFamily="34" charset="0"/>
-              </a:rPr>
-              <a:t>Salary Management</a:t>
-            </a:r>
-            <a:endParaRPr lang="ko-KR" altLang="en-US" sz="4400" dirty="0">
-              <a:solidFill>
-                <a:schemeClr val="tx1">
-                  <a:lumMod val="75000"/>
-                  <a:lumOff val="25000"/>
-                </a:schemeClr>
-              </a:solidFill>
-              <a:latin typeface="Calibri" pitchFamily="34" charset="0"/>
-              <a:ea typeface="Arial Unicode MS" pitchFamily="50" charset="-127"/>
-              <a:cs typeface="Calibri" pitchFamily="34" charset="0"/>
-            </a:endParaRPr>
-          </a:p>
-        </p:txBody>
-      </p:sp>
-      <p:pic>
-        <p:nvPicPr>
-          <p:cNvPr id="5" name="Picture 2"/>
-          <p:cNvPicPr>
-            <a:picLocks noChangeAspect="1" noChangeArrowheads="1"/>
-          </p:cNvPicPr>
-          <p:nvPr/>
-        </p:nvPicPr>
-        <p:blipFill>
-          <a:blip r:embed="rId3"/>
-          <a:srcRect/>
-          <a:stretch>
-            <a:fillRect/>
-          </a:stretch>
-        </p:blipFill>
-        <p:spPr bwMode="auto">
-          <a:xfrm>
-            <a:off x="1451053" y="1142984"/>
-            <a:ext cx="3906765" cy="2000264"/>
-          </a:xfrm>
-          <a:prstGeom prst="rect">
-            <a:avLst/>
-          </a:prstGeom>
-          <a:noFill/>
-          <a:ln w="9525">
-            <a:solidFill>
-              <a:schemeClr val="tx1"/>
-            </a:solidFill>
-            <a:miter lim="800000"/>
-            <a:headEnd/>
-            <a:tailEnd/>
-          </a:ln>
-          <a:effectLst>
-            <a:outerShdw blurRad="50800" dist="38100" dir="2700000" algn="tl" rotWithShape="0">
-              <a:prstClr val="black">
-                <a:alpha val="40000"/>
-              </a:prstClr>
-            </a:outerShdw>
-          </a:effectLst>
-        </p:spPr>
-      </p:pic>
-      <p:pic>
-        <p:nvPicPr>
-          <p:cNvPr id="2051" name="Picture 3"/>
-          <p:cNvPicPr>
-            <a:picLocks noGrp="1" noChangeAspect="1" noChangeArrowheads="1"/>
-          </p:cNvPicPr>
-          <p:nvPr>
-            <p:ph idx="1"/>
-          </p:nvPr>
-        </p:nvPicPr>
-        <p:blipFill>
-          <a:blip r:embed="rId4"/>
-          <a:srcRect/>
-          <a:stretch>
-            <a:fillRect/>
-          </a:stretch>
-        </p:blipFill>
-        <p:spPr bwMode="auto">
-          <a:xfrm>
-            <a:off x="4807252" y="2928934"/>
-            <a:ext cx="3836714" cy="2143140"/>
-          </a:xfrm>
-          <a:prstGeom prst="rect">
-            <a:avLst/>
-          </a:prstGeom>
-          <a:noFill/>
-          <a:ln w="9525">
-            <a:solidFill>
-              <a:schemeClr val="tx1"/>
-            </a:solidFill>
-            <a:miter lim="800000"/>
-            <a:headEnd/>
-            <a:tailEnd/>
-          </a:ln>
-          <a:effectLst>
-            <a:outerShdw blurRad="50800" dist="38100" dir="2700000" algn="tl" rotWithShape="0">
-              <a:prstClr val="black">
-                <a:alpha val="40000"/>
-              </a:prstClr>
-            </a:outerShdw>
-          </a:effectLst>
-        </p:spPr>
-      </p:pic>
     </p:spTree>
     <p:extLst>
       <p:ext uri="{BB962C8B-B14F-4D97-AF65-F5344CB8AC3E}">
-        <p14:creationId xmlns="" xmlns:p14="http://schemas.microsoft.com/office/powerpoint/2010/main" val="891763176"/>
+        <p14:creationId xmlns:p14="http://schemas.microsoft.com/office/powerpoint/2010/main" xmlns="" val="891763176"/>
       </p:ext>
     </p:extLst>
   </p:cSld>
@@ -3602,7 +3813,7 @@
           <a:lstStyle/>
           <a:p>
             <a:r>
-              <a:rPr lang="en-US" altLang="ko-KR" sz="4400" dirty="0" err="1" smtClean="0">
+              <a:rPr lang="en-US" altLang="ko-KR" sz="4400" dirty="0" smtClean="0">
                 <a:solidFill>
                   <a:schemeClr val="tx1">
                     <a:lumMod val="75000"/>
@@ -3613,21 +3824,7 @@
                 <a:ea typeface="Arial Unicode MS" pitchFamily="50" charset="-127"/>
                 <a:cs typeface="Calibri" pitchFamily="34" charset="0"/>
               </a:rPr>
-              <a:t>WorkTime</a:t>
-            </a:r>
-            <a:r>
-              <a:rPr lang="en-US" altLang="ko-KR" sz="4400" dirty="0" smtClean="0">
-                <a:solidFill>
-                  <a:schemeClr val="tx1">
-                    <a:lumMod val="75000"/>
-                    <a:lumOff val="25000"/>
-                  </a:schemeClr>
-                </a:solidFill>
-                <a:latin typeface="Calibri" pitchFamily="34" charset="0"/>
-                <a:ea typeface="Arial Unicode MS" pitchFamily="50" charset="-127"/>
-                <a:cs typeface="Calibri" pitchFamily="34" charset="0"/>
-              </a:rPr>
-              <a:t> Management</a:t>
+              <a:t>Salary Management</a:t>
             </a:r>
             <a:endParaRPr lang="ko-KR" altLang="en-US" sz="4400" dirty="0">
               <a:solidFill>
@@ -3643,363 +3840,183 @@
           </a:p>
         </p:txBody>
       </p:sp>
+      <p:pic>
+        <p:nvPicPr>
+          <p:cNvPr id="4" name="Picture 3"/>
+          <p:cNvPicPr>
+            <a:picLocks noChangeAspect="1" noChangeArrowheads="1"/>
+          </p:cNvPicPr>
+          <p:nvPr/>
+        </p:nvPicPr>
+        <p:blipFill>
+          <a:blip r:embed="rId2"/>
+          <a:srcRect/>
+          <a:stretch>
+            <a:fillRect/>
+          </a:stretch>
+        </p:blipFill>
+        <p:spPr bwMode="auto">
+          <a:xfrm>
+            <a:off x="1450864" y="980728"/>
+            <a:ext cx="4353525" cy="3672408"/>
+          </a:xfrm>
+          <a:prstGeom prst="rect">
+            <a:avLst/>
+          </a:prstGeom>
+          <a:noFill/>
+          <a:ln w="9525">
+            <a:solidFill>
+              <a:schemeClr val="tx1"/>
+            </a:solidFill>
+            <a:miter lim="800000"/>
+            <a:headEnd/>
+            <a:tailEnd/>
+          </a:ln>
+          <a:effectLst>
+            <a:outerShdw blurRad="50800" dist="38100" dir="2700000" algn="tl" rotWithShape="0">
+              <a:prstClr val="black">
+                <a:alpha val="40000"/>
+              </a:prstClr>
+            </a:outerShdw>
+          </a:effectLst>
+        </p:spPr>
+      </p:pic>
+      <p:pic>
+        <p:nvPicPr>
+          <p:cNvPr id="6" name="Picture 2"/>
+          <p:cNvPicPr>
+            <a:picLocks noChangeAspect="1" noChangeArrowheads="1"/>
+          </p:cNvPicPr>
+          <p:nvPr/>
+        </p:nvPicPr>
+        <p:blipFill>
+          <a:blip r:embed="rId3"/>
+          <a:srcRect/>
+          <a:stretch>
+            <a:fillRect/>
+          </a:stretch>
+        </p:blipFill>
+        <p:spPr bwMode="auto">
+          <a:xfrm>
+            <a:off x="4572000" y="3284984"/>
+            <a:ext cx="4249251" cy="3312368"/>
+          </a:xfrm>
+          <a:prstGeom prst="rect">
+            <a:avLst/>
+          </a:prstGeom>
+          <a:noFill/>
+          <a:ln w="9525">
+            <a:solidFill>
+              <a:schemeClr val="tx1"/>
+            </a:solidFill>
+            <a:miter lim="800000"/>
+            <a:headEnd/>
+            <a:tailEnd/>
+          </a:ln>
+          <a:effectLst>
+            <a:outerShdw blurRad="50800" dist="38100" dir="2700000" algn="tl" rotWithShape="0">
+              <a:prstClr val="black">
+                <a:alpha val="40000"/>
+              </a:prstClr>
+            </a:outerShdw>
+          </a:effectLst>
+        </p:spPr>
+      </p:pic>
       <p:sp>
         <p:nvSpPr>
-          <p:cNvPr id="3" name="Content Placeholder 2"/>
-          <p:cNvSpPr>
-            <a:spLocks noGrp="1"/>
-          </p:cNvSpPr>
-          <p:nvPr>
-            <p:ph idx="1"/>
-          </p:nvPr>
+          <p:cNvPr id="7" name="직사각형 6"/>
+          <p:cNvSpPr/>
+          <p:nvPr/>
         </p:nvSpPr>
         <p:spPr>
           <a:xfrm>
-            <a:off x="1835696" y="1484784"/>
-            <a:ext cx="6851104" cy="4525963"/>
-          </a:xfrm>
-        </p:spPr>
+            <a:off x="1475656" y="2708920"/>
+            <a:ext cx="936104" cy="216024"/>
+          </a:xfrm>
+          <a:prstGeom prst="rect">
+            <a:avLst/>
+          </a:prstGeom>
+          <a:noFill/>
+          <a:ln>
+            <a:solidFill>
+              <a:srgbClr val="C00000"/>
+            </a:solidFill>
+          </a:ln>
+        </p:spPr>
+        <p:style>
+          <a:lnRef idx="2">
+            <a:schemeClr val="accent1">
+              <a:shade val="50000"/>
+            </a:schemeClr>
+          </a:lnRef>
+          <a:fillRef idx="1">
+            <a:schemeClr val="accent1"/>
+          </a:fillRef>
+          <a:effectRef idx="0">
+            <a:schemeClr val="accent1"/>
+          </a:effectRef>
+          <a:fontRef idx="minor">
+            <a:schemeClr val="lt1"/>
+          </a:fontRef>
+        </p:style>
         <p:txBody>
-          <a:bodyPr>
-            <a:normAutofit/>
-          </a:bodyPr>
+          <a:bodyPr rtlCol="0" anchor="ctr"/>
           <a:lstStyle/>
           <a:p>
-            <a:pPr>
-              <a:lnSpc>
-                <a:spcPct val="120000"/>
-              </a:lnSpc>
-            </a:pPr>
-            <a:r>
-              <a:rPr lang="ko-KR" altLang="en-US" sz="3000" dirty="0" smtClean="0">
-                <a:solidFill>
-                  <a:schemeClr val="tx1">
-                    <a:lumMod val="75000"/>
-                    <a:lumOff val="25000"/>
-                  </a:schemeClr>
-                </a:solidFill>
-                <a:latin typeface="Calibri" pitchFamily="34" charset="0"/>
-                <a:cs typeface="Calibri" pitchFamily="34" charset="0"/>
-              </a:rPr>
-              <a:t>근태 관리 페이지</a:t>
-            </a:r>
-            <a:endParaRPr lang="en-US" altLang="ko-KR" sz="3000" dirty="0" smtClean="0">
-              <a:solidFill>
-                <a:schemeClr val="tx1">
-                  <a:lumMod val="75000"/>
-                  <a:lumOff val="25000"/>
-                </a:schemeClr>
-              </a:solidFill>
-              <a:latin typeface="Calibri" pitchFamily="34" charset="0"/>
-              <a:cs typeface="Calibri" pitchFamily="34" charset="0"/>
-            </a:endParaRPr>
-          </a:p>
-          <a:p>
-            <a:pPr>
-              <a:lnSpc>
-                <a:spcPct val="120000"/>
-              </a:lnSpc>
-              <a:buFont typeface="Wingdings" pitchFamily="2" charset="2"/>
-              <a:buChar char="ü"/>
-            </a:pPr>
-            <a:r>
-              <a:rPr lang="ko-KR" altLang="en-US" sz="1900" dirty="0" smtClean="0">
-                <a:solidFill>
-                  <a:schemeClr val="tx1">
-                    <a:lumMod val="50000"/>
-                    <a:lumOff val="50000"/>
-                  </a:schemeClr>
-                </a:solidFill>
-                <a:latin typeface="Calibri" pitchFamily="34" charset="0"/>
-                <a:cs typeface="Calibri" pitchFamily="34" charset="0"/>
-              </a:rPr>
-              <a:t>회원 및 관리자의 근태를 관리할 수 있는 폼</a:t>
-            </a:r>
-            <a:endParaRPr lang="en-US" altLang="ko-KR" sz="1900" dirty="0" smtClean="0">
-              <a:solidFill>
-                <a:schemeClr val="tx1">
-                  <a:lumMod val="50000"/>
-                  <a:lumOff val="50000"/>
-                </a:schemeClr>
-              </a:solidFill>
-              <a:latin typeface="Calibri" pitchFamily="34" charset="0"/>
-              <a:cs typeface="Calibri" pitchFamily="34" charset="0"/>
-            </a:endParaRPr>
-          </a:p>
-          <a:p>
-            <a:pPr>
-              <a:buFont typeface="Wingdings" pitchFamily="2" charset="2"/>
-              <a:buChar char="ü"/>
-            </a:pPr>
-            <a:endParaRPr lang="en-US" altLang="ko-KR" sz="2200" dirty="0" smtClean="0">
-              <a:solidFill>
-                <a:schemeClr val="tx1">
-                  <a:lumMod val="50000"/>
-                  <a:lumOff val="50000"/>
-                </a:schemeClr>
-              </a:solidFill>
-              <a:latin typeface="Calibri" pitchFamily="34" charset="0"/>
-              <a:cs typeface="Calibri" pitchFamily="34" charset="0"/>
-            </a:endParaRPr>
-          </a:p>
-          <a:p>
-            <a:pPr>
-              <a:lnSpc>
-                <a:spcPct val="120000"/>
-              </a:lnSpc>
-            </a:pPr>
-            <a:r>
-              <a:rPr lang="ko-KR" altLang="en-US" sz="3000" dirty="0" smtClean="0">
-                <a:solidFill>
-                  <a:schemeClr val="tx1">
-                    <a:lumMod val="75000"/>
-                    <a:lumOff val="25000"/>
-                  </a:schemeClr>
-                </a:solidFill>
-                <a:latin typeface="Calibri" pitchFamily="34" charset="0"/>
-                <a:cs typeface="Calibri" pitchFamily="34" charset="0"/>
-              </a:rPr>
-              <a:t>관리자 근태 관리</a:t>
-            </a:r>
-            <a:endParaRPr lang="en-US" altLang="ko-KR" sz="3000" dirty="0" smtClean="0">
-              <a:solidFill>
-                <a:schemeClr val="tx1">
-                  <a:lumMod val="75000"/>
-                  <a:lumOff val="25000"/>
-                </a:schemeClr>
-              </a:solidFill>
-              <a:latin typeface="Calibri" pitchFamily="34" charset="0"/>
-              <a:cs typeface="Calibri" pitchFamily="34" charset="0"/>
-            </a:endParaRPr>
-          </a:p>
-          <a:p>
-            <a:pPr>
-              <a:lnSpc>
-                <a:spcPct val="120000"/>
-              </a:lnSpc>
-              <a:buFont typeface="Wingdings" pitchFamily="2" charset="2"/>
-              <a:buChar char="ü"/>
-            </a:pPr>
-            <a:r>
-              <a:rPr lang="ko-KR" altLang="en-US" sz="1900" dirty="0" smtClean="0">
-                <a:solidFill>
-                  <a:schemeClr val="tx1">
-                    <a:lumMod val="50000"/>
-                    <a:lumOff val="50000"/>
-                  </a:schemeClr>
-                </a:solidFill>
-                <a:latin typeface="Calibri" pitchFamily="34" charset="0"/>
-                <a:cs typeface="Calibri" pitchFamily="34" charset="0"/>
-              </a:rPr>
-              <a:t>관리자는 회원의  근태 확인</a:t>
-            </a:r>
-            <a:r>
-              <a:rPr lang="en-US" altLang="ko-KR" sz="1900" dirty="0" smtClean="0">
-                <a:solidFill>
-                  <a:schemeClr val="tx1">
-                    <a:lumMod val="50000"/>
-                    <a:lumOff val="50000"/>
-                  </a:schemeClr>
-                </a:solidFill>
-                <a:latin typeface="Calibri" pitchFamily="34" charset="0"/>
-                <a:cs typeface="Calibri" pitchFamily="34" charset="0"/>
-              </a:rPr>
-              <a:t> </a:t>
-            </a:r>
-            <a:r>
-              <a:rPr lang="ko-KR" altLang="en-US" sz="1900" dirty="0" smtClean="0">
-                <a:solidFill>
-                  <a:schemeClr val="tx1">
-                    <a:lumMod val="50000"/>
-                    <a:lumOff val="50000"/>
-                  </a:schemeClr>
-                </a:solidFill>
-                <a:latin typeface="Calibri" pitchFamily="34" charset="0"/>
-                <a:cs typeface="Calibri" pitchFamily="34" charset="0"/>
-              </a:rPr>
-              <a:t>및 수정</a:t>
-            </a:r>
-            <a:r>
-              <a:rPr lang="en-US" altLang="ko-KR" sz="1900" dirty="0" smtClean="0">
-                <a:solidFill>
-                  <a:schemeClr val="tx1">
-                    <a:lumMod val="50000"/>
-                    <a:lumOff val="50000"/>
-                  </a:schemeClr>
-                </a:solidFill>
-                <a:latin typeface="Calibri" pitchFamily="34" charset="0"/>
-                <a:cs typeface="Calibri" pitchFamily="34" charset="0"/>
-              </a:rPr>
-              <a:t>, </a:t>
-            </a:r>
-            <a:r>
-              <a:rPr lang="ko-KR" altLang="en-US" sz="1900" dirty="0" smtClean="0">
-                <a:solidFill>
-                  <a:schemeClr val="tx1">
-                    <a:lumMod val="50000"/>
-                    <a:lumOff val="50000"/>
-                  </a:schemeClr>
-                </a:solidFill>
-                <a:latin typeface="Calibri" pitchFamily="34" charset="0"/>
-                <a:cs typeface="Calibri" pitchFamily="34" charset="0"/>
-              </a:rPr>
-              <a:t>삭제 가능</a:t>
-            </a:r>
-            <a:endParaRPr lang="en-US" altLang="ko-KR" sz="1900" dirty="0" smtClean="0">
-              <a:solidFill>
-                <a:schemeClr val="tx1">
-                  <a:lumMod val="50000"/>
-                  <a:lumOff val="50000"/>
-                </a:schemeClr>
-              </a:solidFill>
-              <a:latin typeface="Calibri" pitchFamily="34" charset="0"/>
-              <a:cs typeface="Calibri" pitchFamily="34" charset="0"/>
-            </a:endParaRPr>
-          </a:p>
-          <a:p>
-            <a:pPr>
-              <a:lnSpc>
-                <a:spcPct val="120000"/>
-              </a:lnSpc>
-              <a:buFont typeface="Wingdings" pitchFamily="2" charset="2"/>
-              <a:buChar char="ü"/>
-            </a:pPr>
-            <a:endParaRPr lang="en-US" altLang="ko-KR" sz="2400" dirty="0" smtClean="0">
-              <a:solidFill>
-                <a:schemeClr val="tx1">
-                  <a:lumMod val="50000"/>
-                  <a:lumOff val="50000"/>
-                </a:schemeClr>
-              </a:solidFill>
-              <a:latin typeface="Calibri" pitchFamily="34" charset="0"/>
-              <a:cs typeface="Calibri" pitchFamily="34" charset="0"/>
-            </a:endParaRPr>
-          </a:p>
-          <a:p>
-            <a:pPr>
-              <a:lnSpc>
-                <a:spcPct val="120000"/>
-              </a:lnSpc>
-            </a:pPr>
-            <a:r>
-              <a:rPr lang="ko-KR" altLang="en-US" sz="3000" dirty="0" smtClean="0">
-                <a:solidFill>
-                  <a:schemeClr val="tx1">
-                    <a:lumMod val="75000"/>
-                    <a:lumOff val="25000"/>
-                  </a:schemeClr>
-                </a:solidFill>
-                <a:latin typeface="Calibri" pitchFamily="34" charset="0"/>
-                <a:cs typeface="Calibri" pitchFamily="34" charset="0"/>
-              </a:rPr>
-              <a:t>회원 근태 관리</a:t>
-            </a:r>
-            <a:endParaRPr lang="en-US" altLang="ko-KR" sz="3000" dirty="0" smtClean="0">
-              <a:solidFill>
-                <a:schemeClr val="tx1">
-                  <a:lumMod val="75000"/>
-                  <a:lumOff val="25000"/>
-                </a:schemeClr>
-              </a:solidFill>
-              <a:latin typeface="Calibri" pitchFamily="34" charset="0"/>
-              <a:cs typeface="Calibri" pitchFamily="34" charset="0"/>
-            </a:endParaRPr>
-          </a:p>
-          <a:p>
-            <a:pPr>
-              <a:lnSpc>
-                <a:spcPct val="120000"/>
-              </a:lnSpc>
-              <a:buFont typeface="Wingdings" pitchFamily="2" charset="2"/>
-              <a:buChar char="ü"/>
-            </a:pPr>
-            <a:r>
-              <a:rPr lang="ko-KR" altLang="en-US" sz="1900" dirty="0" smtClean="0">
-                <a:solidFill>
-                  <a:schemeClr val="tx1">
-                    <a:lumMod val="50000"/>
-                    <a:lumOff val="50000"/>
-                  </a:schemeClr>
-                </a:solidFill>
-                <a:latin typeface="Calibri" pitchFamily="34" charset="0"/>
-                <a:cs typeface="Calibri" pitchFamily="34" charset="0"/>
-              </a:rPr>
-              <a:t>회원은 자신의 근태 확인 및 출근</a:t>
-            </a:r>
-            <a:r>
-              <a:rPr lang="en-US" altLang="ko-KR" sz="1900" dirty="0" smtClean="0">
-                <a:solidFill>
-                  <a:schemeClr val="tx1">
-                    <a:lumMod val="50000"/>
-                    <a:lumOff val="50000"/>
-                  </a:schemeClr>
-                </a:solidFill>
-                <a:latin typeface="Calibri" pitchFamily="34" charset="0"/>
-                <a:cs typeface="Calibri" pitchFamily="34" charset="0"/>
-              </a:rPr>
-              <a:t>, </a:t>
-            </a:r>
-            <a:r>
-              <a:rPr lang="ko-KR" altLang="en-US" sz="1900" dirty="0" smtClean="0">
-                <a:solidFill>
-                  <a:schemeClr val="tx1">
-                    <a:lumMod val="50000"/>
-                    <a:lumOff val="50000"/>
-                  </a:schemeClr>
-                </a:solidFill>
-                <a:latin typeface="Calibri" pitchFamily="34" charset="0"/>
-                <a:cs typeface="Calibri" pitchFamily="34" charset="0"/>
-              </a:rPr>
-              <a:t>퇴근시간 입력 가능</a:t>
-            </a:r>
-            <a:endParaRPr lang="en-US" altLang="ko-KR" sz="1900" dirty="0" smtClean="0">
-              <a:solidFill>
-                <a:schemeClr val="tx1">
-                  <a:lumMod val="50000"/>
-                  <a:lumOff val="50000"/>
-                </a:schemeClr>
-              </a:solidFill>
-              <a:latin typeface="Calibri" pitchFamily="34" charset="0"/>
-              <a:cs typeface="Calibri" pitchFamily="34" charset="0"/>
-            </a:endParaRPr>
-          </a:p>
-          <a:p>
-            <a:endParaRPr lang="en-US" altLang="ko-KR" sz="4000" dirty="0" smtClean="0">
-              <a:solidFill>
-                <a:schemeClr val="tx1">
-                  <a:lumMod val="75000"/>
-                  <a:lumOff val="25000"/>
-                </a:schemeClr>
-              </a:solidFill>
-              <a:latin typeface="Calibri" pitchFamily="34" charset="0"/>
-              <a:cs typeface="Calibri" pitchFamily="34" charset="0"/>
-            </a:endParaRPr>
-          </a:p>
-          <a:p>
-            <a:endParaRPr lang="en-US" altLang="ko-KR" sz="4000" dirty="0" smtClean="0">
-              <a:solidFill>
-                <a:schemeClr val="tx1">
-                  <a:lumMod val="50000"/>
-                  <a:lumOff val="50000"/>
-                </a:schemeClr>
-              </a:solidFill>
-              <a:latin typeface="Calibri" pitchFamily="34" charset="0"/>
-              <a:cs typeface="Calibri" pitchFamily="34" charset="0"/>
-            </a:endParaRPr>
+            <a:pPr algn="ctr"/>
+            <a:endParaRPr lang="ko-KR" altLang="en-US"/>
           </a:p>
         </p:txBody>
       </p:sp>
+      <p:cxnSp>
+        <p:nvCxnSpPr>
+          <p:cNvPr id="32" name="Shape 31"/>
+          <p:cNvCxnSpPr>
+            <a:stCxn id="7" idx="2"/>
+          </p:cNvCxnSpPr>
+          <p:nvPr/>
+        </p:nvCxnSpPr>
+        <p:spPr>
+          <a:xfrm rot="16200000" flipH="1">
+            <a:off x="1961710" y="2906942"/>
+            <a:ext cx="2448272" cy="2484276"/>
+          </a:xfrm>
+          <a:prstGeom prst="bentConnector2">
+            <a:avLst/>
+          </a:prstGeom>
+          <a:ln w="25400">
+            <a:solidFill>
+              <a:srgbClr val="C00000"/>
+            </a:solidFill>
+            <a:tailEnd type="arrow"/>
+          </a:ln>
+        </p:spPr>
+        <p:style>
+          <a:lnRef idx="1">
+            <a:schemeClr val="accent1"/>
+          </a:lnRef>
+          <a:fillRef idx="0">
+            <a:schemeClr val="accent1"/>
+          </a:fillRef>
+          <a:effectRef idx="0">
+            <a:schemeClr val="accent1"/>
+          </a:effectRef>
+          <a:fontRef idx="minor">
+            <a:schemeClr val="tx1"/>
+          </a:fontRef>
+        </p:style>
+      </p:cxnSp>
     </p:spTree>
     <p:extLst>
       <p:ext uri="{BB962C8B-B14F-4D97-AF65-F5344CB8AC3E}">
-        <p14:creationId xmlns="" xmlns:p14="http://schemas.microsoft.com/office/powerpoint/2010/main" val="891763176"/>
+        <p14:creationId xmlns:p14="http://schemas.microsoft.com/office/powerpoint/2010/main" xmlns="" val="891763176"/>
       </p:ext>
     </p:extLst>
   </p:cSld>
   <p:clrMapOvr>
     <a:masterClrMapping/>
   </p:clrMapOvr>
-  <p:transition/>
+  <p:transition advTm="0"/>
   <p:timing>
     <p:tnLst>
       <p:par>
@@ -4048,7 +4065,7 @@
           <a:lstStyle/>
           <a:p>
             <a:r>
-              <a:rPr lang="en-US" altLang="ko-KR" sz="4400" dirty="0" err="1" smtClean="0">
+              <a:rPr lang="en-US" altLang="ko-KR" sz="4400" dirty="0" smtClean="0">
                 <a:solidFill>
                   <a:schemeClr val="tx1">
                     <a:lumMod val="75000"/>
@@ -4059,21 +4076,7 @@
                 <a:ea typeface="Arial Unicode MS" pitchFamily="50" charset="-127"/>
                 <a:cs typeface="Calibri" pitchFamily="34" charset="0"/>
               </a:rPr>
-              <a:t>WorkTime</a:t>
-            </a:r>
-            <a:r>
-              <a:rPr lang="en-US" altLang="ko-KR" sz="4400" dirty="0" smtClean="0">
-                <a:solidFill>
-                  <a:schemeClr val="tx1">
-                    <a:lumMod val="75000"/>
-                    <a:lumOff val="25000"/>
-                  </a:schemeClr>
-                </a:solidFill>
-                <a:latin typeface="Calibri" pitchFamily="34" charset="0"/>
-                <a:ea typeface="Arial Unicode MS" pitchFamily="50" charset="-127"/>
-                <a:cs typeface="Calibri" pitchFamily="34" charset="0"/>
-              </a:rPr>
-              <a:t> Management</a:t>
+              <a:t>Salary Management</a:t>
             </a:r>
             <a:endParaRPr lang="ko-KR" altLang="en-US" sz="4400" dirty="0">
               <a:solidFill>
@@ -4091,7 +4094,7 @@
       </p:sp>
       <p:pic>
         <p:nvPicPr>
-          <p:cNvPr id="1027" name="Picture 3"/>
+          <p:cNvPr id="7" name="Picture 2"/>
           <p:cNvPicPr>
             <a:picLocks noChangeAspect="1" noChangeArrowheads="1"/>
           </p:cNvPicPr>
@@ -4106,51 +4109,8 @@
         </p:blipFill>
         <p:spPr bwMode="auto">
           <a:xfrm>
-            <a:off x="1285852" y="1357298"/>
-            <a:ext cx="6215074" cy="3504666"/>
-          </a:xfrm>
-          <a:prstGeom prst="rect">
-            <a:avLst/>
-          </a:prstGeom>
-          <a:noFill/>
-          <a:ln w="9525">
-            <a:solidFill>
-              <a:schemeClr val="tx1"/>
-            </a:solidFill>
-            <a:miter lim="800000"/>
-            <a:headEnd/>
-            <a:tailEnd/>
-          </a:ln>
-          <a:effectLst>
-            <a:outerShdw blurRad="50800" dist="38100" algn="l" rotWithShape="0">
-              <a:prstClr val="black">
-                <a:alpha val="40000"/>
-              </a:prstClr>
-            </a:outerShdw>
-          </a:effectLst>
-        </p:spPr>
-      </p:pic>
-      <p:pic>
-        <p:nvPicPr>
-          <p:cNvPr id="1029" name="Picture 5"/>
-          <p:cNvPicPr>
-            <a:picLocks noGrp="1" noChangeAspect="1" noChangeArrowheads="1"/>
-          </p:cNvPicPr>
-          <p:nvPr>
-            <p:ph idx="1"/>
-          </p:nvPr>
-        </p:nvPicPr>
-        <p:blipFill>
-          <a:blip r:embed="rId3"/>
-          <a:srcRect/>
-          <a:stretch>
-            <a:fillRect/>
-          </a:stretch>
-        </p:blipFill>
-        <p:spPr bwMode="auto">
-          <a:xfrm>
-            <a:off x="2000232" y="4429132"/>
-            <a:ext cx="6715172" cy="1928826"/>
+            <a:off x="1403648" y="1052737"/>
+            <a:ext cx="5160571" cy="3096343"/>
           </a:xfrm>
           <a:prstGeom prst="rect">
             <a:avLst/>
@@ -4173,17 +4133,58 @@
           </a:effectLst>
         </p:spPr>
       </p:pic>
+      <p:pic>
+        <p:nvPicPr>
+          <p:cNvPr id="8" name="Picture 2"/>
+          <p:cNvPicPr>
+            <a:picLocks noChangeAspect="1" noChangeArrowheads="1"/>
+          </p:cNvPicPr>
+          <p:nvPr/>
+        </p:nvPicPr>
+        <p:blipFill>
+          <a:blip r:embed="rId3"/>
+          <a:srcRect/>
+          <a:stretch>
+            <a:fillRect/>
+          </a:stretch>
+        </p:blipFill>
+        <p:spPr bwMode="auto">
+          <a:xfrm>
+            <a:off x="3515366" y="3465336"/>
+            <a:ext cx="5161090" cy="2988000"/>
+          </a:xfrm>
+          <a:prstGeom prst="rect">
+            <a:avLst/>
+          </a:prstGeom>
+          <a:noFill/>
+          <a:ln w="9525">
+            <a:solidFill>
+              <a:schemeClr val="tx1"/>
+            </a:solidFill>
+            <a:miter lim="800000"/>
+            <a:headEnd/>
+            <a:tailEnd/>
+          </a:ln>
+          <a:effectLst>
+            <a:outerShdw blurRad="50800" dist="38100" dir="2700000" algn="tl" rotWithShape="0">
+              <a:prstClr val="black">
+                <a:alpha val="40000"/>
+              </a:prstClr>
+            </a:outerShdw>
+          </a:effectLst>
+        </p:spPr>
+      </p:pic>
     </p:spTree>
     <p:extLst>
       <p:ext uri="{BB962C8B-B14F-4D97-AF65-F5344CB8AC3E}">
-        <p14:creationId xmlns="" xmlns:p14="http://schemas.microsoft.com/office/powerpoint/2010/main" val="891763176"/>
+        <p14:creationId xmlns:p14="http://schemas.microsoft.com/office/powerpoint/2010/main" xmlns="" val="891763176"/>
       </p:ext>
     </p:extLst>
   </p:cSld>
   <p:clrMapOvr>
     <a:masterClrMapping/>
   </p:clrMapOvr>
-  <p:transition/>
+  <p:transition advTm="0"/>
   <p:timing>
     <p:tnLst>
       <p:par>
@@ -4273,51 +4274,356 @@
           </a:p>
         </p:txBody>
       </p:sp>
-      <p:pic>
-        <p:nvPicPr>
-          <p:cNvPr id="2050" name="Picture 2"/>
-          <p:cNvPicPr>
-            <a:picLocks noChangeAspect="1" noChangeArrowheads="1"/>
-          </p:cNvPicPr>
-          <p:nvPr/>
-        </p:nvPicPr>
-        <p:blipFill>
-          <a:blip r:embed="rId2"/>
-          <a:srcRect/>
-          <a:stretch>
-            <a:fillRect/>
-          </a:stretch>
-        </p:blipFill>
-        <p:spPr bwMode="auto">
-          <a:xfrm>
-            <a:off x="1500166" y="1123954"/>
-            <a:ext cx="6102227" cy="4876814"/>
-          </a:xfrm>
-          <a:prstGeom prst="rect">
-            <a:avLst/>
-          </a:prstGeom>
-          <a:noFill/>
-          <a:ln w="9525">
-            <a:solidFill>
-              <a:schemeClr val="tx1"/>
-            </a:solidFill>
-            <a:miter lim="800000"/>
-            <a:headEnd/>
-            <a:tailEnd/>
-          </a:ln>
-          <a:effectLst>
-            <a:outerShdw blurRad="50800" dist="38100" dir="2700000" algn="tl" rotWithShape="0">
-              <a:prstClr val="black">
-                <a:alpha val="40000"/>
-              </a:prstClr>
-            </a:outerShdw>
-          </a:effectLst>
-        </p:spPr>
-      </p:pic>
+      <p:sp>
+        <p:nvSpPr>
+          <p:cNvPr id="3" name="Content Placeholder 2"/>
+          <p:cNvSpPr>
+            <a:spLocks noGrp="1"/>
+          </p:cNvSpPr>
+          <p:nvPr>
+            <p:ph idx="1"/>
+          </p:nvPr>
+        </p:nvSpPr>
+        <p:spPr>
+          <a:xfrm>
+            <a:off x="1835696" y="1484784"/>
+            <a:ext cx="6851104" cy="4525963"/>
+          </a:xfrm>
+        </p:spPr>
+        <p:txBody>
+          <a:bodyPr>
+            <a:normAutofit/>
+          </a:bodyPr>
+          <a:lstStyle/>
+          <a:p>
+            <a:pPr>
+              <a:lnSpc>
+                <a:spcPct val="120000"/>
+              </a:lnSpc>
+            </a:pPr>
+            <a:r>
+              <a:rPr lang="ko-KR" altLang="en-US" sz="3000" dirty="0" smtClean="0">
+                <a:solidFill>
+                  <a:schemeClr val="tx1">
+                    <a:lumMod val="75000"/>
+                    <a:lumOff val="25000"/>
+                  </a:schemeClr>
+                </a:solidFill>
+                <a:latin typeface="Calibri" pitchFamily="34" charset="0"/>
+                <a:cs typeface="Calibri" pitchFamily="34" charset="0"/>
+              </a:rPr>
+              <a:t>근태 관리 페이지</a:t>
+            </a:r>
+            <a:endParaRPr lang="en-US" altLang="ko-KR" sz="3000" dirty="0" smtClean="0">
+              <a:solidFill>
+                <a:schemeClr val="tx1">
+                  <a:lumMod val="75000"/>
+                  <a:lumOff val="25000"/>
+                </a:schemeClr>
+              </a:solidFill>
+              <a:latin typeface="Calibri" pitchFamily="34" charset="0"/>
+              <a:cs typeface="Calibri" pitchFamily="34" charset="0"/>
+            </a:endParaRPr>
+          </a:p>
+          <a:p>
+            <a:pPr>
+              <a:lnSpc>
+                <a:spcPct val="120000"/>
+              </a:lnSpc>
+              <a:buFont typeface="Wingdings" pitchFamily="2" charset="2"/>
+              <a:buChar char="ü"/>
+            </a:pPr>
+            <a:r>
+              <a:rPr lang="ko-KR" altLang="en-US" sz="1900" dirty="0" smtClean="0">
+                <a:solidFill>
+                  <a:schemeClr val="tx1">
+                    <a:lumMod val="50000"/>
+                    <a:lumOff val="50000"/>
+                  </a:schemeClr>
+                </a:solidFill>
+                <a:latin typeface="Calibri" pitchFamily="34" charset="0"/>
+                <a:cs typeface="Calibri" pitchFamily="34" charset="0"/>
+              </a:rPr>
+              <a:t>회원 및 관리자의 근태를 관리할 수 있는 폼</a:t>
+            </a:r>
+            <a:endParaRPr lang="en-US" altLang="ko-KR" sz="1900" dirty="0" smtClean="0">
+              <a:solidFill>
+                <a:schemeClr val="tx1">
+                  <a:lumMod val="50000"/>
+                  <a:lumOff val="50000"/>
+                </a:schemeClr>
+              </a:solidFill>
+              <a:latin typeface="Calibri" pitchFamily="34" charset="0"/>
+              <a:cs typeface="Calibri" pitchFamily="34" charset="0"/>
+            </a:endParaRPr>
+          </a:p>
+          <a:p>
+            <a:pPr>
+              <a:buFont typeface="Wingdings" pitchFamily="2" charset="2"/>
+              <a:buChar char="ü"/>
+            </a:pPr>
+            <a:endParaRPr lang="en-US" altLang="ko-KR" sz="2200" dirty="0" smtClean="0">
+              <a:solidFill>
+                <a:schemeClr val="tx1">
+                  <a:lumMod val="50000"/>
+                  <a:lumOff val="50000"/>
+                </a:schemeClr>
+              </a:solidFill>
+              <a:latin typeface="Calibri" pitchFamily="34" charset="0"/>
+              <a:cs typeface="Calibri" pitchFamily="34" charset="0"/>
+            </a:endParaRPr>
+          </a:p>
+          <a:p>
+            <a:pPr>
+              <a:lnSpc>
+                <a:spcPct val="120000"/>
+              </a:lnSpc>
+            </a:pPr>
+            <a:r>
+              <a:rPr lang="ko-KR" altLang="en-US" sz="3000" dirty="0" smtClean="0">
+                <a:solidFill>
+                  <a:schemeClr val="tx1">
+                    <a:lumMod val="75000"/>
+                    <a:lumOff val="25000"/>
+                  </a:schemeClr>
+                </a:solidFill>
+                <a:latin typeface="Calibri" pitchFamily="34" charset="0"/>
+                <a:cs typeface="Calibri" pitchFamily="34" charset="0"/>
+              </a:rPr>
+              <a:t>관리자 근태 관리</a:t>
+            </a:r>
+            <a:endParaRPr lang="en-US" altLang="ko-KR" sz="3000" dirty="0" smtClean="0">
+              <a:solidFill>
+                <a:schemeClr val="tx1">
+                  <a:lumMod val="75000"/>
+                  <a:lumOff val="25000"/>
+                </a:schemeClr>
+              </a:solidFill>
+              <a:latin typeface="Calibri" pitchFamily="34" charset="0"/>
+              <a:cs typeface="Calibri" pitchFamily="34" charset="0"/>
+            </a:endParaRPr>
+          </a:p>
+          <a:p>
+            <a:pPr>
+              <a:lnSpc>
+                <a:spcPct val="120000"/>
+              </a:lnSpc>
+              <a:buFont typeface="Wingdings" pitchFamily="2" charset="2"/>
+              <a:buChar char="ü"/>
+            </a:pPr>
+            <a:r>
+              <a:rPr lang="ko-KR" altLang="en-US" sz="1900" dirty="0" smtClean="0">
+                <a:solidFill>
+                  <a:schemeClr val="tx1">
+                    <a:lumMod val="50000"/>
+                    <a:lumOff val="50000"/>
+                  </a:schemeClr>
+                </a:solidFill>
+                <a:latin typeface="Calibri" pitchFamily="34" charset="0"/>
+                <a:cs typeface="Calibri" pitchFamily="34" charset="0"/>
+              </a:rPr>
+              <a:t>관리자는 회원의  근태 확인</a:t>
+            </a:r>
+            <a:r>
+              <a:rPr lang="en-US" altLang="ko-KR" sz="1900" dirty="0" smtClean="0">
+                <a:solidFill>
+                  <a:schemeClr val="tx1">
+                    <a:lumMod val="50000"/>
+                    <a:lumOff val="50000"/>
+                  </a:schemeClr>
+                </a:solidFill>
+                <a:latin typeface="Calibri" pitchFamily="34" charset="0"/>
+                <a:cs typeface="Calibri" pitchFamily="34" charset="0"/>
+              </a:rPr>
+              <a:t> </a:t>
+            </a:r>
+            <a:r>
+              <a:rPr lang="ko-KR" altLang="en-US" sz="1900" dirty="0" smtClean="0">
+                <a:solidFill>
+                  <a:schemeClr val="tx1">
+                    <a:lumMod val="50000"/>
+                    <a:lumOff val="50000"/>
+                  </a:schemeClr>
+                </a:solidFill>
+                <a:latin typeface="Calibri" pitchFamily="34" charset="0"/>
+                <a:cs typeface="Calibri" pitchFamily="34" charset="0"/>
+              </a:rPr>
+              <a:t>및 수정</a:t>
+            </a:r>
+            <a:r>
+              <a:rPr lang="en-US" altLang="ko-KR" sz="1900" dirty="0" smtClean="0">
+                <a:solidFill>
+                  <a:schemeClr val="tx1">
+                    <a:lumMod val="50000"/>
+                    <a:lumOff val="50000"/>
+                  </a:schemeClr>
+                </a:solidFill>
+                <a:latin typeface="Calibri" pitchFamily="34" charset="0"/>
+                <a:cs typeface="Calibri" pitchFamily="34" charset="0"/>
+              </a:rPr>
+              <a:t>, </a:t>
+            </a:r>
+            <a:r>
+              <a:rPr lang="ko-KR" altLang="en-US" sz="1900" dirty="0" smtClean="0">
+                <a:solidFill>
+                  <a:schemeClr val="tx1">
+                    <a:lumMod val="50000"/>
+                    <a:lumOff val="50000"/>
+                  </a:schemeClr>
+                </a:solidFill>
+                <a:latin typeface="Calibri" pitchFamily="34" charset="0"/>
+                <a:cs typeface="Calibri" pitchFamily="34" charset="0"/>
+              </a:rPr>
+              <a:t>삭제 가능</a:t>
+            </a:r>
+            <a:endParaRPr lang="en-US" altLang="ko-KR" sz="1900" dirty="0" smtClean="0">
+              <a:solidFill>
+                <a:schemeClr val="tx1">
+                  <a:lumMod val="50000"/>
+                  <a:lumOff val="50000"/>
+                </a:schemeClr>
+              </a:solidFill>
+              <a:latin typeface="Calibri" pitchFamily="34" charset="0"/>
+              <a:cs typeface="Calibri" pitchFamily="34" charset="0"/>
+            </a:endParaRPr>
+          </a:p>
+          <a:p>
+            <a:pPr>
+              <a:lnSpc>
+                <a:spcPct val="120000"/>
+              </a:lnSpc>
+              <a:buFont typeface="Wingdings" pitchFamily="2" charset="2"/>
+              <a:buChar char="ü"/>
+            </a:pPr>
+            <a:endParaRPr lang="en-US" altLang="ko-KR" sz="2400" dirty="0" smtClean="0">
+              <a:solidFill>
+                <a:schemeClr val="tx1">
+                  <a:lumMod val="50000"/>
+                  <a:lumOff val="50000"/>
+                </a:schemeClr>
+              </a:solidFill>
+              <a:latin typeface="Calibri" pitchFamily="34" charset="0"/>
+              <a:cs typeface="Calibri" pitchFamily="34" charset="0"/>
+            </a:endParaRPr>
+          </a:p>
+          <a:p>
+            <a:pPr>
+              <a:lnSpc>
+                <a:spcPct val="120000"/>
+              </a:lnSpc>
+            </a:pPr>
+            <a:r>
+              <a:rPr lang="ko-KR" altLang="en-US" sz="3000" dirty="0" smtClean="0">
+                <a:solidFill>
+                  <a:schemeClr val="tx1">
+                    <a:lumMod val="75000"/>
+                    <a:lumOff val="25000"/>
+                  </a:schemeClr>
+                </a:solidFill>
+                <a:latin typeface="Calibri" pitchFamily="34" charset="0"/>
+                <a:cs typeface="Calibri" pitchFamily="34" charset="0"/>
+              </a:rPr>
+              <a:t>회원 근태 관리</a:t>
+            </a:r>
+            <a:endParaRPr lang="en-US" altLang="ko-KR" sz="3000" dirty="0" smtClean="0">
+              <a:solidFill>
+                <a:schemeClr val="tx1">
+                  <a:lumMod val="75000"/>
+                  <a:lumOff val="25000"/>
+                </a:schemeClr>
+              </a:solidFill>
+              <a:latin typeface="Calibri" pitchFamily="34" charset="0"/>
+              <a:cs typeface="Calibri" pitchFamily="34" charset="0"/>
+            </a:endParaRPr>
+          </a:p>
+          <a:p>
+            <a:pPr>
+              <a:lnSpc>
+                <a:spcPct val="120000"/>
+              </a:lnSpc>
+              <a:buFont typeface="Wingdings" pitchFamily="2" charset="2"/>
+              <a:buChar char="ü"/>
+            </a:pPr>
+            <a:r>
+              <a:rPr lang="ko-KR" altLang="en-US" sz="1900" dirty="0" smtClean="0">
+                <a:solidFill>
+                  <a:schemeClr val="tx1">
+                    <a:lumMod val="50000"/>
+                    <a:lumOff val="50000"/>
+                  </a:schemeClr>
+                </a:solidFill>
+                <a:latin typeface="Calibri" pitchFamily="34" charset="0"/>
+                <a:cs typeface="Calibri" pitchFamily="34" charset="0"/>
+              </a:rPr>
+              <a:t>회원은 자신의 근태 확인 및 출근</a:t>
+            </a:r>
+            <a:r>
+              <a:rPr lang="en-US" altLang="ko-KR" sz="1900" dirty="0" smtClean="0">
+                <a:solidFill>
+                  <a:schemeClr val="tx1">
+                    <a:lumMod val="50000"/>
+                    <a:lumOff val="50000"/>
+                  </a:schemeClr>
+                </a:solidFill>
+                <a:latin typeface="Calibri" pitchFamily="34" charset="0"/>
+                <a:cs typeface="Calibri" pitchFamily="34" charset="0"/>
+              </a:rPr>
+              <a:t>, </a:t>
+            </a:r>
+            <a:r>
+              <a:rPr lang="ko-KR" altLang="en-US" sz="1900" dirty="0" smtClean="0">
+                <a:solidFill>
+                  <a:schemeClr val="tx1">
+                    <a:lumMod val="50000"/>
+                    <a:lumOff val="50000"/>
+                  </a:schemeClr>
+                </a:solidFill>
+                <a:latin typeface="Calibri" pitchFamily="34" charset="0"/>
+                <a:cs typeface="Calibri" pitchFamily="34" charset="0"/>
+              </a:rPr>
+              <a:t>퇴근시간 입력 가능</a:t>
+            </a:r>
+            <a:endParaRPr lang="en-US" altLang="ko-KR" sz="1900" dirty="0" smtClean="0">
+              <a:solidFill>
+                <a:schemeClr val="tx1">
+                  <a:lumMod val="50000"/>
+                  <a:lumOff val="50000"/>
+                </a:schemeClr>
+              </a:solidFill>
+              <a:latin typeface="Calibri" pitchFamily="34" charset="0"/>
+              <a:cs typeface="Calibri" pitchFamily="34" charset="0"/>
+            </a:endParaRPr>
+          </a:p>
+          <a:p>
+            <a:endParaRPr lang="en-US" altLang="ko-KR" sz="4000" dirty="0" smtClean="0">
+              <a:solidFill>
+                <a:schemeClr val="tx1">
+                  <a:lumMod val="75000"/>
+                  <a:lumOff val="25000"/>
+                </a:schemeClr>
+              </a:solidFill>
+              <a:latin typeface="Calibri" pitchFamily="34" charset="0"/>
+              <a:cs typeface="Calibri" pitchFamily="34" charset="0"/>
+            </a:endParaRPr>
+          </a:p>
+          <a:p>
+            <a:endParaRPr lang="en-US" altLang="ko-KR" sz="4000" dirty="0" smtClean="0">
+              <a:solidFill>
+                <a:schemeClr val="tx1">
+                  <a:lumMod val="50000"/>
+                  <a:lumOff val="50000"/>
+                </a:schemeClr>
+              </a:solidFill>
+              <a:latin typeface="Calibri" pitchFamily="34" charset="0"/>
+              <a:cs typeface="Calibri" pitchFamily="34" charset="0"/>
+            </a:endParaRPr>
+          </a:p>
+        </p:txBody>
+      </p:sp>
     </p:spTree>
     <p:extLst>
       <p:ext uri="{BB962C8B-B14F-4D97-AF65-F5344CB8AC3E}">
-        <p14:creationId xmlns="" xmlns:p14="http://schemas.microsoft.com/office/powerpoint/2010/main" val="891763176"/>
+        <p14:creationId xmlns:p14="http://schemas.microsoft.com/office/powerpoint/2010/main" xmlns="" val="891763176"/>
       </p:ext>
     </p:extLst>
   </p:cSld>
@@ -4373,7 +4679,7 @@
           <a:lstStyle/>
           <a:p>
             <a:r>
-              <a:rPr lang="en-US" altLang="ko-KR" sz="4400" dirty="0" smtClean="0">
+              <a:rPr lang="en-US" altLang="ko-KR" sz="4400" dirty="0" err="1" smtClean="0">
                 <a:solidFill>
                   <a:schemeClr val="tx1">
                     <a:lumMod val="75000"/>
@@ -4384,7 +4690,21 @@
                 <a:ea typeface="Arial Unicode MS" pitchFamily="50" charset="-127"/>
                 <a:cs typeface="Calibri" pitchFamily="34" charset="0"/>
               </a:rPr>
-              <a:t>Organic Molecules List </a:t>
+              <a:t>WorkTime</a:t>
+            </a:r>
+            <a:r>
+              <a:rPr lang="en-US" altLang="ko-KR" sz="4400" dirty="0" smtClean="0">
+                <a:solidFill>
+                  <a:schemeClr val="tx1">
+                    <a:lumMod val="75000"/>
+                    <a:lumOff val="25000"/>
+                  </a:schemeClr>
+                </a:solidFill>
+                <a:latin typeface="Calibri" pitchFamily="34" charset="0"/>
+                <a:ea typeface="Arial Unicode MS" pitchFamily="50" charset="-127"/>
+                <a:cs typeface="Calibri" pitchFamily="34" charset="0"/>
+              </a:rPr>
+              <a:t> Management</a:t>
             </a:r>
             <a:endParaRPr lang="ko-KR" altLang="en-US" sz="4400" dirty="0">
               <a:solidFill>
@@ -4400,199 +4720,9 @@
           </a:p>
         </p:txBody>
       </p:sp>
-      <p:sp>
-        <p:nvSpPr>
-          <p:cNvPr id="3" name="Content Placeholder 2"/>
-          <p:cNvSpPr>
-            <a:spLocks noGrp="1"/>
-          </p:cNvSpPr>
-          <p:nvPr>
-            <p:ph idx="1"/>
-          </p:nvPr>
-        </p:nvSpPr>
-        <p:spPr>
-          <a:xfrm>
-            <a:off x="1835696" y="1142984"/>
-            <a:ext cx="2521990" cy="1729902"/>
-          </a:xfrm>
-        </p:spPr>
-        <p:txBody>
-          <a:bodyPr>
-            <a:normAutofit lnSpcReduction="10000"/>
-          </a:bodyPr>
-          <a:lstStyle/>
-          <a:p>
-            <a:pPr>
-              <a:lnSpc>
-                <a:spcPct val="120000"/>
-              </a:lnSpc>
-            </a:pPr>
-            <a:r>
-              <a:rPr lang="ko-KR" altLang="en-US" sz="3000" dirty="0" err="1" smtClean="0">
-                <a:solidFill>
-                  <a:schemeClr val="tx1">
-                    <a:lumMod val="75000"/>
-                    <a:lumOff val="25000"/>
-                  </a:schemeClr>
-                </a:solidFill>
-                <a:latin typeface="Calibri" pitchFamily="34" charset="0"/>
-                <a:cs typeface="Calibri" pitchFamily="34" charset="0"/>
-              </a:rPr>
-              <a:t>물질관리</a:t>
-            </a:r>
-            <a:endParaRPr lang="en-US" altLang="ko-KR" sz="3000" dirty="0" smtClean="0">
-              <a:solidFill>
-                <a:schemeClr val="tx1">
-                  <a:lumMod val="75000"/>
-                  <a:lumOff val="25000"/>
-                </a:schemeClr>
-              </a:solidFill>
-              <a:latin typeface="Calibri" pitchFamily="34" charset="0"/>
-              <a:cs typeface="Calibri" pitchFamily="34" charset="0"/>
-            </a:endParaRPr>
-          </a:p>
-          <a:p>
-            <a:pPr>
-              <a:lnSpc>
-                <a:spcPct val="120000"/>
-              </a:lnSpc>
-              <a:buFont typeface="Wingdings" pitchFamily="2" charset="2"/>
-              <a:buChar char="ü"/>
-            </a:pPr>
-            <a:r>
-              <a:rPr lang="ko-KR" altLang="en-US" sz="1900" dirty="0" smtClean="0">
-                <a:solidFill>
-                  <a:schemeClr val="tx1">
-                    <a:lumMod val="50000"/>
-                    <a:lumOff val="50000"/>
-                  </a:schemeClr>
-                </a:solidFill>
-                <a:latin typeface="Calibri" pitchFamily="34" charset="0"/>
-                <a:cs typeface="Calibri" pitchFamily="34" charset="0"/>
-              </a:rPr>
-              <a:t>물질 정보 등록</a:t>
-            </a:r>
-            <a:endParaRPr lang="en-US" altLang="ko-KR" sz="1900" dirty="0" smtClean="0">
-              <a:solidFill>
-                <a:schemeClr val="tx1">
-                  <a:lumMod val="50000"/>
-                  <a:lumOff val="50000"/>
-                </a:schemeClr>
-              </a:solidFill>
-              <a:latin typeface="Calibri" pitchFamily="34" charset="0"/>
-              <a:cs typeface="Calibri" pitchFamily="34" charset="0"/>
-            </a:endParaRPr>
-          </a:p>
-          <a:p>
-            <a:pPr>
-              <a:lnSpc>
-                <a:spcPct val="120000"/>
-              </a:lnSpc>
-              <a:buFont typeface="Wingdings" pitchFamily="2" charset="2"/>
-              <a:buChar char="ü"/>
-            </a:pPr>
-            <a:r>
-              <a:rPr lang="ko-KR" altLang="en-US" sz="1900" dirty="0" smtClean="0">
-                <a:solidFill>
-                  <a:schemeClr val="tx1">
-                    <a:lumMod val="50000"/>
-                    <a:lumOff val="50000"/>
-                  </a:schemeClr>
-                </a:solidFill>
-                <a:latin typeface="Calibri" pitchFamily="34" charset="0"/>
-                <a:cs typeface="Calibri" pitchFamily="34" charset="0"/>
-              </a:rPr>
-              <a:t>물질 정보 수정</a:t>
-            </a:r>
-            <a:endParaRPr lang="en-US" altLang="ko-KR" sz="1900" dirty="0" smtClean="0">
-              <a:solidFill>
-                <a:schemeClr val="tx1">
-                  <a:lumMod val="50000"/>
-                  <a:lumOff val="50000"/>
-                </a:schemeClr>
-              </a:solidFill>
-              <a:latin typeface="Calibri" pitchFamily="34" charset="0"/>
-              <a:cs typeface="Calibri" pitchFamily="34" charset="0"/>
-            </a:endParaRPr>
-          </a:p>
-          <a:p>
-            <a:pPr>
-              <a:lnSpc>
-                <a:spcPct val="120000"/>
-              </a:lnSpc>
-              <a:buFont typeface="Wingdings" pitchFamily="2" charset="2"/>
-              <a:buChar char="ü"/>
-            </a:pPr>
-            <a:r>
-              <a:rPr lang="ko-KR" altLang="en-US" sz="1900" dirty="0" smtClean="0">
-                <a:solidFill>
-                  <a:schemeClr val="tx1">
-                    <a:lumMod val="50000"/>
-                    <a:lumOff val="50000"/>
-                  </a:schemeClr>
-                </a:solidFill>
-                <a:latin typeface="Calibri" pitchFamily="34" charset="0"/>
-                <a:cs typeface="Calibri" pitchFamily="34" charset="0"/>
-              </a:rPr>
-              <a:t>물질 정보 삭제</a:t>
-            </a:r>
-            <a:endParaRPr lang="en-US" altLang="ko-KR" sz="1900" dirty="0">
-              <a:solidFill>
-                <a:schemeClr val="tx1">
-                  <a:lumMod val="50000"/>
-                  <a:lumOff val="50000"/>
-                </a:schemeClr>
-              </a:solidFill>
-            </a:endParaRPr>
-          </a:p>
-          <a:p>
-            <a:pPr>
-              <a:lnSpc>
-                <a:spcPct val="120000"/>
-              </a:lnSpc>
-              <a:buFont typeface="Wingdings" pitchFamily="2" charset="2"/>
-              <a:buChar char="ü"/>
-            </a:pPr>
-            <a:endParaRPr lang="en-US" altLang="ko-KR" sz="1900" dirty="0" smtClean="0">
-              <a:solidFill>
-                <a:schemeClr val="tx1">
-                  <a:lumMod val="50000"/>
-                  <a:lumOff val="50000"/>
-                </a:schemeClr>
-              </a:solidFill>
-              <a:latin typeface="Calibri" pitchFamily="34" charset="0"/>
-              <a:cs typeface="Calibri" pitchFamily="34" charset="0"/>
-            </a:endParaRPr>
-          </a:p>
-          <a:p>
-            <a:endParaRPr lang="en-US" altLang="ko-KR" sz="4000" dirty="0" smtClean="0">
-              <a:solidFill>
-                <a:schemeClr val="tx1">
-                  <a:lumMod val="75000"/>
-                  <a:lumOff val="25000"/>
-                </a:schemeClr>
-              </a:solidFill>
-              <a:latin typeface="Calibri" pitchFamily="34" charset="0"/>
-              <a:cs typeface="Calibri" pitchFamily="34" charset="0"/>
-            </a:endParaRPr>
-          </a:p>
-          <a:p>
-            <a:endParaRPr lang="en-US" altLang="ko-KR" sz="4000" dirty="0" smtClean="0">
-              <a:solidFill>
-                <a:schemeClr val="tx1">
-                  <a:lumMod val="50000"/>
-                  <a:lumOff val="50000"/>
-                </a:schemeClr>
-              </a:solidFill>
-              <a:latin typeface="Calibri" pitchFamily="34" charset="0"/>
-              <a:cs typeface="Calibri" pitchFamily="34" charset="0"/>
-            </a:endParaRPr>
-          </a:p>
-        </p:txBody>
-      </p:sp>
       <p:pic>
         <p:nvPicPr>
-          <p:cNvPr id="9" name="Picture 2"/>
+          <p:cNvPr id="7" name="Picture 2"/>
           <p:cNvPicPr>
             <a:picLocks noChangeAspect="1" noChangeArrowheads="1"/>
           </p:cNvPicPr>
@@ -4607,8 +4737,8 @@
         </p:blipFill>
         <p:spPr bwMode="auto">
           <a:xfrm>
-            <a:off x="1214414" y="2861738"/>
-            <a:ext cx="7931260" cy="3567658"/>
+            <a:off x="1475656" y="1340767"/>
+            <a:ext cx="6768752" cy="4421209"/>
           </a:xfrm>
           <a:prstGeom prst="rect">
             <a:avLst/>
@@ -4620,13 +4750,12 @@
             <a:headEnd/>
             <a:tailEnd/>
           </a:ln>
-          <a:effectLst/>
         </p:spPr>
       </p:pic>
     </p:spTree>
     <p:extLst>
       <p:ext uri="{BB962C8B-B14F-4D97-AF65-F5344CB8AC3E}">
-        <p14:creationId xmlns="" xmlns:p14="http://schemas.microsoft.com/office/powerpoint/2010/main" val="891763176"/>
+        <p14:creationId xmlns:p14="http://schemas.microsoft.com/office/powerpoint/2010/main" xmlns="" val="891763176"/>
       </p:ext>
     </p:extLst>
   </p:cSld>
@@ -4663,159 +4792,26 @@
       </p:grpSpPr>
       <p:sp>
         <p:nvSpPr>
-          <p:cNvPr id="3" name="Content Placeholder 2"/>
+          <p:cNvPr id="2" name="Title 1"/>
           <p:cNvSpPr>
             <a:spLocks noGrp="1"/>
           </p:cNvSpPr>
           <p:nvPr>
-            <p:ph idx="1"/>
+            <p:ph type="title"/>
           </p:nvPr>
         </p:nvSpPr>
         <p:spPr>
           <a:xfrm>
-            <a:off x="1835696" y="1484784"/>
-            <a:ext cx="6851104" cy="4525963"/>
-          </a:xfrm>
-        </p:spPr>
-        <p:txBody>
-          <a:bodyPr>
-            <a:normAutofit/>
-          </a:bodyPr>
-          <a:lstStyle/>
-          <a:p>
-            <a:endParaRPr lang="en-US" altLang="ko-KR" sz="4000" dirty="0" smtClean="0">
-              <a:solidFill>
-                <a:schemeClr val="tx1">
-                  <a:lumMod val="75000"/>
-                  <a:lumOff val="25000"/>
-                </a:schemeClr>
-              </a:solidFill>
-              <a:latin typeface="Calibri" pitchFamily="34" charset="0"/>
-              <a:cs typeface="Calibri" pitchFamily="34" charset="0"/>
-            </a:endParaRPr>
-          </a:p>
-          <a:p>
-            <a:endParaRPr lang="en-US" altLang="ko-KR" sz="4000" dirty="0" smtClean="0">
-              <a:solidFill>
-                <a:schemeClr val="tx1">
-                  <a:lumMod val="50000"/>
-                  <a:lumOff val="50000"/>
-                </a:schemeClr>
-              </a:solidFill>
-              <a:latin typeface="Calibri" pitchFamily="34" charset="0"/>
-              <a:cs typeface="Calibri" pitchFamily="34" charset="0"/>
-            </a:endParaRPr>
-          </a:p>
-        </p:txBody>
-      </p:sp>
-      <p:pic>
-        <p:nvPicPr>
-          <p:cNvPr id="1026" name="Picture 2"/>
-          <p:cNvPicPr>
-            <a:picLocks noChangeAspect="1" noChangeArrowheads="1"/>
-          </p:cNvPicPr>
-          <p:nvPr/>
-        </p:nvPicPr>
-        <p:blipFill rotWithShape="1">
-          <a:blip r:embed="rId2">
-            <a:extLst>
-              <a:ext uri="{28A0092B-C50C-407E-A947-70E740481C1C}">
-                <a14:useLocalDpi xmlns="" xmlns:a14="http://schemas.microsoft.com/office/drawing/2010/main" val="0"/>
-              </a:ext>
-            </a:extLst>
-          </a:blip>
-          <a:srcRect l="7255" t="20161" r="8071" b="13461"/>
-          <a:stretch/>
-        </p:blipFill>
-        <p:spPr bwMode="auto">
-          <a:xfrm>
-            <a:off x="1643041" y="2053002"/>
-            <a:ext cx="7206553" cy="3176197"/>
-          </a:xfrm>
-          <a:prstGeom prst="rect">
-            <a:avLst/>
-          </a:prstGeom>
-          <a:noFill/>
-          <a:ln>
-            <a:solidFill>
-              <a:schemeClr val="tx1"/>
-            </a:solidFill>
-          </a:ln>
-          <a:effectLst>
-            <a:outerShdw blurRad="50800" dist="38100" dir="2700000" algn="tl" rotWithShape="0">
-              <a:prstClr val="black">
-                <a:alpha val="40000"/>
-              </a:prstClr>
-            </a:outerShdw>
-          </a:effectLst>
-          <a:extLst>
-            <a:ext uri="{909E8E84-426E-40DD-AFC4-6F175D3DCCD1}">
-              <a14:hiddenFill xmlns="" xmlns:a14="http://schemas.microsoft.com/office/drawing/2010/main">
-                <a:solidFill>
-                  <a:schemeClr val="accent1"/>
-                </a:solidFill>
-              </a14:hiddenFill>
-            </a:ext>
-            <a:ext uri="{91240B29-F687-4F45-9708-019B960494DF}">
-              <a14:hiddenLine xmlns="" xmlns:a14="http://schemas.microsoft.com/office/drawing/2010/main" w="9525">
-                <a:solidFill>
-                  <a:schemeClr val="tx1"/>
-                </a:solidFill>
-                <a:miter lim="800000"/>
-                <a:headEnd/>
-                <a:tailEnd/>
-              </a14:hiddenLine>
-            </a:ext>
-            <a:ext uri="{AF507438-7753-43E0-B8FC-AC1667EBCBE1}">
-              <a14:hiddenEffects xmlns="" xmlns:a14="http://schemas.microsoft.com/office/drawing/2010/main">
-                <a:effectLst>
-                  <a:outerShdw dist="35921" dir="2700000" algn="ctr" rotWithShape="0">
-                    <a:schemeClr val="bg2"/>
-                  </a:outerShdw>
-                </a:effectLst>
-              </a14:hiddenEffects>
-            </a:ext>
-          </a:extLst>
-        </p:spPr>
-      </p:pic>
-      <p:sp>
-        <p:nvSpPr>
-          <p:cNvPr id="9" name="Title 1"/>
-          <p:cNvSpPr txBox="1">
-            <a:spLocks/>
-          </p:cNvSpPr>
-          <p:nvPr/>
-        </p:nvSpPr>
-        <p:spPr>
-          <a:xfrm>
             <a:off x="1259632" y="0"/>
             <a:ext cx="7884368" cy="1069514"/>
           </a:xfrm>
-          <a:prstGeom prst="rect">
-            <a:avLst/>
-          </a:prstGeom>
         </p:spPr>
         <p:txBody>
-          <a:bodyPr anchor="ctr"/>
-          <a:lstStyle>
-            <a:lvl1pPr algn="l" defTabSz="914400" rtl="0" eaLnBrk="1" latinLnBrk="1" hangingPunct="1">
-              <a:spcBef>
-                <a:spcPct val="0"/>
-              </a:spcBef>
-              <a:buNone/>
-              <a:defRPr sz="4000" b="1" kern="1200" baseline="0">
-                <a:solidFill>
-                  <a:schemeClr val="tx1"/>
-                </a:solidFill>
-                <a:latin typeface="Arial" pitchFamily="34" charset="0"/>
-                <a:ea typeface="+mj-ea"/>
-                <a:cs typeface="Arial" pitchFamily="34" charset="0"/>
-              </a:defRPr>
-            </a:lvl1pPr>
-          </a:lstStyle>
-          <a:p>
-            <a:r>
-              <a:rPr lang="en-US" altLang="ko-KR" sz="4400" smtClean="0">
+          <a:bodyPr/>
+          <a:lstStyle/>
+          <a:p>
+            <a:r>
+              <a:rPr lang="en-US" altLang="ko-KR" sz="4400" dirty="0" err="1" smtClean="0">
                 <a:solidFill>
                   <a:schemeClr val="tx1">
                     <a:lumMod val="75000"/>
@@ -4826,7 +4822,21 @@
                 <a:ea typeface="Arial Unicode MS" pitchFamily="50" charset="-127"/>
                 <a:cs typeface="Calibri" pitchFamily="34" charset="0"/>
               </a:rPr>
-              <a:t>Organic Molecules List </a:t>
+              <a:t>WorkTime</a:t>
+            </a:r>
+            <a:r>
+              <a:rPr lang="en-US" altLang="ko-KR" sz="4400" dirty="0" smtClean="0">
+                <a:solidFill>
+                  <a:schemeClr val="tx1">
+                    <a:lumMod val="75000"/>
+                    <a:lumOff val="25000"/>
+                  </a:schemeClr>
+                </a:solidFill>
+                <a:latin typeface="Calibri" pitchFamily="34" charset="0"/>
+                <a:ea typeface="Arial Unicode MS" pitchFamily="50" charset="-127"/>
+                <a:cs typeface="Calibri" pitchFamily="34" charset="0"/>
+              </a:rPr>
+              <a:t> Management</a:t>
             </a:r>
             <a:endParaRPr lang="ko-KR" altLang="en-US" sz="4400" dirty="0">
               <a:solidFill>
@@ -4842,10 +4852,321 @@
           </a:p>
         </p:txBody>
       </p:sp>
+      <p:grpSp>
+        <p:nvGrpSpPr>
+          <p:cNvPr id="9" name="그룹 8"/>
+          <p:cNvGrpSpPr/>
+          <p:nvPr/>
+        </p:nvGrpSpPr>
+        <p:grpSpPr>
+          <a:xfrm>
+            <a:off x="1475656" y="1340768"/>
+            <a:ext cx="7200000" cy="3600000"/>
+            <a:chOff x="309563" y="1856603"/>
+            <a:chExt cx="8524875" cy="3276600"/>
+          </a:xfrm>
+        </p:grpSpPr>
+        <p:pic>
+          <p:nvPicPr>
+            <p:cNvPr id="10" name="Picture 2"/>
+            <p:cNvPicPr>
+              <a:picLocks noChangeAspect="1" noChangeArrowheads="1"/>
+            </p:cNvPicPr>
+            <p:nvPr/>
+          </p:nvPicPr>
+          <p:blipFill>
+            <a:blip r:embed="rId2"/>
+            <a:srcRect/>
+            <a:stretch>
+              <a:fillRect/>
+            </a:stretch>
+          </p:blipFill>
+          <p:spPr bwMode="auto">
+            <a:xfrm>
+              <a:off x="309563" y="1856603"/>
+              <a:ext cx="8524875" cy="3276600"/>
+            </a:xfrm>
+            <a:prstGeom prst="rect">
+              <a:avLst/>
+            </a:prstGeom>
+            <a:noFill/>
+            <a:ln w="9525">
+              <a:noFill/>
+              <a:miter lim="800000"/>
+              <a:headEnd/>
+              <a:tailEnd/>
+            </a:ln>
+          </p:spPr>
+        </p:pic>
+        <p:sp>
+          <p:nvSpPr>
+            <p:cNvPr id="11" name="TextBox 3"/>
+            <p:cNvSpPr txBox="1"/>
+            <p:nvPr/>
+          </p:nvSpPr>
+          <p:spPr>
+            <a:xfrm>
+              <a:off x="7164288" y="2420888"/>
+              <a:ext cx="415498" cy="369332"/>
+            </a:xfrm>
+            <a:prstGeom prst="rect">
+              <a:avLst/>
+            </a:prstGeom>
+            <a:noFill/>
+          </p:spPr>
+          <p:txBody>
+            <a:bodyPr wrap="none" rtlCol="0">
+              <a:spAutoFit/>
+            </a:bodyPr>
+            <a:lstStyle>
+              <a:defPPr>
+                <a:defRPr lang="ko-KR"/>
+              </a:defPPr>
+              <a:lvl1pPr marL="0" algn="l" defTabSz="914400" rtl="0" eaLnBrk="1" latinLnBrk="1" hangingPunct="1">
+                <a:defRPr sz="1800" kern="1200">
+                  <a:solidFill>
+                    <a:schemeClr val="tx1"/>
+                  </a:solidFill>
+                  <a:latin typeface="+mn-lt"/>
+                  <a:ea typeface="+mn-ea"/>
+                  <a:cs typeface="+mn-cs"/>
+                </a:defRPr>
+              </a:lvl1pPr>
+              <a:lvl2pPr marL="457200" algn="l" defTabSz="914400" rtl="0" eaLnBrk="1" latinLnBrk="1" hangingPunct="1">
+                <a:defRPr sz="1800" kern="1200">
+                  <a:solidFill>
+                    <a:schemeClr val="tx1"/>
+                  </a:solidFill>
+                  <a:latin typeface="+mn-lt"/>
+                  <a:ea typeface="+mn-ea"/>
+                  <a:cs typeface="+mn-cs"/>
+                </a:defRPr>
+              </a:lvl2pPr>
+              <a:lvl3pPr marL="914400" algn="l" defTabSz="914400" rtl="0" eaLnBrk="1" latinLnBrk="1" hangingPunct="1">
+                <a:defRPr sz="1800" kern="1200">
+                  <a:solidFill>
+                    <a:schemeClr val="tx1"/>
+                  </a:solidFill>
+                  <a:latin typeface="+mn-lt"/>
+                  <a:ea typeface="+mn-ea"/>
+                  <a:cs typeface="+mn-cs"/>
+                </a:defRPr>
+              </a:lvl3pPr>
+              <a:lvl4pPr marL="1371600" algn="l" defTabSz="914400" rtl="0" eaLnBrk="1" latinLnBrk="1" hangingPunct="1">
+                <a:defRPr sz="1800" kern="1200">
+                  <a:solidFill>
+                    <a:schemeClr val="tx1"/>
+                  </a:solidFill>
+                  <a:latin typeface="+mn-lt"/>
+                  <a:ea typeface="+mn-ea"/>
+                  <a:cs typeface="+mn-cs"/>
+                </a:defRPr>
+              </a:lvl4pPr>
+              <a:lvl5pPr marL="1828800" algn="l" defTabSz="914400" rtl="0" eaLnBrk="1" latinLnBrk="1" hangingPunct="1">
+                <a:defRPr sz="1800" kern="1200">
+                  <a:solidFill>
+                    <a:schemeClr val="tx1"/>
+                  </a:solidFill>
+                  <a:latin typeface="+mn-lt"/>
+                  <a:ea typeface="+mn-ea"/>
+                  <a:cs typeface="+mn-cs"/>
+                </a:defRPr>
+              </a:lvl5pPr>
+              <a:lvl6pPr marL="2286000" algn="l" defTabSz="914400" rtl="0" eaLnBrk="1" latinLnBrk="1" hangingPunct="1">
+                <a:defRPr sz="1800" kern="1200">
+                  <a:solidFill>
+                    <a:schemeClr val="tx1"/>
+                  </a:solidFill>
+                  <a:latin typeface="+mn-lt"/>
+                  <a:ea typeface="+mn-ea"/>
+                  <a:cs typeface="+mn-cs"/>
+                </a:defRPr>
+              </a:lvl6pPr>
+              <a:lvl7pPr marL="2743200" algn="l" defTabSz="914400" rtl="0" eaLnBrk="1" latinLnBrk="1" hangingPunct="1">
+                <a:defRPr sz="1800" kern="1200">
+                  <a:solidFill>
+                    <a:schemeClr val="tx1"/>
+                  </a:solidFill>
+                  <a:latin typeface="+mn-lt"/>
+                  <a:ea typeface="+mn-ea"/>
+                  <a:cs typeface="+mn-cs"/>
+                </a:defRPr>
+              </a:lvl7pPr>
+              <a:lvl8pPr marL="3200400" algn="l" defTabSz="914400" rtl="0" eaLnBrk="1" latinLnBrk="1" hangingPunct="1">
+                <a:defRPr sz="1800" kern="1200">
+                  <a:solidFill>
+                    <a:schemeClr val="tx1"/>
+                  </a:solidFill>
+                  <a:latin typeface="+mn-lt"/>
+                  <a:ea typeface="+mn-ea"/>
+                  <a:cs typeface="+mn-cs"/>
+                </a:defRPr>
+              </a:lvl8pPr>
+              <a:lvl9pPr marL="3657600" algn="l" defTabSz="914400" rtl="0" eaLnBrk="1" latinLnBrk="1" hangingPunct="1">
+                <a:defRPr sz="1800" kern="1200">
+                  <a:solidFill>
+                    <a:schemeClr val="tx1"/>
+                  </a:solidFill>
+                  <a:latin typeface="+mn-lt"/>
+                  <a:ea typeface="+mn-ea"/>
+                  <a:cs typeface="+mn-cs"/>
+                </a:defRPr>
+              </a:lvl9pPr>
+            </a:lstStyle>
+            <a:p>
+              <a:r>
+                <a:rPr lang="ko-KR" altLang="en-US" b="1" dirty="0" smtClean="0">
+                  <a:solidFill>
+                    <a:srgbClr val="FF0000"/>
+                  </a:solidFill>
+                </a:rPr>
+                <a:t>①</a:t>
+              </a:r>
+              <a:endParaRPr lang="ko-KR" altLang="en-US" b="1" dirty="0">
+                <a:solidFill>
+                  <a:srgbClr val="FF0000"/>
+                </a:solidFill>
+              </a:endParaRPr>
+            </a:p>
+          </p:txBody>
+        </p:sp>
+        <p:sp>
+          <p:nvSpPr>
+            <p:cNvPr id="12" name="TextBox 4"/>
+            <p:cNvSpPr txBox="1"/>
+            <p:nvPr/>
+          </p:nvSpPr>
+          <p:spPr>
+            <a:xfrm>
+              <a:off x="827584" y="3789040"/>
+              <a:ext cx="415498" cy="369332"/>
+            </a:xfrm>
+            <a:prstGeom prst="rect">
+              <a:avLst/>
+            </a:prstGeom>
+            <a:noFill/>
+          </p:spPr>
+          <p:txBody>
+            <a:bodyPr wrap="none" rtlCol="0">
+              <a:spAutoFit/>
+            </a:bodyPr>
+            <a:lstStyle>
+              <a:defPPr>
+                <a:defRPr lang="ko-KR"/>
+              </a:defPPr>
+              <a:lvl1pPr marL="0" algn="l" defTabSz="914400" rtl="0" eaLnBrk="1" latinLnBrk="1" hangingPunct="1">
+                <a:defRPr sz="1800" kern="1200">
+                  <a:solidFill>
+                    <a:schemeClr val="tx1"/>
+                  </a:solidFill>
+                  <a:latin typeface="+mn-lt"/>
+                  <a:ea typeface="+mn-ea"/>
+                  <a:cs typeface="+mn-cs"/>
+                </a:defRPr>
+              </a:lvl1pPr>
+              <a:lvl2pPr marL="457200" algn="l" defTabSz="914400" rtl="0" eaLnBrk="1" latinLnBrk="1" hangingPunct="1">
+                <a:defRPr sz="1800" kern="1200">
+                  <a:solidFill>
+                    <a:schemeClr val="tx1"/>
+                  </a:solidFill>
+                  <a:latin typeface="+mn-lt"/>
+                  <a:ea typeface="+mn-ea"/>
+                  <a:cs typeface="+mn-cs"/>
+                </a:defRPr>
+              </a:lvl2pPr>
+              <a:lvl3pPr marL="914400" algn="l" defTabSz="914400" rtl="0" eaLnBrk="1" latinLnBrk="1" hangingPunct="1">
+                <a:defRPr sz="1800" kern="1200">
+                  <a:solidFill>
+                    <a:schemeClr val="tx1"/>
+                  </a:solidFill>
+                  <a:latin typeface="+mn-lt"/>
+                  <a:ea typeface="+mn-ea"/>
+                  <a:cs typeface="+mn-cs"/>
+                </a:defRPr>
+              </a:lvl3pPr>
+              <a:lvl4pPr marL="1371600" algn="l" defTabSz="914400" rtl="0" eaLnBrk="1" latinLnBrk="1" hangingPunct="1">
+                <a:defRPr sz="1800" kern="1200">
+                  <a:solidFill>
+                    <a:schemeClr val="tx1"/>
+                  </a:solidFill>
+                  <a:latin typeface="+mn-lt"/>
+                  <a:ea typeface="+mn-ea"/>
+                  <a:cs typeface="+mn-cs"/>
+                </a:defRPr>
+              </a:lvl4pPr>
+              <a:lvl5pPr marL="1828800" algn="l" defTabSz="914400" rtl="0" eaLnBrk="1" latinLnBrk="1" hangingPunct="1">
+                <a:defRPr sz="1800" kern="1200">
+                  <a:solidFill>
+                    <a:schemeClr val="tx1"/>
+                  </a:solidFill>
+                  <a:latin typeface="+mn-lt"/>
+                  <a:ea typeface="+mn-ea"/>
+                  <a:cs typeface="+mn-cs"/>
+                </a:defRPr>
+              </a:lvl5pPr>
+              <a:lvl6pPr marL="2286000" algn="l" defTabSz="914400" rtl="0" eaLnBrk="1" latinLnBrk="1" hangingPunct="1">
+                <a:defRPr sz="1800" kern="1200">
+                  <a:solidFill>
+                    <a:schemeClr val="tx1"/>
+                  </a:solidFill>
+                  <a:latin typeface="+mn-lt"/>
+                  <a:ea typeface="+mn-ea"/>
+                  <a:cs typeface="+mn-cs"/>
+                </a:defRPr>
+              </a:lvl6pPr>
+              <a:lvl7pPr marL="2743200" algn="l" defTabSz="914400" rtl="0" eaLnBrk="1" latinLnBrk="1" hangingPunct="1">
+                <a:defRPr sz="1800" kern="1200">
+                  <a:solidFill>
+                    <a:schemeClr val="tx1"/>
+                  </a:solidFill>
+                  <a:latin typeface="+mn-lt"/>
+                  <a:ea typeface="+mn-ea"/>
+                  <a:cs typeface="+mn-cs"/>
+                </a:defRPr>
+              </a:lvl7pPr>
+              <a:lvl8pPr marL="3200400" algn="l" defTabSz="914400" rtl="0" eaLnBrk="1" latinLnBrk="1" hangingPunct="1">
+                <a:defRPr sz="1800" kern="1200">
+                  <a:solidFill>
+                    <a:schemeClr val="tx1"/>
+                  </a:solidFill>
+                  <a:latin typeface="+mn-lt"/>
+                  <a:ea typeface="+mn-ea"/>
+                  <a:cs typeface="+mn-cs"/>
+                </a:defRPr>
+              </a:lvl8pPr>
+              <a:lvl9pPr marL="3657600" algn="l" defTabSz="914400" rtl="0" eaLnBrk="1" latinLnBrk="1" hangingPunct="1">
+                <a:defRPr sz="1800" kern="1200">
+                  <a:solidFill>
+                    <a:schemeClr val="tx1"/>
+                  </a:solidFill>
+                  <a:latin typeface="+mn-lt"/>
+                  <a:ea typeface="+mn-ea"/>
+                  <a:cs typeface="+mn-cs"/>
+                </a:defRPr>
+              </a:lvl9pPr>
+            </a:lstStyle>
+            <a:p>
+              <a:r>
+                <a:rPr lang="ko-KR" altLang="en-US" b="1" dirty="0" smtClean="0">
+                  <a:solidFill>
+                    <a:srgbClr val="FF0000"/>
+                  </a:solidFill>
+                </a:rPr>
+                <a:t>②</a:t>
+              </a:r>
+              <a:endParaRPr lang="ko-KR" altLang="en-US" b="1" dirty="0">
+                <a:solidFill>
+                  <a:srgbClr val="FF0000"/>
+                </a:solidFill>
+              </a:endParaRPr>
+            </a:p>
+          </p:txBody>
+        </p:sp>
+      </p:grpSp>
     </p:spTree>
     <p:extLst>
       <p:ext uri="{BB962C8B-B14F-4D97-AF65-F5344CB8AC3E}">
-        <p14:creationId xmlns="" xmlns:p14="http://schemas.microsoft.com/office/powerpoint/2010/main" val="891763176"/>
+        <p14:creationId xmlns:p14="http://schemas.microsoft.com/office/powerpoint/2010/main" xmlns="" val="891763176"/>
       </p:ext>
     </p:extLst>
   </p:cSld>
@@ -4882,7 +5203,7 @@
       </p:grpSpPr>
       <p:sp>
         <p:nvSpPr>
-          <p:cNvPr id="7" name="Title 1"/>
+          <p:cNvPr id="2" name="Title 1"/>
           <p:cNvSpPr>
             <a:spLocks noGrp="1"/>
           </p:cNvSpPr>
@@ -4901,7 +5222,7 @@
           <a:lstStyle/>
           <a:p>
             <a:r>
-              <a:rPr lang="en-US" altLang="ko-KR" sz="4400" dirty="0" smtClean="0">
+              <a:rPr lang="en-US" altLang="ko-KR" sz="4400" dirty="0" err="1" smtClean="0">
                 <a:solidFill>
                   <a:schemeClr val="tx1">
                     <a:lumMod val="75000"/>
@@ -4912,7 +5233,21 @@
                 <a:ea typeface="Arial Unicode MS" pitchFamily="50" charset="-127"/>
                 <a:cs typeface="Calibri" pitchFamily="34" charset="0"/>
               </a:rPr>
-              <a:t>Organic Molecules List </a:t>
+              <a:t>WorkTime</a:t>
+            </a:r>
+            <a:r>
+              <a:rPr lang="en-US" altLang="ko-KR" sz="4400" dirty="0" smtClean="0">
+                <a:solidFill>
+                  <a:schemeClr val="tx1">
+                    <a:lumMod val="75000"/>
+                    <a:lumOff val="25000"/>
+                  </a:schemeClr>
+                </a:solidFill>
+                <a:latin typeface="Calibri" pitchFamily="34" charset="0"/>
+                <a:ea typeface="Arial Unicode MS" pitchFamily="50" charset="-127"/>
+                <a:cs typeface="Calibri" pitchFamily="34" charset="0"/>
+              </a:rPr>
+              <a:t> Management</a:t>
             </a:r>
             <a:endParaRPr lang="ko-KR" altLang="en-US" sz="4400" dirty="0">
               <a:solidFill>
@@ -4928,236 +5263,328 @@
           </a:p>
         </p:txBody>
       </p:sp>
-      <p:pic>
-        <p:nvPicPr>
-          <p:cNvPr id="6" name="Picture 3"/>
-          <p:cNvPicPr>
-            <a:picLocks noChangeAspect="1" noChangeArrowheads="1"/>
-          </p:cNvPicPr>
+      <p:grpSp>
+        <p:nvGrpSpPr>
+          <p:cNvPr id="4" name="그룹 3"/>
+          <p:cNvGrpSpPr/>
           <p:nvPr/>
-        </p:nvPicPr>
-        <p:blipFill rotWithShape="1">
-          <a:blip r:embed="rId2">
-            <a:extLst>
-              <a:ext uri="{28A0092B-C50C-407E-A947-70E740481C1C}">
-                <a14:useLocalDpi xmlns="" xmlns:a14="http://schemas.microsoft.com/office/drawing/2010/main" val="0"/>
-              </a:ext>
-            </a:extLst>
-          </a:blip>
-          <a:srcRect l="6536" t="19856" r="63942" b="37837"/>
-          <a:stretch/>
-        </p:blipFill>
-        <p:spPr bwMode="auto">
-          <a:xfrm>
-            <a:off x="5072066" y="1319363"/>
-            <a:ext cx="3841160" cy="3143272"/>
-          </a:xfrm>
-          <a:prstGeom prst="rect">
-            <a:avLst/>
-          </a:prstGeom>
-          <a:noFill/>
-          <a:ln>
-            <a:solidFill>
-              <a:schemeClr val="tx1">
-                <a:lumMod val="95000"/>
-                <a:lumOff val="5000"/>
-              </a:schemeClr>
-            </a:solidFill>
-          </a:ln>
-          <a:effectLst>
-            <a:outerShdw blurRad="50800" dist="38100" dir="2700000" algn="tl" rotWithShape="0">
-              <a:prstClr val="black">
-                <a:alpha val="40000"/>
-              </a:prstClr>
-            </a:outerShdw>
-          </a:effectLst>
-          <a:extLst>
-            <a:ext uri="{909E8E84-426E-40DD-AFC4-6F175D3DCCD1}">
-              <a14:hiddenFill xmlns="" xmlns:a14="http://schemas.microsoft.com/office/drawing/2010/main">
-                <a:solidFill>
-                  <a:schemeClr val="accent1"/>
-                </a:solidFill>
-              </a14:hiddenFill>
-            </a:ext>
-            <a:ext uri="{91240B29-F687-4F45-9708-019B960494DF}">
-              <a14:hiddenLine xmlns="" xmlns:a14="http://schemas.microsoft.com/office/drawing/2010/main" w="9525">
-                <a:solidFill>
-                  <a:schemeClr val="tx1"/>
-                </a:solidFill>
-                <a:miter lim="800000"/>
-                <a:headEnd/>
-                <a:tailEnd/>
-              </a14:hiddenLine>
-            </a:ext>
-            <a:ext uri="{AF507438-7753-43E0-B8FC-AC1667EBCBE1}">
-              <a14:hiddenEffects xmlns="" xmlns:a14="http://schemas.microsoft.com/office/drawing/2010/main">
-                <a:effectLst>
-                  <a:outerShdw dist="35921" dir="2700000" algn="ctr" rotWithShape="0">
-                    <a:schemeClr val="bg2"/>
-                  </a:outerShdw>
-                </a:effectLst>
-              </a14:hiddenEffects>
-            </a:ext>
-          </a:extLst>
-        </p:spPr>
-      </p:pic>
-      <p:pic>
-        <p:nvPicPr>
-          <p:cNvPr id="2052" name="Picture 4"/>
-          <p:cNvPicPr>
-            <a:picLocks noChangeAspect="1" noChangeArrowheads="1"/>
-          </p:cNvPicPr>
-          <p:nvPr/>
-        </p:nvPicPr>
-        <p:blipFill rotWithShape="1">
-          <a:blip r:embed="rId3">
-            <a:extLst>
-              <a:ext uri="{28A0092B-C50C-407E-A947-70E740481C1C}">
-                <a14:useLocalDpi xmlns="" xmlns:a14="http://schemas.microsoft.com/office/drawing/2010/main" val="0"/>
-              </a:ext>
-            </a:extLst>
-          </a:blip>
-          <a:srcRect l="7617" t="19663" r="66002" b="37605"/>
-          <a:stretch/>
-        </p:blipFill>
-        <p:spPr bwMode="auto">
-          <a:xfrm>
-            <a:off x="1428728" y="1319363"/>
-            <a:ext cx="3432517" cy="3143271"/>
-          </a:xfrm>
-          <a:prstGeom prst="rect">
-            <a:avLst/>
-          </a:prstGeom>
-          <a:noFill/>
-          <a:ln>
-            <a:solidFill>
-              <a:schemeClr val="tx1">
-                <a:lumMod val="95000"/>
-                <a:lumOff val="5000"/>
-              </a:schemeClr>
-            </a:solidFill>
-          </a:ln>
-          <a:effectLst>
-            <a:outerShdw blurRad="50800" dist="38100" dir="2700000" algn="tl" rotWithShape="0">
-              <a:prstClr val="black">
-                <a:alpha val="40000"/>
-              </a:prstClr>
-            </a:outerShdw>
-          </a:effectLst>
-          <a:extLst>
-            <a:ext uri="{909E8E84-426E-40DD-AFC4-6F175D3DCCD1}">
-              <a14:hiddenFill xmlns="" xmlns:a14="http://schemas.microsoft.com/office/drawing/2010/main">
-                <a:solidFill>
-                  <a:schemeClr val="accent1"/>
-                </a:solidFill>
-              </a14:hiddenFill>
-            </a:ext>
-            <a:ext uri="{91240B29-F687-4F45-9708-019B960494DF}">
-              <a14:hiddenLine xmlns="" xmlns:a14="http://schemas.microsoft.com/office/drawing/2010/main" w="9525">
-                <a:solidFill>
-                  <a:schemeClr val="tx1"/>
-                </a:solidFill>
-                <a:miter lim="800000"/>
-                <a:headEnd/>
-                <a:tailEnd/>
-              </a14:hiddenLine>
-            </a:ext>
-            <a:ext uri="{AF507438-7753-43E0-B8FC-AC1667EBCBE1}">
-              <a14:hiddenEffects xmlns="" xmlns:a14="http://schemas.microsoft.com/office/drawing/2010/main">
-                <a:effectLst>
-                  <a:outerShdw dist="35921" dir="2700000" algn="ctr" rotWithShape="0">
-                    <a:schemeClr val="bg2"/>
-                  </a:outerShdw>
-                </a:effectLst>
-              </a14:hiddenEffects>
-            </a:ext>
-          </a:extLst>
-        </p:spPr>
-      </p:pic>
-      <p:pic>
-        <p:nvPicPr>
-          <p:cNvPr id="2053" name="Picture 5"/>
-          <p:cNvPicPr>
-            <a:picLocks noChangeAspect="1" noChangeArrowheads="1"/>
-          </p:cNvPicPr>
-          <p:nvPr/>
-        </p:nvPicPr>
-        <p:blipFill rotWithShape="1">
-          <a:blip r:embed="rId4">
-            <a:extLst>
-              <a:ext uri="{28A0092B-C50C-407E-A947-70E740481C1C}">
-                <a14:useLocalDpi xmlns="" xmlns:a14="http://schemas.microsoft.com/office/drawing/2010/main" val="0"/>
-              </a:ext>
-            </a:extLst>
-          </a:blip>
-          <a:srcRect l="7943" t="20048" r="9848" b="55144"/>
-          <a:stretch/>
-        </p:blipFill>
-        <p:spPr bwMode="auto">
-          <a:xfrm>
-            <a:off x="1428728" y="4680975"/>
-            <a:ext cx="7500990" cy="1248355"/>
-          </a:xfrm>
-          <a:prstGeom prst="rect">
-            <a:avLst/>
-          </a:prstGeom>
-          <a:noFill/>
-          <a:ln>
-            <a:solidFill>
-              <a:schemeClr val="tx1">
-                <a:lumMod val="95000"/>
-                <a:lumOff val="5000"/>
-              </a:schemeClr>
-            </a:solidFill>
-          </a:ln>
-          <a:effectLst>
-            <a:outerShdw blurRad="50800" dist="38100" dir="2700000" algn="tl" rotWithShape="0">
-              <a:prstClr val="black">
-                <a:alpha val="40000"/>
-              </a:prstClr>
-            </a:outerShdw>
-          </a:effectLst>
-          <a:extLst>
-            <a:ext uri="{909E8E84-426E-40DD-AFC4-6F175D3DCCD1}">
-              <a14:hiddenFill xmlns="" xmlns:a14="http://schemas.microsoft.com/office/drawing/2010/main">
-                <a:solidFill>
-                  <a:schemeClr val="accent1"/>
-                </a:solidFill>
-              </a14:hiddenFill>
-            </a:ext>
-            <a:ext uri="{91240B29-F687-4F45-9708-019B960494DF}">
-              <a14:hiddenLine xmlns="" xmlns:a14="http://schemas.microsoft.com/office/drawing/2010/main" w="9525">
-                <a:solidFill>
-                  <a:schemeClr val="tx1"/>
-                </a:solidFill>
-                <a:miter lim="800000"/>
-                <a:headEnd/>
-                <a:tailEnd/>
-              </a14:hiddenLine>
-            </a:ext>
-            <a:ext uri="{AF507438-7753-43E0-B8FC-AC1667EBCBE1}">
-              <a14:hiddenEffects xmlns="" xmlns:a14="http://schemas.microsoft.com/office/drawing/2010/main">
-                <a:effectLst>
-                  <a:outerShdw dist="35921" dir="2700000" algn="ctr" rotWithShape="0">
-                    <a:schemeClr val="bg2"/>
-                  </a:outerShdw>
-                </a:effectLst>
-              </a14:hiddenEffects>
-            </a:ext>
-          </a:extLst>
-        </p:spPr>
-      </p:pic>
+        </p:nvGrpSpPr>
+        <p:grpSpPr>
+          <a:xfrm>
+            <a:off x="1691680" y="1124744"/>
+            <a:ext cx="6624736" cy="4752528"/>
+            <a:chOff x="342900" y="666750"/>
+            <a:chExt cx="8458200" cy="5524500"/>
+          </a:xfrm>
+        </p:grpSpPr>
+        <p:pic>
+          <p:nvPicPr>
+            <p:cNvPr id="5" name="Picture 2"/>
+            <p:cNvPicPr>
+              <a:picLocks noChangeAspect="1" noChangeArrowheads="1"/>
+            </p:cNvPicPr>
+            <p:nvPr/>
+          </p:nvPicPr>
+          <p:blipFill>
+            <a:blip r:embed="rId2"/>
+            <a:srcRect/>
+            <a:stretch>
+              <a:fillRect/>
+            </a:stretch>
+          </p:blipFill>
+          <p:spPr bwMode="auto">
+            <a:xfrm>
+              <a:off x="342900" y="666750"/>
+              <a:ext cx="8458200" cy="5524500"/>
+            </a:xfrm>
+            <a:prstGeom prst="rect">
+              <a:avLst/>
+            </a:prstGeom>
+            <a:noFill/>
+            <a:ln w="9525">
+              <a:noFill/>
+              <a:miter lim="800000"/>
+              <a:headEnd/>
+              <a:tailEnd/>
+            </a:ln>
+          </p:spPr>
+        </p:pic>
+        <p:sp>
+          <p:nvSpPr>
+            <p:cNvPr id="6" name="TextBox 3"/>
+            <p:cNvSpPr txBox="1"/>
+            <p:nvPr/>
+          </p:nvSpPr>
+          <p:spPr>
+            <a:xfrm>
+              <a:off x="6532766" y="5013176"/>
+              <a:ext cx="415498" cy="369332"/>
+            </a:xfrm>
+            <a:prstGeom prst="rect">
+              <a:avLst/>
+            </a:prstGeom>
+            <a:noFill/>
+          </p:spPr>
+          <p:txBody>
+            <a:bodyPr wrap="none" rtlCol="0">
+              <a:spAutoFit/>
+            </a:bodyPr>
+            <a:lstStyle>
+              <a:defPPr>
+                <a:defRPr lang="ko-KR"/>
+              </a:defPPr>
+              <a:lvl1pPr marL="0" algn="l" defTabSz="914400" rtl="0" eaLnBrk="1" latinLnBrk="1" hangingPunct="1">
+                <a:defRPr sz="1800" kern="1200">
+                  <a:solidFill>
+                    <a:schemeClr val="tx1"/>
+                  </a:solidFill>
+                  <a:latin typeface="+mn-lt"/>
+                  <a:ea typeface="+mn-ea"/>
+                  <a:cs typeface="+mn-cs"/>
+                </a:defRPr>
+              </a:lvl1pPr>
+              <a:lvl2pPr marL="457200" algn="l" defTabSz="914400" rtl="0" eaLnBrk="1" latinLnBrk="1" hangingPunct="1">
+                <a:defRPr sz="1800" kern="1200">
+                  <a:solidFill>
+                    <a:schemeClr val="tx1"/>
+                  </a:solidFill>
+                  <a:latin typeface="+mn-lt"/>
+                  <a:ea typeface="+mn-ea"/>
+                  <a:cs typeface="+mn-cs"/>
+                </a:defRPr>
+              </a:lvl2pPr>
+              <a:lvl3pPr marL="914400" algn="l" defTabSz="914400" rtl="0" eaLnBrk="1" latinLnBrk="1" hangingPunct="1">
+                <a:defRPr sz="1800" kern="1200">
+                  <a:solidFill>
+                    <a:schemeClr val="tx1"/>
+                  </a:solidFill>
+                  <a:latin typeface="+mn-lt"/>
+                  <a:ea typeface="+mn-ea"/>
+                  <a:cs typeface="+mn-cs"/>
+                </a:defRPr>
+              </a:lvl3pPr>
+              <a:lvl4pPr marL="1371600" algn="l" defTabSz="914400" rtl="0" eaLnBrk="1" latinLnBrk="1" hangingPunct="1">
+                <a:defRPr sz="1800" kern="1200">
+                  <a:solidFill>
+                    <a:schemeClr val="tx1"/>
+                  </a:solidFill>
+                  <a:latin typeface="+mn-lt"/>
+                  <a:ea typeface="+mn-ea"/>
+                  <a:cs typeface="+mn-cs"/>
+                </a:defRPr>
+              </a:lvl4pPr>
+              <a:lvl5pPr marL="1828800" algn="l" defTabSz="914400" rtl="0" eaLnBrk="1" latinLnBrk="1" hangingPunct="1">
+                <a:defRPr sz="1800" kern="1200">
+                  <a:solidFill>
+                    <a:schemeClr val="tx1"/>
+                  </a:solidFill>
+                  <a:latin typeface="+mn-lt"/>
+                  <a:ea typeface="+mn-ea"/>
+                  <a:cs typeface="+mn-cs"/>
+                </a:defRPr>
+              </a:lvl5pPr>
+              <a:lvl6pPr marL="2286000" algn="l" defTabSz="914400" rtl="0" eaLnBrk="1" latinLnBrk="1" hangingPunct="1">
+                <a:defRPr sz="1800" kern="1200">
+                  <a:solidFill>
+                    <a:schemeClr val="tx1"/>
+                  </a:solidFill>
+                  <a:latin typeface="+mn-lt"/>
+                  <a:ea typeface="+mn-ea"/>
+                  <a:cs typeface="+mn-cs"/>
+                </a:defRPr>
+              </a:lvl6pPr>
+              <a:lvl7pPr marL="2743200" algn="l" defTabSz="914400" rtl="0" eaLnBrk="1" latinLnBrk="1" hangingPunct="1">
+                <a:defRPr sz="1800" kern="1200">
+                  <a:solidFill>
+                    <a:schemeClr val="tx1"/>
+                  </a:solidFill>
+                  <a:latin typeface="+mn-lt"/>
+                  <a:ea typeface="+mn-ea"/>
+                  <a:cs typeface="+mn-cs"/>
+                </a:defRPr>
+              </a:lvl7pPr>
+              <a:lvl8pPr marL="3200400" algn="l" defTabSz="914400" rtl="0" eaLnBrk="1" latinLnBrk="1" hangingPunct="1">
+                <a:defRPr sz="1800" kern="1200">
+                  <a:solidFill>
+                    <a:schemeClr val="tx1"/>
+                  </a:solidFill>
+                  <a:latin typeface="+mn-lt"/>
+                  <a:ea typeface="+mn-ea"/>
+                  <a:cs typeface="+mn-cs"/>
+                </a:defRPr>
+              </a:lvl8pPr>
+              <a:lvl9pPr marL="3657600" algn="l" defTabSz="914400" rtl="0" eaLnBrk="1" latinLnBrk="1" hangingPunct="1">
+                <a:defRPr sz="1800" kern="1200">
+                  <a:solidFill>
+                    <a:schemeClr val="tx1"/>
+                  </a:solidFill>
+                  <a:latin typeface="+mn-lt"/>
+                  <a:ea typeface="+mn-ea"/>
+                  <a:cs typeface="+mn-cs"/>
+                </a:defRPr>
+              </a:lvl9pPr>
+            </a:lstStyle>
+            <a:p>
+              <a:r>
+                <a:rPr lang="ko-KR" altLang="en-US" b="1" dirty="0" smtClean="0">
+                  <a:solidFill>
+                    <a:srgbClr val="FF0000"/>
+                  </a:solidFill>
+                </a:rPr>
+                <a:t>①</a:t>
+              </a:r>
+              <a:endParaRPr lang="ko-KR" altLang="en-US" b="1" dirty="0">
+                <a:solidFill>
+                  <a:srgbClr val="FF0000"/>
+                </a:solidFill>
+              </a:endParaRPr>
+            </a:p>
+          </p:txBody>
+        </p:sp>
+        <p:sp>
+          <p:nvSpPr>
+            <p:cNvPr id="8" name="TextBox 5"/>
+            <p:cNvSpPr txBox="1"/>
+            <p:nvPr/>
+          </p:nvSpPr>
+          <p:spPr>
+            <a:xfrm>
+              <a:off x="3076382" y="5075892"/>
+              <a:ext cx="415498" cy="369332"/>
+            </a:xfrm>
+            <a:prstGeom prst="rect">
+              <a:avLst/>
+            </a:prstGeom>
+            <a:noFill/>
+          </p:spPr>
+          <p:txBody>
+            <a:bodyPr wrap="none" rtlCol="0">
+              <a:spAutoFit/>
+            </a:bodyPr>
+            <a:lstStyle>
+              <a:defPPr>
+                <a:defRPr lang="ko-KR"/>
+              </a:defPPr>
+              <a:lvl1pPr marL="0" algn="l" defTabSz="914400" rtl="0" eaLnBrk="1" latinLnBrk="1" hangingPunct="1">
+                <a:defRPr sz="1800" kern="1200">
+                  <a:solidFill>
+                    <a:schemeClr val="tx1"/>
+                  </a:solidFill>
+                  <a:latin typeface="+mn-lt"/>
+                  <a:ea typeface="+mn-ea"/>
+                  <a:cs typeface="+mn-cs"/>
+                </a:defRPr>
+              </a:lvl1pPr>
+              <a:lvl2pPr marL="457200" algn="l" defTabSz="914400" rtl="0" eaLnBrk="1" latinLnBrk="1" hangingPunct="1">
+                <a:defRPr sz="1800" kern="1200">
+                  <a:solidFill>
+                    <a:schemeClr val="tx1"/>
+                  </a:solidFill>
+                  <a:latin typeface="+mn-lt"/>
+                  <a:ea typeface="+mn-ea"/>
+                  <a:cs typeface="+mn-cs"/>
+                </a:defRPr>
+              </a:lvl2pPr>
+              <a:lvl3pPr marL="914400" algn="l" defTabSz="914400" rtl="0" eaLnBrk="1" latinLnBrk="1" hangingPunct="1">
+                <a:defRPr sz="1800" kern="1200">
+                  <a:solidFill>
+                    <a:schemeClr val="tx1"/>
+                  </a:solidFill>
+                  <a:latin typeface="+mn-lt"/>
+                  <a:ea typeface="+mn-ea"/>
+                  <a:cs typeface="+mn-cs"/>
+                </a:defRPr>
+              </a:lvl3pPr>
+              <a:lvl4pPr marL="1371600" algn="l" defTabSz="914400" rtl="0" eaLnBrk="1" latinLnBrk="1" hangingPunct="1">
+                <a:defRPr sz="1800" kern="1200">
+                  <a:solidFill>
+                    <a:schemeClr val="tx1"/>
+                  </a:solidFill>
+                  <a:latin typeface="+mn-lt"/>
+                  <a:ea typeface="+mn-ea"/>
+                  <a:cs typeface="+mn-cs"/>
+                </a:defRPr>
+              </a:lvl4pPr>
+              <a:lvl5pPr marL="1828800" algn="l" defTabSz="914400" rtl="0" eaLnBrk="1" latinLnBrk="1" hangingPunct="1">
+                <a:defRPr sz="1800" kern="1200">
+                  <a:solidFill>
+                    <a:schemeClr val="tx1"/>
+                  </a:solidFill>
+                  <a:latin typeface="+mn-lt"/>
+                  <a:ea typeface="+mn-ea"/>
+                  <a:cs typeface="+mn-cs"/>
+                </a:defRPr>
+              </a:lvl5pPr>
+              <a:lvl6pPr marL="2286000" algn="l" defTabSz="914400" rtl="0" eaLnBrk="1" latinLnBrk="1" hangingPunct="1">
+                <a:defRPr sz="1800" kern="1200">
+                  <a:solidFill>
+                    <a:schemeClr val="tx1"/>
+                  </a:solidFill>
+                  <a:latin typeface="+mn-lt"/>
+                  <a:ea typeface="+mn-ea"/>
+                  <a:cs typeface="+mn-cs"/>
+                </a:defRPr>
+              </a:lvl6pPr>
+              <a:lvl7pPr marL="2743200" algn="l" defTabSz="914400" rtl="0" eaLnBrk="1" latinLnBrk="1" hangingPunct="1">
+                <a:defRPr sz="1800" kern="1200">
+                  <a:solidFill>
+                    <a:schemeClr val="tx1"/>
+                  </a:solidFill>
+                  <a:latin typeface="+mn-lt"/>
+                  <a:ea typeface="+mn-ea"/>
+                  <a:cs typeface="+mn-cs"/>
+                </a:defRPr>
+              </a:lvl7pPr>
+              <a:lvl8pPr marL="3200400" algn="l" defTabSz="914400" rtl="0" eaLnBrk="1" latinLnBrk="1" hangingPunct="1">
+                <a:defRPr sz="1800" kern="1200">
+                  <a:solidFill>
+                    <a:schemeClr val="tx1"/>
+                  </a:solidFill>
+                  <a:latin typeface="+mn-lt"/>
+                  <a:ea typeface="+mn-ea"/>
+                  <a:cs typeface="+mn-cs"/>
+                </a:defRPr>
+              </a:lvl8pPr>
+              <a:lvl9pPr marL="3657600" algn="l" defTabSz="914400" rtl="0" eaLnBrk="1" latinLnBrk="1" hangingPunct="1">
+                <a:defRPr sz="1800" kern="1200">
+                  <a:solidFill>
+                    <a:schemeClr val="tx1"/>
+                  </a:solidFill>
+                  <a:latin typeface="+mn-lt"/>
+                  <a:ea typeface="+mn-ea"/>
+                  <a:cs typeface="+mn-cs"/>
+                </a:defRPr>
+              </a:lvl9pPr>
+            </a:lstStyle>
+            <a:p>
+              <a:r>
+                <a:rPr lang="ko-KR" altLang="en-US" b="1" dirty="0" smtClean="0">
+                  <a:solidFill>
+                    <a:srgbClr val="FF0000"/>
+                  </a:solidFill>
+                </a:rPr>
+                <a:t>②</a:t>
+              </a:r>
+              <a:endParaRPr lang="ko-KR" altLang="en-US" b="1" dirty="0">
+                <a:solidFill>
+                  <a:srgbClr val="FF0000"/>
+                </a:solidFill>
+              </a:endParaRPr>
+            </a:p>
+          </p:txBody>
+        </p:sp>
+      </p:grpSp>
     </p:spTree>
     <p:extLst>
       <p:ext uri="{BB962C8B-B14F-4D97-AF65-F5344CB8AC3E}">
-        <p14:creationId xmlns="" xmlns:p14="http://schemas.microsoft.com/office/powerpoint/2010/main" val="891763176"/>
+        <p14:creationId xmlns:p14="http://schemas.microsoft.com/office/powerpoint/2010/main" xmlns="" val="891763176"/>
       </p:ext>
     </p:extLst>
   </p:cSld>
   <p:clrMapOvr>
     <a:masterClrMapping/>
   </p:clrMapOvr>
-  <p:transition advTm="0"/>
+  <p:transition/>
   <p:timing>
     <p:tnLst>
       <p:par>
@@ -5187,7 +5614,7 @@
       </p:grpSpPr>
       <p:sp>
         <p:nvSpPr>
-          <p:cNvPr id="2" name="제목 1"/>
+          <p:cNvPr id="2" name="Title 1"/>
           <p:cNvSpPr>
             <a:spLocks noGrp="1"/>
           </p:cNvSpPr>
@@ -5197,8 +5624,8 @@
         </p:nvSpPr>
         <p:spPr>
           <a:xfrm>
-            <a:off x="1285852" y="0"/>
-            <a:ext cx="9144000" cy="1124744"/>
+            <a:off x="1259632" y="0"/>
+            <a:ext cx="7884368" cy="1069514"/>
           </a:xfrm>
         </p:spPr>
         <p:txBody>
@@ -5206,29 +5633,32 @@
           <a:lstStyle/>
           <a:p>
             <a:r>
-              <a:rPr lang="en-US" altLang="ko-KR" sz="4400" dirty="0" smtClean="0">
+              <a:rPr lang="en-US" altLang="ko-KR" sz="4400" dirty="0" err="1" smtClean="0">
                 <a:solidFill>
                   <a:schemeClr val="tx1">
                     <a:lumMod val="75000"/>
                     <a:lumOff val="25000"/>
                   </a:schemeClr>
                 </a:solidFill>
-                <a:latin typeface="+mj-lt"/>
-              </a:rPr>
-              <a:t>Manchester United </a:t>
-            </a:r>
-            <a:r>
-              <a:rPr lang="ko-KR" altLang="en-US" sz="4400" dirty="0" smtClean="0">
+                <a:latin typeface="Calibri" pitchFamily="34" charset="0"/>
+                <a:ea typeface="Arial Unicode MS" pitchFamily="50" charset="-127"/>
+                <a:cs typeface="Calibri" pitchFamily="34" charset="0"/>
+              </a:rPr>
+              <a:t>WorkTime</a:t>
+            </a:r>
+            <a:r>
+              <a:rPr lang="en-US" altLang="ko-KR" sz="4400" dirty="0" smtClean="0">
                 <a:solidFill>
                   <a:schemeClr val="tx1">
                     <a:lumMod val="75000"/>
                     <a:lumOff val="25000"/>
                   </a:schemeClr>
                 </a:solidFill>
-                <a:latin typeface="굴림" pitchFamily="50" charset="-127"/>
-                <a:ea typeface="굴림" pitchFamily="50" charset="-127"/>
-              </a:rPr>
-              <a:t>구단관리</a:t>
+                <a:latin typeface="Calibri" pitchFamily="34" charset="0"/>
+                <a:ea typeface="Arial Unicode MS" pitchFamily="50" charset="-127"/>
+                <a:cs typeface="Calibri" pitchFamily="34" charset="0"/>
+              </a:rPr>
+              <a:t> Management</a:t>
             </a:r>
             <a:endParaRPr lang="ko-KR" altLang="en-US" sz="4400" dirty="0">
               <a:solidFill>
@@ -5237,210 +5667,52 @@
                   <a:lumOff val="25000"/>
                 </a:schemeClr>
               </a:solidFill>
-              <a:latin typeface="굴림" pitchFamily="50" charset="-127"/>
-              <a:ea typeface="굴림" pitchFamily="50" charset="-127"/>
+              <a:latin typeface="Calibri" pitchFamily="34" charset="0"/>
+              <a:ea typeface="Arial Unicode MS" pitchFamily="50" charset="-127"/>
+              <a:cs typeface="Calibri" pitchFamily="34" charset="0"/>
             </a:endParaRPr>
           </a:p>
         </p:txBody>
       </p:sp>
-      <p:sp>
-        <p:nvSpPr>
-          <p:cNvPr id="3" name="내용 개체 틀 2"/>
-          <p:cNvSpPr>
-            <a:spLocks noGrp="1"/>
-          </p:cNvSpPr>
-          <p:nvPr>
-            <p:ph idx="1"/>
-          </p:nvPr>
-        </p:nvSpPr>
-        <p:spPr>
-          <a:xfrm>
-            <a:off x="1331640" y="1556792"/>
-            <a:ext cx="7355160" cy="4569371"/>
-          </a:xfrm>
-        </p:spPr>
-        <p:txBody>
-          <a:bodyPr/>
-          <a:lstStyle/>
-          <a:p>
-            <a:r>
-              <a:rPr lang="en-US" altLang="ko-KR" sz="3000" dirty="0" smtClean="0"/>
-              <a:t>Team </a:t>
-            </a:r>
-            <a:r>
-              <a:rPr lang="ko-KR" altLang="en-US" sz="3000" dirty="0" smtClean="0"/>
-              <a:t>관리</a:t>
-            </a:r>
-            <a:endParaRPr lang="en-US" altLang="ko-KR" sz="3000" dirty="0" smtClean="0"/>
-          </a:p>
-          <a:p>
-            <a:pPr>
-              <a:buFont typeface="Wingdings" pitchFamily="2" charset="2"/>
-              <a:buChar char="ü"/>
-            </a:pPr>
-            <a:r>
-              <a:rPr lang="ko-KR" altLang="en-US" sz="1900" dirty="0" smtClean="0">
-                <a:solidFill>
-                  <a:schemeClr val="tx1">
-                    <a:lumMod val="50000"/>
-                    <a:lumOff val="50000"/>
-                  </a:schemeClr>
-                </a:solidFill>
-              </a:rPr>
-              <a:t>구단 소속 팀 등록 </a:t>
-            </a:r>
-            <a:endParaRPr lang="en-US" altLang="ko-KR" sz="1900" dirty="0" smtClean="0">
-              <a:solidFill>
-                <a:schemeClr val="tx1">
-                  <a:lumMod val="50000"/>
-                  <a:lumOff val="50000"/>
-                </a:schemeClr>
-              </a:solidFill>
-            </a:endParaRPr>
-          </a:p>
-          <a:p>
-            <a:pPr>
-              <a:buFont typeface="Wingdings" pitchFamily="2" charset="2"/>
-              <a:buChar char="ü"/>
-            </a:pPr>
-            <a:r>
-              <a:rPr lang="ko-KR" altLang="en-US" sz="1900" dirty="0" smtClean="0">
-                <a:solidFill>
-                  <a:schemeClr val="tx1">
-                    <a:lumMod val="50000"/>
-                    <a:lumOff val="50000"/>
-                  </a:schemeClr>
-                </a:solidFill>
-              </a:rPr>
-              <a:t>구단 소속 팀 수정 </a:t>
-            </a:r>
-            <a:endParaRPr lang="en-US" altLang="ko-KR" sz="1900" dirty="0" smtClean="0">
-              <a:solidFill>
-                <a:schemeClr val="tx1">
-                  <a:lumMod val="50000"/>
-                  <a:lumOff val="50000"/>
-                </a:schemeClr>
-              </a:solidFill>
-            </a:endParaRPr>
-          </a:p>
-          <a:p>
-            <a:pPr>
-              <a:buFont typeface="Wingdings" pitchFamily="2" charset="2"/>
-              <a:buChar char="ü"/>
-            </a:pPr>
-            <a:r>
-              <a:rPr lang="ko-KR" altLang="en-US" sz="1900" dirty="0" smtClean="0">
-                <a:solidFill>
-                  <a:schemeClr val="tx1">
-                    <a:lumMod val="50000"/>
-                    <a:lumOff val="50000"/>
-                  </a:schemeClr>
-                </a:solidFill>
-              </a:rPr>
-              <a:t>구단 소속 팀 삭제</a:t>
-            </a:r>
-            <a:endParaRPr lang="en-US" altLang="ko-KR" sz="1900" dirty="0" smtClean="0">
-              <a:solidFill>
-                <a:schemeClr val="tx1">
-                  <a:lumMod val="50000"/>
-                  <a:lumOff val="50000"/>
-                </a:schemeClr>
-              </a:solidFill>
-            </a:endParaRPr>
-          </a:p>
-          <a:p>
-            <a:pPr lvl="1"/>
-            <a:endParaRPr lang="en-US" altLang="ko-KR" dirty="0" smtClean="0"/>
-          </a:p>
-          <a:p>
-            <a:r>
-              <a:rPr lang="en-US" altLang="ko-KR" sz="3000" dirty="0" smtClean="0"/>
-              <a:t>Member </a:t>
-            </a:r>
-            <a:r>
-              <a:rPr lang="ko-KR" altLang="en-US" sz="3000" dirty="0" smtClean="0"/>
-              <a:t>관리</a:t>
-            </a:r>
-            <a:endParaRPr lang="en-US" altLang="ko-KR" sz="3000" dirty="0" smtClean="0"/>
-          </a:p>
-          <a:p>
-            <a:pPr>
-              <a:buFont typeface="Wingdings" pitchFamily="2" charset="2"/>
-              <a:buChar char="ü"/>
-            </a:pPr>
-            <a:r>
-              <a:rPr lang="ko-KR" altLang="en-US" sz="1900" dirty="0" smtClean="0">
-                <a:solidFill>
-                  <a:schemeClr val="tx1">
-                    <a:lumMod val="50000"/>
-                    <a:lumOff val="50000"/>
-                  </a:schemeClr>
-                </a:solidFill>
-              </a:rPr>
-              <a:t>팀 멤버 등록 </a:t>
-            </a:r>
-            <a:endParaRPr lang="en-US" altLang="ko-KR" sz="1900" dirty="0" smtClean="0">
-              <a:solidFill>
-                <a:schemeClr val="tx1">
-                  <a:lumMod val="50000"/>
-                  <a:lumOff val="50000"/>
-                </a:schemeClr>
-              </a:solidFill>
-            </a:endParaRPr>
-          </a:p>
-          <a:p>
-            <a:pPr>
-              <a:buFont typeface="Wingdings" pitchFamily="2" charset="2"/>
-              <a:buChar char="ü"/>
-            </a:pPr>
-            <a:r>
-              <a:rPr lang="ko-KR" altLang="en-US" sz="1900" dirty="0" smtClean="0">
-                <a:solidFill>
-                  <a:schemeClr val="tx1">
-                    <a:lumMod val="50000"/>
-                    <a:lumOff val="50000"/>
-                  </a:schemeClr>
-                </a:solidFill>
-              </a:rPr>
-              <a:t>팀 멤버 수정 </a:t>
-            </a:r>
-            <a:endParaRPr lang="en-US" altLang="ko-KR" sz="1900" dirty="0" smtClean="0">
-              <a:solidFill>
-                <a:schemeClr val="tx1">
-                  <a:lumMod val="50000"/>
-                  <a:lumOff val="50000"/>
-                </a:schemeClr>
-              </a:solidFill>
-            </a:endParaRPr>
-          </a:p>
-          <a:p>
-            <a:pPr>
-              <a:buFont typeface="Wingdings" pitchFamily="2" charset="2"/>
-              <a:buChar char="ü"/>
-            </a:pPr>
-            <a:r>
-              <a:rPr lang="ko-KR" altLang="en-US" sz="1900" dirty="0" smtClean="0">
-                <a:solidFill>
-                  <a:schemeClr val="tx1">
-                    <a:lumMod val="50000"/>
-                    <a:lumOff val="50000"/>
-                  </a:schemeClr>
-                </a:solidFill>
-              </a:rPr>
-              <a:t>팀 멤버 삭제</a:t>
-            </a:r>
-            <a:endParaRPr lang="ko-KR" altLang="en-US" sz="1900" dirty="0">
-              <a:solidFill>
-                <a:schemeClr val="tx1">
-                  <a:lumMod val="50000"/>
-                  <a:lumOff val="50000"/>
-                </a:schemeClr>
-              </a:solidFill>
-            </a:endParaRPr>
-          </a:p>
-        </p:txBody>
-      </p:sp>
+      <p:pic>
+        <p:nvPicPr>
+          <p:cNvPr id="4" name="Picture 2"/>
+          <p:cNvPicPr>
+            <a:picLocks noChangeAspect="1" noChangeArrowheads="1"/>
+          </p:cNvPicPr>
+          <p:nvPr/>
+        </p:nvPicPr>
+        <p:blipFill>
+          <a:blip r:embed="rId2"/>
+          <a:srcRect/>
+          <a:stretch>
+            <a:fillRect/>
+          </a:stretch>
+        </p:blipFill>
+        <p:spPr bwMode="auto">
+          <a:xfrm>
+            <a:off x="1619672" y="1124744"/>
+            <a:ext cx="5030886" cy="4887828"/>
+          </a:xfrm>
+          <a:prstGeom prst="rect">
+            <a:avLst/>
+          </a:prstGeom>
+          <a:noFill/>
+          <a:ln w="9525">
+            <a:noFill/>
+            <a:miter lim="800000"/>
+            <a:headEnd/>
+            <a:tailEnd/>
+          </a:ln>
+          <a:effectLst/>
+        </p:spPr>
+      </p:pic>
     </p:spTree>
+    <p:extLst>
+      <p:ext uri="{BB962C8B-B14F-4D97-AF65-F5344CB8AC3E}">
+        <p14:creationId xmlns:p14="http://schemas.microsoft.com/office/powerpoint/2010/main" xmlns="" val="891763176"/>
+      </p:ext>
+    </p:extLst>
   </p:cSld>
   <p:clrMapOvr>
     <a:masterClrMapping/>
@@ -5473,32 +5745,9 @@
           <a:chExt cx="0" cy="0"/>
         </a:xfrm>
       </p:grpSpPr>
-      <p:pic>
-        <p:nvPicPr>
-          <p:cNvPr id="5" name="내용 개체 틀 4" descr="manu.png"/>
-          <p:cNvPicPr>
-            <a:picLocks noGrp="1" noChangeAspect="1"/>
-          </p:cNvPicPr>
-          <p:nvPr>
-            <p:ph idx="1"/>
-          </p:nvPr>
-        </p:nvPicPr>
-        <p:blipFill>
-          <a:blip r:embed="rId2" cstate="print"/>
-          <a:stretch>
-            <a:fillRect/>
-          </a:stretch>
-        </p:blipFill>
-        <p:spPr>
-          <a:xfrm>
-            <a:off x="1907704" y="1556792"/>
-            <a:ext cx="4536504" cy="4335996"/>
-          </a:xfrm>
-        </p:spPr>
-      </p:pic>
       <p:sp>
         <p:nvSpPr>
-          <p:cNvPr id="6" name="제목 1"/>
+          <p:cNvPr id="2" name="Title 1"/>
           <p:cNvSpPr>
             <a:spLocks noGrp="1"/>
           </p:cNvSpPr>
@@ -5508,8 +5757,8 @@
         </p:nvSpPr>
         <p:spPr>
           <a:xfrm>
-            <a:off x="1285852" y="0"/>
-            <a:ext cx="9144000" cy="1124744"/>
+            <a:off x="1259632" y="0"/>
+            <a:ext cx="7884368" cy="1069514"/>
           </a:xfrm>
         </p:spPr>
         <p:txBody>
@@ -5517,16 +5766,32 @@
           <a:lstStyle/>
           <a:p>
             <a:r>
-              <a:rPr lang="en-US" altLang="ko-KR" sz="4400" dirty="0" smtClean="0">
+              <a:rPr lang="en-US" altLang="ko-KR" sz="4400" dirty="0" err="1" smtClean="0">
                 <a:solidFill>
                   <a:schemeClr val="tx1">
                     <a:lumMod val="75000"/>
                     <a:lumOff val="25000"/>
                   </a:schemeClr>
                 </a:solidFill>
-                <a:latin typeface="+mj-lt"/>
-              </a:rPr>
-              <a:t>Manchester United</a:t>
+                <a:latin typeface="Calibri" pitchFamily="34" charset="0"/>
+                <a:ea typeface="Arial Unicode MS" pitchFamily="50" charset="-127"/>
+                <a:cs typeface="Calibri" pitchFamily="34" charset="0"/>
+              </a:rPr>
+              <a:t>WorkTime</a:t>
+            </a:r>
+            <a:r>
+              <a:rPr lang="en-US" altLang="ko-KR" sz="4400" dirty="0" smtClean="0">
+                <a:solidFill>
+                  <a:schemeClr val="tx1">
+                    <a:lumMod val="75000"/>
+                    <a:lumOff val="25000"/>
+                  </a:schemeClr>
+                </a:solidFill>
+                <a:latin typeface="Calibri" pitchFamily="34" charset="0"/>
+                <a:ea typeface="Arial Unicode MS" pitchFamily="50" charset="-127"/>
+                <a:cs typeface="Calibri" pitchFamily="34" charset="0"/>
+              </a:rPr>
+              <a:t> Management</a:t>
             </a:r>
             <a:endParaRPr lang="ko-KR" altLang="en-US" sz="4400" dirty="0">
               <a:solidFill>
@@ -5535,16 +5800,221 @@
                   <a:lumOff val="25000"/>
                 </a:schemeClr>
               </a:solidFill>
-              <a:latin typeface="굴림" pitchFamily="50" charset="-127"/>
-              <a:ea typeface="굴림" pitchFamily="50" charset="-127"/>
+              <a:latin typeface="Calibri" pitchFamily="34" charset="0"/>
+              <a:ea typeface="Arial Unicode MS" pitchFamily="50" charset="-127"/>
+              <a:cs typeface="Calibri" pitchFamily="34" charset="0"/>
             </a:endParaRPr>
+          </a:p>
+        </p:txBody>
+      </p:sp>
+      <p:pic>
+        <p:nvPicPr>
+          <p:cNvPr id="5" name="Picture 3"/>
+          <p:cNvPicPr>
+            <a:picLocks noChangeAspect="1" noChangeArrowheads="1"/>
+          </p:cNvPicPr>
+          <p:nvPr/>
+        </p:nvPicPr>
+        <p:blipFill>
+          <a:blip r:embed="rId2"/>
+          <a:srcRect/>
+          <a:stretch>
+            <a:fillRect/>
+          </a:stretch>
+        </p:blipFill>
+        <p:spPr bwMode="auto">
+          <a:xfrm>
+            <a:off x="1735600" y="980968"/>
+            <a:ext cx="6436800" cy="2160000"/>
+          </a:xfrm>
+          <a:prstGeom prst="rect">
+            <a:avLst/>
+          </a:prstGeom>
+          <a:noFill/>
+          <a:ln w="9525">
+            <a:noFill/>
+            <a:miter lim="800000"/>
+            <a:headEnd/>
+            <a:tailEnd/>
+          </a:ln>
+        </p:spPr>
+      </p:pic>
+      <p:pic>
+        <p:nvPicPr>
+          <p:cNvPr id="6" name="Picture 2"/>
+          <p:cNvPicPr>
+            <a:picLocks noChangeAspect="1" noChangeArrowheads="1"/>
+          </p:cNvPicPr>
+          <p:nvPr/>
+        </p:nvPicPr>
+        <p:blipFill>
+          <a:blip r:embed="rId3"/>
+          <a:srcRect/>
+          <a:stretch>
+            <a:fillRect/>
+          </a:stretch>
+        </p:blipFill>
+        <p:spPr bwMode="auto">
+          <a:xfrm>
+            <a:off x="2771800" y="3472477"/>
+            <a:ext cx="6120000" cy="1324675"/>
+          </a:xfrm>
+          <a:prstGeom prst="rect">
+            <a:avLst/>
+          </a:prstGeom>
+          <a:noFill/>
+          <a:ln w="9525">
+            <a:noFill/>
+            <a:miter lim="800000"/>
+            <a:headEnd/>
+            <a:tailEnd/>
+          </a:ln>
+        </p:spPr>
+      </p:pic>
+      <p:pic>
+        <p:nvPicPr>
+          <p:cNvPr id="7" name="Picture 2"/>
+          <p:cNvPicPr>
+            <a:picLocks noChangeAspect="1" noChangeArrowheads="1"/>
+          </p:cNvPicPr>
+          <p:nvPr/>
+        </p:nvPicPr>
+        <p:blipFill>
+          <a:blip r:embed="rId4"/>
+          <a:srcRect/>
+          <a:stretch>
+            <a:fillRect/>
+          </a:stretch>
+        </p:blipFill>
+        <p:spPr bwMode="auto">
+          <a:xfrm>
+            <a:off x="1403648" y="5373296"/>
+            <a:ext cx="6564371" cy="720000"/>
+          </a:xfrm>
+          <a:prstGeom prst="rect">
+            <a:avLst/>
+          </a:prstGeom>
+          <a:noFill/>
+          <a:ln w="9525">
+            <a:noFill/>
+            <a:miter lim="800000"/>
+            <a:headEnd/>
+            <a:tailEnd/>
+          </a:ln>
+        </p:spPr>
+      </p:pic>
+      <p:sp>
+        <p:nvSpPr>
+          <p:cNvPr id="9" name="아래쪽 화살표 8"/>
+          <p:cNvSpPr/>
+          <p:nvPr/>
+        </p:nvSpPr>
+        <p:spPr>
+          <a:xfrm>
+            <a:off x="2267744" y="2996952"/>
+            <a:ext cx="360040" cy="864096"/>
+          </a:xfrm>
+          <a:prstGeom prst="downArrow">
+            <a:avLst/>
+          </a:prstGeom>
+          <a:solidFill>
+            <a:schemeClr val="tx1"/>
+          </a:solidFill>
+          <a:ln>
+            <a:solidFill>
+              <a:schemeClr val="tx1"/>
+            </a:solidFill>
+          </a:ln>
+          <a:scene3d>
+            <a:camera prst="orthographicFront">
+              <a:rot lat="0" lon="0" rev="2700000"/>
+            </a:camera>
+            <a:lightRig rig="threePt" dir="t"/>
+          </a:scene3d>
+        </p:spPr>
+        <p:style>
+          <a:lnRef idx="2">
+            <a:schemeClr val="accent1">
+              <a:shade val="50000"/>
+            </a:schemeClr>
+          </a:lnRef>
+          <a:fillRef idx="1">
+            <a:schemeClr val="accent1"/>
+          </a:fillRef>
+          <a:effectRef idx="0">
+            <a:schemeClr val="accent1"/>
+          </a:effectRef>
+          <a:fontRef idx="minor">
+            <a:schemeClr val="lt1"/>
+          </a:fontRef>
+        </p:style>
+        <p:txBody>
+          <a:bodyPr rtlCol="0" anchor="ctr"/>
+          <a:lstStyle/>
+          <a:p>
+            <a:pPr algn="ctr"/>
+            <a:endParaRPr lang="ko-KR" altLang="en-US"/>
+          </a:p>
+        </p:txBody>
+      </p:sp>
+      <p:sp>
+        <p:nvSpPr>
+          <p:cNvPr id="10" name="아래쪽 화살표 9"/>
+          <p:cNvSpPr/>
+          <p:nvPr/>
+        </p:nvSpPr>
+        <p:spPr>
+          <a:xfrm>
+            <a:off x="5076056" y="4653136"/>
+            <a:ext cx="360040" cy="648072"/>
+          </a:xfrm>
+          <a:prstGeom prst="downArrow">
+            <a:avLst/>
+          </a:prstGeom>
+          <a:solidFill>
+            <a:schemeClr val="tx1"/>
+          </a:solidFill>
+          <a:ln>
+            <a:solidFill>
+              <a:schemeClr val="tx1"/>
+            </a:solidFill>
+          </a:ln>
+          <a:scene3d>
+            <a:camera prst="orthographicFront">
+              <a:rot lat="0" lon="0" rev="0"/>
+            </a:camera>
+            <a:lightRig rig="threePt" dir="t"/>
+          </a:scene3d>
+        </p:spPr>
+        <p:style>
+          <a:lnRef idx="2">
+            <a:schemeClr val="accent1">
+              <a:shade val="50000"/>
+            </a:schemeClr>
+          </a:lnRef>
+          <a:fillRef idx="1">
+            <a:schemeClr val="accent1"/>
+          </a:fillRef>
+          <a:effectRef idx="0">
+            <a:schemeClr val="accent1"/>
+          </a:effectRef>
+          <a:fontRef idx="minor">
+            <a:schemeClr val="lt1"/>
+          </a:fontRef>
+        </p:style>
+        <p:txBody>
+          <a:bodyPr rtlCol="0" anchor="ctr"/>
+          <a:lstStyle/>
+          <a:p>
+            <a:pPr algn="ctr"/>
+            <a:endParaRPr lang="ko-KR" altLang="en-US"/>
           </a:p>
         </p:txBody>
       </p:sp>
     </p:spTree>
     <p:extLst>
       <p:ext uri="{BB962C8B-B14F-4D97-AF65-F5344CB8AC3E}">
-        <p14:creationId xmlns="" xmlns:p14="http://schemas.microsoft.com/office/powerpoint/2010/main" val="891763176"/>
+        <p14:creationId xmlns:p14="http://schemas.microsoft.com/office/powerpoint/2010/main" xmlns="" val="891763176"/>
       </p:ext>
     </p:extLst>
   </p:cSld>
@@ -5836,6 +6306,32 @@
                 <a:latin typeface="Calibri" pitchFamily="34" charset="0"/>
                 <a:cs typeface="Calibri" pitchFamily="34" charset="0"/>
               </a:rPr>
+              <a:t>메인 </a:t>
+            </a:r>
+            <a:r>
+              <a:rPr lang="en-US" altLang="ko-KR" sz="1900" dirty="0" smtClean="0">
+                <a:solidFill>
+                  <a:schemeClr val="tx1">
+                    <a:lumMod val="50000"/>
+                    <a:lumOff val="50000"/>
+                  </a:schemeClr>
+                </a:solidFill>
+                <a:latin typeface="Calibri" pitchFamily="34" charset="0"/>
+                <a:cs typeface="Calibri" pitchFamily="34" charset="0"/>
+              </a:rPr>
+              <a:t>&amp; </a:t>
+            </a:r>
+            <a:r>
+              <a:rPr lang="ko-KR" altLang="en-US" sz="1900" dirty="0" smtClean="0">
+                <a:solidFill>
+                  <a:schemeClr val="tx1">
+                    <a:lumMod val="50000"/>
+                    <a:lumOff val="50000"/>
+                  </a:schemeClr>
+                </a:solidFill>
+                <a:latin typeface="Calibri" pitchFamily="34" charset="0"/>
+                <a:cs typeface="Calibri" pitchFamily="34" charset="0"/>
+              </a:rPr>
               <a:t>급여관리 </a:t>
             </a:r>
             <a:r>
@@ -5946,6 +6442,32 @@
                 <a:latin typeface="Calibri" pitchFamily="34" charset="0"/>
                 <a:cs typeface="Calibri" pitchFamily="34" charset="0"/>
               </a:rPr>
+              <a:t>메인 </a:t>
+            </a:r>
+            <a:r>
+              <a:rPr lang="en-US" altLang="ko-KR" sz="1900" dirty="0" smtClean="0">
+                <a:solidFill>
+                  <a:schemeClr val="tx1">
+                    <a:lumMod val="50000"/>
+                    <a:lumOff val="50000"/>
+                  </a:schemeClr>
+                </a:solidFill>
+                <a:latin typeface="Calibri" pitchFamily="34" charset="0"/>
+                <a:cs typeface="Calibri" pitchFamily="34" charset="0"/>
+              </a:rPr>
+              <a:t>&amp; </a:t>
+            </a:r>
+            <a:r>
+              <a:rPr lang="ko-KR" altLang="en-US" sz="1900" dirty="0" smtClean="0">
+                <a:solidFill>
+                  <a:schemeClr val="tx1">
+                    <a:lumMod val="50000"/>
+                    <a:lumOff val="50000"/>
+                  </a:schemeClr>
+                </a:solidFill>
+                <a:latin typeface="Calibri" pitchFamily="34" charset="0"/>
+                <a:cs typeface="Calibri" pitchFamily="34" charset="0"/>
+              </a:rPr>
               <a:t>근태관리 </a:t>
             </a:r>
             <a:r>
@@ -6040,7 +6562,7 @@
     </p:spTree>
     <p:extLst>
       <p:ext uri="{BB962C8B-B14F-4D97-AF65-F5344CB8AC3E}">
-        <p14:creationId xmlns="" xmlns:p14="http://schemas.microsoft.com/office/powerpoint/2010/main" val="891763176"/>
+        <p14:creationId xmlns:p14="http://schemas.microsoft.com/office/powerpoint/2010/main" xmlns="" val="891763176"/>
       </p:ext>
     </p:extLst>
   </p:cSld>
@@ -6059,1269 +6581,6 @@
 </file>
 
 <file path=ppt/slides/slide20.xml><?xml version="1.0" encoding="utf-8"?>
-<p:sld xmlns:a="http://schemas.openxmlformats.org/drawingml/2006/main" xmlns:r="http://schemas.openxmlformats.org/officeDocument/2006/relationships" xmlns:p="http://schemas.openxmlformats.org/presentationml/2006/main">
-  <p:cSld>
-    <p:spTree>
-      <p:nvGrpSpPr>
-        <p:cNvPr id="1" name=""/>
-        <p:cNvGrpSpPr/>
-        <p:nvPr/>
-      </p:nvGrpSpPr>
-      <p:grpSpPr>
-        <a:xfrm>
-          <a:off x="0" y="0"/>
-          <a:ext cx="0" cy="0"/>
-          <a:chOff x="0" y="0"/>
-          <a:chExt cx="0" cy="0"/>
-        </a:xfrm>
-      </p:grpSpPr>
-      <p:pic>
-        <p:nvPicPr>
-          <p:cNvPr id="4" name="내용 개체 틀 3" descr="team.png"/>
-          <p:cNvPicPr>
-            <a:picLocks noGrp="1" noChangeAspect="1"/>
-          </p:cNvPicPr>
-          <p:nvPr>
-            <p:ph idx="1"/>
-          </p:nvPr>
-        </p:nvPicPr>
-        <p:blipFill>
-          <a:blip r:embed="rId2" cstate="print"/>
-          <a:stretch>
-            <a:fillRect/>
-          </a:stretch>
-        </p:blipFill>
-        <p:spPr>
-          <a:xfrm>
-            <a:off x="1259632" y="548680"/>
-            <a:ext cx="6089925" cy="2376264"/>
-          </a:xfrm>
-          <a:ln>
-            <a:solidFill>
-              <a:schemeClr val="tx1">
-                <a:lumMod val="95000"/>
-                <a:lumOff val="5000"/>
-              </a:schemeClr>
-            </a:solidFill>
-          </a:ln>
-          <a:effectLst>
-            <a:outerShdw blurRad="50800" dist="38100" dir="2700000" algn="tl" rotWithShape="0">
-              <a:prstClr val="black">
-                <a:alpha val="40000"/>
-              </a:prstClr>
-            </a:outerShdw>
-          </a:effectLst>
-        </p:spPr>
-      </p:pic>
-      <p:pic>
-        <p:nvPicPr>
-          <p:cNvPr id="5" name="그림 4" descr="players.png"/>
-          <p:cNvPicPr>
-            <a:picLocks noChangeAspect="1"/>
-          </p:cNvPicPr>
-          <p:nvPr/>
-        </p:nvPicPr>
-        <p:blipFill>
-          <a:blip r:embed="rId3" cstate="print"/>
-          <a:stretch>
-            <a:fillRect/>
-          </a:stretch>
-        </p:blipFill>
-        <p:spPr>
-          <a:xfrm>
-            <a:off x="4283968" y="3212976"/>
-            <a:ext cx="4644008" cy="3275200"/>
-          </a:xfrm>
-          <a:prstGeom prst="rect">
-            <a:avLst/>
-          </a:prstGeom>
-          <a:ln>
-            <a:solidFill>
-              <a:schemeClr val="tx1">
-                <a:lumMod val="95000"/>
-                <a:lumOff val="5000"/>
-              </a:schemeClr>
-            </a:solidFill>
-          </a:ln>
-          <a:effectLst>
-            <a:outerShdw blurRad="50800" dist="38100" dir="2700000" algn="tl" rotWithShape="0">
-              <a:prstClr val="black">
-                <a:alpha val="40000"/>
-              </a:prstClr>
-            </a:outerShdw>
-          </a:effectLst>
-        </p:spPr>
-      </p:pic>
-      <p:cxnSp>
-        <p:nvCxnSpPr>
-          <p:cNvPr id="17" name="Shape 16"/>
-          <p:cNvCxnSpPr>
-            <a:endCxn id="5" idx="1"/>
-          </p:cNvCxnSpPr>
-          <p:nvPr/>
-        </p:nvCxnSpPr>
-        <p:spPr>
-          <a:xfrm rot="16200000" flipH="1">
-            <a:off x="2385048" y="2951656"/>
-            <a:ext cx="1925632" cy="1872208"/>
-          </a:xfrm>
-          <a:prstGeom prst="bentConnector2">
-            <a:avLst/>
-          </a:prstGeom>
-          <a:ln>
-            <a:tailEnd type="arrow"/>
-          </a:ln>
-        </p:spPr>
-        <p:style>
-          <a:lnRef idx="1">
-            <a:schemeClr val="accent1"/>
-          </a:lnRef>
-          <a:fillRef idx="0">
-            <a:schemeClr val="accent1"/>
-          </a:fillRef>
-          <a:effectRef idx="0">
-            <a:schemeClr val="accent1"/>
-          </a:effectRef>
-          <a:fontRef idx="minor">
-            <a:schemeClr val="tx1"/>
-          </a:fontRef>
-        </p:style>
-      </p:cxnSp>
-    </p:spTree>
-  </p:cSld>
-  <p:clrMapOvr>
-    <a:masterClrMapping/>
-  </p:clrMapOvr>
-  <p:transition/>
-  <p:timing>
-    <p:tnLst>
-      <p:par>
-        <p:cTn id="1" dur="indefinite" restart="never" nodeType="tmRoot"/>
-      </p:par>
-    </p:tnLst>
-  </p:timing>
-</p:sld>
-</file>
-
-<file path=ppt/slides/slide21.xml><?xml version="1.0" encoding="utf-8"?>
-<p:sld xmlns:a="http://schemas.openxmlformats.org/drawingml/2006/main" xmlns:r="http://schemas.openxmlformats.org/officeDocument/2006/relationships" xmlns:p="http://schemas.openxmlformats.org/presentationml/2006/main">
-  <p:cSld>
-    <p:spTree>
-      <p:nvGrpSpPr>
-        <p:cNvPr id="1" name=""/>
-        <p:cNvGrpSpPr/>
-        <p:nvPr/>
-      </p:nvGrpSpPr>
-      <p:grpSpPr>
-        <a:xfrm>
-          <a:off x="0" y="0"/>
-          <a:ext cx="0" cy="0"/>
-          <a:chOff x="0" y="0"/>
-          <a:chExt cx="0" cy="0"/>
-        </a:xfrm>
-      </p:grpSpPr>
-      <p:pic>
-        <p:nvPicPr>
-          <p:cNvPr id="9" name="내용 개체 틀 3" descr="team.png"/>
-          <p:cNvPicPr>
-            <a:picLocks noGrp="1" noChangeAspect="1"/>
-          </p:cNvPicPr>
-          <p:nvPr>
-            <p:ph idx="1"/>
-          </p:nvPr>
-        </p:nvPicPr>
-        <p:blipFill>
-          <a:blip r:embed="rId2" cstate="print"/>
-          <a:stretch>
-            <a:fillRect/>
-          </a:stretch>
-        </p:blipFill>
-        <p:spPr>
-          <a:xfrm>
-            <a:off x="1403649" y="1194411"/>
-            <a:ext cx="4811426" cy="1877399"/>
-          </a:xfrm>
-          <a:ln>
-            <a:solidFill>
-              <a:schemeClr val="tx1">
-                <a:lumMod val="75000"/>
-                <a:lumOff val="25000"/>
-              </a:schemeClr>
-            </a:solidFill>
-          </a:ln>
-          <a:effectLst>
-            <a:outerShdw blurRad="50800" dist="38100" dir="2700000" algn="tl" rotWithShape="0">
-              <a:prstClr val="black">
-                <a:alpha val="40000"/>
-              </a:prstClr>
-            </a:outerShdw>
-          </a:effectLst>
-        </p:spPr>
-      </p:pic>
-      <p:pic>
-        <p:nvPicPr>
-          <p:cNvPr id="1029" name="Picture 5" descr="C:\Users\java\Desktop\modal-regist.png"/>
-          <p:cNvPicPr>
-            <a:picLocks noChangeAspect="1" noChangeArrowheads="1"/>
-          </p:cNvPicPr>
-          <p:nvPr/>
-        </p:nvPicPr>
-        <p:blipFill>
-          <a:blip r:embed="rId3" cstate="print"/>
-          <a:srcRect/>
-          <a:stretch>
-            <a:fillRect/>
-          </a:stretch>
-        </p:blipFill>
-        <p:spPr bwMode="auto">
-          <a:xfrm>
-            <a:off x="1428728" y="3256772"/>
-            <a:ext cx="3214970" cy="1386674"/>
-          </a:xfrm>
-          <a:prstGeom prst="rect">
-            <a:avLst/>
-          </a:prstGeom>
-          <a:noFill/>
-          <a:ln>
-            <a:solidFill>
-              <a:schemeClr val="tx1">
-                <a:lumMod val="95000"/>
-                <a:lumOff val="5000"/>
-              </a:schemeClr>
-            </a:solidFill>
-          </a:ln>
-        </p:spPr>
-      </p:pic>
-      <p:pic>
-        <p:nvPicPr>
-          <p:cNvPr id="1031" name="Picture 7" descr="C:\Users\java\Desktop\modla_modify.png"/>
-          <p:cNvPicPr>
-            <a:picLocks noChangeAspect="1" noChangeArrowheads="1"/>
-          </p:cNvPicPr>
-          <p:nvPr/>
-        </p:nvPicPr>
-        <p:blipFill>
-          <a:blip r:embed="rId4" cstate="print"/>
-          <a:srcRect/>
-          <a:stretch>
-            <a:fillRect/>
-          </a:stretch>
-        </p:blipFill>
-        <p:spPr bwMode="auto">
-          <a:xfrm>
-            <a:off x="5180933" y="3271949"/>
-            <a:ext cx="3248719" cy="1800125"/>
-          </a:xfrm>
-          <a:prstGeom prst="rect">
-            <a:avLst/>
-          </a:prstGeom>
-          <a:noFill/>
-          <a:ln>
-            <a:solidFill>
-              <a:schemeClr val="tx1">
-                <a:lumMod val="95000"/>
-                <a:lumOff val="5000"/>
-              </a:schemeClr>
-            </a:solidFill>
-          </a:ln>
-        </p:spPr>
-      </p:pic>
-      <p:sp>
-        <p:nvSpPr>
-          <p:cNvPr id="13" name="제목 12"/>
-          <p:cNvSpPr>
-            <a:spLocks noGrp="1"/>
-          </p:cNvSpPr>
-          <p:nvPr>
-            <p:ph type="title"/>
-          </p:nvPr>
-        </p:nvSpPr>
-        <p:spPr>
-          <a:xfrm>
-            <a:off x="1285916" y="0"/>
-            <a:ext cx="9144000" cy="1069514"/>
-          </a:xfrm>
-        </p:spPr>
-        <p:txBody>
-          <a:bodyPr/>
-          <a:lstStyle/>
-          <a:p>
-            <a:r>
-              <a:rPr lang="en-US" altLang="ko-KR" sz="4400" dirty="0" smtClean="0">
-                <a:solidFill>
-                  <a:schemeClr val="tx1">
-                    <a:lumMod val="65000"/>
-                    <a:lumOff val="35000"/>
-                  </a:schemeClr>
-                </a:solidFill>
-                <a:latin typeface="+mj-lt"/>
-              </a:rPr>
-              <a:t>Team </a:t>
-            </a:r>
-            <a:endParaRPr lang="ko-KR" altLang="en-US" sz="4400" dirty="0">
-              <a:solidFill>
-                <a:schemeClr val="tx1">
-                  <a:lumMod val="65000"/>
-                  <a:lumOff val="35000"/>
-                </a:schemeClr>
-              </a:solidFill>
-              <a:latin typeface="+mj-lt"/>
-            </a:endParaRPr>
-          </a:p>
-        </p:txBody>
-      </p:sp>
-      <p:pic>
-        <p:nvPicPr>
-          <p:cNvPr id="1030" name="Picture 6" descr="C:\Users\java\Desktop\modla_delte.png"/>
-          <p:cNvPicPr>
-            <a:picLocks noChangeAspect="1" noChangeArrowheads="1"/>
-          </p:cNvPicPr>
-          <p:nvPr/>
-        </p:nvPicPr>
-        <p:blipFill>
-          <a:blip r:embed="rId5" cstate="print"/>
-          <a:srcRect/>
-          <a:stretch>
-            <a:fillRect/>
-          </a:stretch>
-        </p:blipFill>
-        <p:spPr bwMode="auto">
-          <a:xfrm>
-            <a:off x="1428728" y="5143512"/>
-            <a:ext cx="4024469" cy="1251825"/>
-          </a:xfrm>
-          <a:prstGeom prst="rect">
-            <a:avLst/>
-          </a:prstGeom>
-          <a:noFill/>
-          <a:ln>
-            <a:solidFill>
-              <a:schemeClr val="tx1">
-                <a:lumMod val="95000"/>
-                <a:lumOff val="5000"/>
-              </a:schemeClr>
-            </a:solidFill>
-          </a:ln>
-        </p:spPr>
-      </p:pic>
-    </p:spTree>
-  </p:cSld>
-  <p:clrMapOvr>
-    <a:masterClrMapping/>
-  </p:clrMapOvr>
-  <p:transition/>
-  <p:timing>
-    <p:tnLst>
-      <p:par>
-        <p:cTn id="1" dur="indefinite" restart="never" nodeType="tmRoot"/>
-      </p:par>
-    </p:tnLst>
-  </p:timing>
-</p:sld>
-</file>
-
-<file path=ppt/slides/slide22.xml><?xml version="1.0" encoding="utf-8"?>
-<p:sld xmlns:a="http://schemas.openxmlformats.org/drawingml/2006/main" xmlns:r="http://schemas.openxmlformats.org/officeDocument/2006/relationships" xmlns:p="http://schemas.openxmlformats.org/presentationml/2006/main">
-  <p:cSld>
-    <p:spTree>
-      <p:nvGrpSpPr>
-        <p:cNvPr id="1" name=""/>
-        <p:cNvGrpSpPr/>
-        <p:nvPr/>
-      </p:nvGrpSpPr>
-      <p:grpSpPr>
-        <a:xfrm>
-          <a:off x="0" y="0"/>
-          <a:ext cx="0" cy="0"/>
-          <a:chOff x="0" y="0"/>
-          <a:chExt cx="0" cy="0"/>
-        </a:xfrm>
-      </p:grpSpPr>
-      <p:pic>
-        <p:nvPicPr>
-          <p:cNvPr id="4" name="내용 개체 틀 3" descr="team.png"/>
-          <p:cNvPicPr>
-            <a:picLocks noGrp="1" noChangeAspect="1"/>
-          </p:cNvPicPr>
-          <p:nvPr>
-            <p:ph idx="1"/>
-          </p:nvPr>
-        </p:nvPicPr>
-        <p:blipFill>
-          <a:blip r:embed="rId2" cstate="print"/>
-          <a:stretch>
-            <a:fillRect/>
-          </a:stretch>
-        </p:blipFill>
-        <p:spPr>
-          <a:xfrm>
-            <a:off x="1403648" y="332656"/>
-            <a:ext cx="6274468" cy="2448272"/>
-          </a:xfrm>
-          <a:ln>
-            <a:solidFill>
-              <a:schemeClr val="tx1">
-                <a:lumMod val="95000"/>
-                <a:lumOff val="5000"/>
-              </a:schemeClr>
-            </a:solidFill>
-          </a:ln>
-          <a:effectLst>
-            <a:outerShdw blurRad="50800" dist="38100" dir="2700000" algn="tl" rotWithShape="0">
-              <a:prstClr val="black">
-                <a:alpha val="40000"/>
-              </a:prstClr>
-            </a:outerShdw>
-          </a:effectLst>
-        </p:spPr>
-      </p:pic>
-      <p:pic>
-        <p:nvPicPr>
-          <p:cNvPr id="3074" name="Picture 2" descr="C:\Users\java\Desktop\20170411_104345.png"/>
-          <p:cNvPicPr>
-            <a:picLocks noChangeAspect="1" noChangeArrowheads="1"/>
-          </p:cNvPicPr>
-          <p:nvPr/>
-        </p:nvPicPr>
-        <p:blipFill>
-          <a:blip r:embed="rId3" cstate="print"/>
-          <a:srcRect/>
-          <a:stretch>
-            <a:fillRect/>
-          </a:stretch>
-        </p:blipFill>
-        <p:spPr bwMode="auto">
-          <a:xfrm>
-            <a:off x="2195736" y="3068960"/>
-            <a:ext cx="6571307" cy="3473698"/>
-          </a:xfrm>
-          <a:prstGeom prst="rect">
-            <a:avLst/>
-          </a:prstGeom>
-          <a:noFill/>
-          <a:ln>
-            <a:solidFill>
-              <a:schemeClr val="tx1">
-                <a:lumMod val="95000"/>
-                <a:lumOff val="5000"/>
-              </a:schemeClr>
-            </a:solidFill>
-          </a:ln>
-          <a:effectLst>
-            <a:outerShdw blurRad="50800" dist="38100" dir="2700000" algn="tl" rotWithShape="0">
-              <a:prstClr val="black">
-                <a:alpha val="40000"/>
-              </a:prstClr>
-            </a:outerShdw>
-          </a:effectLst>
-        </p:spPr>
-      </p:pic>
-      <p:sp>
-        <p:nvSpPr>
-          <p:cNvPr id="8" name="직사각형 7"/>
-          <p:cNvSpPr/>
-          <p:nvPr/>
-        </p:nvSpPr>
-        <p:spPr>
-          <a:xfrm>
-            <a:off x="4067944" y="1340768"/>
-            <a:ext cx="504056" cy="648072"/>
-          </a:xfrm>
-          <a:prstGeom prst="rect">
-            <a:avLst/>
-          </a:prstGeom>
-          <a:noFill/>
-          <a:effectLst>
-            <a:glow rad="63500">
-              <a:schemeClr val="accent2">
-                <a:satMod val="175000"/>
-                <a:alpha val="40000"/>
-              </a:schemeClr>
-            </a:glow>
-          </a:effectLst>
-        </p:spPr>
-        <p:style>
-          <a:lnRef idx="2">
-            <a:schemeClr val="accent1">
-              <a:shade val="50000"/>
-            </a:schemeClr>
-          </a:lnRef>
-          <a:fillRef idx="1">
-            <a:schemeClr val="accent1"/>
-          </a:fillRef>
-          <a:effectRef idx="0">
-            <a:schemeClr val="accent1"/>
-          </a:effectRef>
-          <a:fontRef idx="minor">
-            <a:schemeClr val="lt1"/>
-          </a:fontRef>
-        </p:style>
-        <p:txBody>
-          <a:bodyPr rtlCol="0" anchor="ctr"/>
-          <a:lstStyle/>
-          <a:p>
-            <a:pPr algn="ctr"/>
-            <a:endParaRPr lang="ko-KR" altLang="en-US"/>
-          </a:p>
-        </p:txBody>
-      </p:sp>
-      <p:cxnSp>
-        <p:nvCxnSpPr>
-          <p:cNvPr id="10" name="직선 화살표 연결선 9"/>
-          <p:cNvCxnSpPr/>
-          <p:nvPr/>
-        </p:nvCxnSpPr>
-        <p:spPr>
-          <a:xfrm>
-            <a:off x="4334710" y="2039582"/>
-            <a:ext cx="0" cy="936104"/>
-          </a:xfrm>
-          <a:prstGeom prst="straightConnector1">
-            <a:avLst/>
-          </a:prstGeom>
-          <a:ln>
-            <a:tailEnd type="arrow"/>
-          </a:ln>
-        </p:spPr>
-        <p:style>
-          <a:lnRef idx="1">
-            <a:schemeClr val="accent1"/>
-          </a:lnRef>
-          <a:fillRef idx="0">
-            <a:schemeClr val="accent1"/>
-          </a:fillRef>
-          <a:effectRef idx="0">
-            <a:schemeClr val="accent1"/>
-          </a:effectRef>
-          <a:fontRef idx="minor">
-            <a:schemeClr val="tx1"/>
-          </a:fontRef>
-        </p:style>
-      </p:cxnSp>
-      <p:sp>
-        <p:nvSpPr>
-          <p:cNvPr id="11" name="TextBox 10"/>
-          <p:cNvSpPr txBox="1"/>
-          <p:nvPr/>
-        </p:nvSpPr>
-        <p:spPr>
-          <a:xfrm>
-            <a:off x="4516412" y="2316981"/>
-            <a:ext cx="3600400" cy="307777"/>
-          </a:xfrm>
-          <a:prstGeom prst="rect">
-            <a:avLst/>
-          </a:prstGeom>
-          <a:noFill/>
-        </p:spPr>
-        <p:txBody>
-          <a:bodyPr wrap="square" rtlCol="0">
-            <a:spAutoFit/>
-          </a:bodyPr>
-          <a:lstStyle/>
-          <a:p>
-            <a:r>
-              <a:rPr lang="en-US" altLang="ko-KR" sz="1400" dirty="0" smtClean="0"/>
-              <a:t>Click</a:t>
-            </a:r>
-            <a:r>
-              <a:rPr lang="ko-KR" altLang="en-US" sz="1400" dirty="0" smtClean="0"/>
-              <a:t>시 정보 페이지로 이동 </a:t>
-            </a:r>
-            <a:endParaRPr lang="ko-KR" altLang="en-US" sz="1400" dirty="0"/>
-          </a:p>
-        </p:txBody>
-      </p:sp>
-    </p:spTree>
-  </p:cSld>
-  <p:clrMapOvr>
-    <a:masterClrMapping/>
-  </p:clrMapOvr>
-  <p:transition/>
-  <p:timing>
-    <p:tnLst>
-      <p:par>
-        <p:cTn id="1" dur="indefinite" restart="never" nodeType="tmRoot"/>
-      </p:par>
-    </p:tnLst>
-  </p:timing>
-</p:sld>
-</file>
-
-<file path=ppt/slides/slide23.xml><?xml version="1.0" encoding="utf-8"?>
-<p:sld xmlns:a="http://schemas.openxmlformats.org/drawingml/2006/main" xmlns:r="http://schemas.openxmlformats.org/officeDocument/2006/relationships" xmlns:p="http://schemas.openxmlformats.org/presentationml/2006/main">
-  <p:cSld>
-    <p:spTree>
-      <p:nvGrpSpPr>
-        <p:cNvPr id="1" name=""/>
-        <p:cNvGrpSpPr/>
-        <p:nvPr/>
-      </p:nvGrpSpPr>
-      <p:grpSpPr>
-        <a:xfrm>
-          <a:off x="0" y="0"/>
-          <a:ext cx="0" cy="0"/>
-          <a:chOff x="0" y="0"/>
-          <a:chExt cx="0" cy="0"/>
-        </a:xfrm>
-      </p:grpSpPr>
-      <p:pic>
-        <p:nvPicPr>
-          <p:cNvPr id="2050" name="Picture 2" descr="C:\Users\java\Desktop\players.png"/>
-          <p:cNvPicPr>
-            <a:picLocks noChangeAspect="1" noChangeArrowheads="1"/>
-          </p:cNvPicPr>
-          <p:nvPr/>
-        </p:nvPicPr>
-        <p:blipFill>
-          <a:blip r:embed="rId2" cstate="print"/>
-          <a:srcRect/>
-          <a:stretch>
-            <a:fillRect/>
-          </a:stretch>
-        </p:blipFill>
-        <p:spPr bwMode="auto">
-          <a:xfrm>
-            <a:off x="1259632" y="1052736"/>
-            <a:ext cx="7161460" cy="5050641"/>
-          </a:xfrm>
-          <a:prstGeom prst="rect">
-            <a:avLst/>
-          </a:prstGeom>
-          <a:noFill/>
-          <a:ln>
-            <a:solidFill>
-              <a:schemeClr val="tx1">
-                <a:lumMod val="95000"/>
-                <a:lumOff val="5000"/>
-              </a:schemeClr>
-            </a:solidFill>
-          </a:ln>
-          <a:effectLst>
-            <a:outerShdw blurRad="50800" dist="38100" dir="2700000" algn="tl" rotWithShape="0">
-              <a:prstClr val="black">
-                <a:alpha val="40000"/>
-              </a:prstClr>
-            </a:outerShdw>
-          </a:effectLst>
-        </p:spPr>
-      </p:pic>
-      <p:sp>
-        <p:nvSpPr>
-          <p:cNvPr id="5" name="제목 1"/>
-          <p:cNvSpPr>
-            <a:spLocks noGrp="1"/>
-          </p:cNvSpPr>
-          <p:nvPr>
-            <p:ph type="title"/>
-          </p:nvPr>
-        </p:nvSpPr>
-        <p:spPr>
-          <a:xfrm>
-            <a:off x="1285916" y="0"/>
-            <a:ext cx="9144000" cy="1069514"/>
-          </a:xfrm>
-        </p:spPr>
-        <p:txBody>
-          <a:bodyPr/>
-          <a:lstStyle/>
-          <a:p>
-            <a:r>
-              <a:rPr lang="en-US" altLang="ko-KR" sz="4400" dirty="0" smtClean="0">
-                <a:solidFill>
-                  <a:schemeClr val="tx1">
-                    <a:lumMod val="75000"/>
-                    <a:lumOff val="25000"/>
-                  </a:schemeClr>
-                </a:solidFill>
-                <a:latin typeface="+mj-lt"/>
-              </a:rPr>
-              <a:t>Members</a:t>
-            </a:r>
-            <a:endParaRPr lang="ko-KR" altLang="en-US" dirty="0">
-              <a:solidFill>
-                <a:schemeClr val="tx1">
-                  <a:lumMod val="75000"/>
-                  <a:lumOff val="25000"/>
-                </a:schemeClr>
-              </a:solidFill>
-              <a:latin typeface="+mj-lt"/>
-            </a:endParaRPr>
-          </a:p>
-        </p:txBody>
-      </p:sp>
-    </p:spTree>
-  </p:cSld>
-  <p:clrMapOvr>
-    <a:masterClrMapping/>
-  </p:clrMapOvr>
-  <p:transition/>
-  <p:timing>
-    <p:tnLst>
-      <p:par>
-        <p:cTn id="1" dur="indefinite" restart="never" nodeType="tmRoot"/>
-      </p:par>
-    </p:tnLst>
-  </p:timing>
-</p:sld>
-</file>
-
-<file path=ppt/slides/slide24.xml><?xml version="1.0" encoding="utf-8"?>
-<p:sld xmlns:a="http://schemas.openxmlformats.org/drawingml/2006/main" xmlns:r="http://schemas.openxmlformats.org/officeDocument/2006/relationships" xmlns:p="http://schemas.openxmlformats.org/presentationml/2006/main">
-  <p:cSld>
-    <p:spTree>
-      <p:nvGrpSpPr>
-        <p:cNvPr id="1" name=""/>
-        <p:cNvGrpSpPr/>
-        <p:nvPr/>
-      </p:nvGrpSpPr>
-      <p:grpSpPr>
-        <a:xfrm>
-          <a:off x="0" y="0"/>
-          <a:ext cx="0" cy="0"/>
-          <a:chOff x="0" y="0"/>
-          <a:chExt cx="0" cy="0"/>
-        </a:xfrm>
-      </p:grpSpPr>
-      <p:pic>
-        <p:nvPicPr>
-          <p:cNvPr id="4106" name="Picture 10" descr="C:\Users\java\Desktop\member_regist.png"/>
-          <p:cNvPicPr>
-            <a:picLocks noChangeAspect="1" noChangeArrowheads="1"/>
-          </p:cNvPicPr>
-          <p:nvPr/>
-        </p:nvPicPr>
-        <p:blipFill>
-          <a:blip r:embed="rId2" cstate="print"/>
-          <a:srcRect/>
-          <a:stretch>
-            <a:fillRect/>
-          </a:stretch>
-        </p:blipFill>
-        <p:spPr bwMode="auto">
-          <a:xfrm>
-            <a:off x="1394153" y="1285860"/>
-            <a:ext cx="3608547" cy="3600400"/>
-          </a:xfrm>
-          <a:prstGeom prst="rect">
-            <a:avLst/>
-          </a:prstGeom>
-          <a:noFill/>
-          <a:ln>
-            <a:solidFill>
-              <a:schemeClr val="tx1">
-                <a:lumMod val="95000"/>
-                <a:lumOff val="5000"/>
-              </a:schemeClr>
-            </a:solidFill>
-          </a:ln>
-          <a:effectLst>
-            <a:outerShdw blurRad="50800" dist="38100" dir="2700000" algn="tl" rotWithShape="0">
-              <a:prstClr val="black">
-                <a:alpha val="40000"/>
-              </a:prstClr>
-            </a:outerShdw>
-          </a:effectLst>
-        </p:spPr>
-      </p:pic>
-      <p:pic>
-        <p:nvPicPr>
-          <p:cNvPr id="4107" name="Picture 11" descr="C:\Users\java\Desktop\member_modify.png"/>
-          <p:cNvPicPr>
-            <a:picLocks noChangeAspect="1" noChangeArrowheads="1"/>
-          </p:cNvPicPr>
-          <p:nvPr/>
-        </p:nvPicPr>
-        <p:blipFill>
-          <a:blip r:embed="rId3" cstate="print"/>
-          <a:srcRect/>
-          <a:stretch>
-            <a:fillRect/>
-          </a:stretch>
-        </p:blipFill>
-        <p:spPr bwMode="auto">
-          <a:xfrm>
-            <a:off x="5138569" y="1300680"/>
-            <a:ext cx="3719711" cy="3488775"/>
-          </a:xfrm>
-          <a:prstGeom prst="rect">
-            <a:avLst/>
-          </a:prstGeom>
-          <a:noFill/>
-          <a:ln>
-            <a:solidFill>
-              <a:schemeClr val="tx1">
-                <a:lumMod val="95000"/>
-                <a:lumOff val="5000"/>
-              </a:schemeClr>
-            </a:solidFill>
-          </a:ln>
-          <a:effectLst>
-            <a:outerShdw blurRad="50800" dist="38100" dir="2700000" algn="tl" rotWithShape="0">
-              <a:prstClr val="black">
-                <a:alpha val="40000"/>
-              </a:prstClr>
-            </a:outerShdw>
-          </a:effectLst>
-        </p:spPr>
-      </p:pic>
-      <p:sp>
-        <p:nvSpPr>
-          <p:cNvPr id="15" name="직사각형 14"/>
-          <p:cNvSpPr/>
-          <p:nvPr/>
-        </p:nvSpPr>
-        <p:spPr>
-          <a:xfrm>
-            <a:off x="2704686" y="3855918"/>
-            <a:ext cx="1944217" cy="216024"/>
-          </a:xfrm>
-          <a:prstGeom prst="rect">
-            <a:avLst/>
-          </a:prstGeom>
-          <a:noFill/>
-          <a:effectLst>
-            <a:glow rad="63500">
-              <a:schemeClr val="accent2">
-                <a:satMod val="175000"/>
-                <a:alpha val="40000"/>
-              </a:schemeClr>
-            </a:glow>
-          </a:effectLst>
-        </p:spPr>
-        <p:style>
-          <a:lnRef idx="2">
-            <a:schemeClr val="accent1">
-              <a:shade val="50000"/>
-            </a:schemeClr>
-          </a:lnRef>
-          <a:fillRef idx="1">
-            <a:schemeClr val="accent1"/>
-          </a:fillRef>
-          <a:effectRef idx="0">
-            <a:schemeClr val="accent1"/>
-          </a:effectRef>
-          <a:fontRef idx="minor">
-            <a:schemeClr val="lt1"/>
-          </a:fontRef>
-        </p:style>
-        <p:txBody>
-          <a:bodyPr rtlCol="0" anchor="ctr"/>
-          <a:lstStyle/>
-          <a:p>
-            <a:pPr algn="ctr"/>
-            <a:endParaRPr lang="ko-KR" altLang="en-US"/>
-          </a:p>
-        </p:txBody>
-      </p:sp>
-      <p:sp>
-        <p:nvSpPr>
-          <p:cNvPr id="16" name="직사각형 15"/>
-          <p:cNvSpPr/>
-          <p:nvPr/>
-        </p:nvSpPr>
-        <p:spPr>
-          <a:xfrm>
-            <a:off x="6493076" y="3820363"/>
-            <a:ext cx="2008014" cy="237290"/>
-          </a:xfrm>
-          <a:prstGeom prst="rect">
-            <a:avLst/>
-          </a:prstGeom>
-          <a:noFill/>
-          <a:effectLst>
-            <a:glow rad="63500">
-              <a:schemeClr val="accent2">
-                <a:satMod val="175000"/>
-                <a:alpha val="40000"/>
-              </a:schemeClr>
-            </a:glow>
-          </a:effectLst>
-        </p:spPr>
-        <p:style>
-          <a:lnRef idx="2">
-            <a:schemeClr val="accent1">
-              <a:shade val="50000"/>
-            </a:schemeClr>
-          </a:lnRef>
-          <a:fillRef idx="1">
-            <a:schemeClr val="accent1"/>
-          </a:fillRef>
-          <a:effectRef idx="0">
-            <a:schemeClr val="accent1"/>
-          </a:effectRef>
-          <a:fontRef idx="minor">
-            <a:schemeClr val="lt1"/>
-          </a:fontRef>
-        </p:style>
-        <p:txBody>
-          <a:bodyPr rtlCol="0" anchor="ctr"/>
-          <a:lstStyle/>
-          <a:p>
-            <a:pPr algn="ctr"/>
-            <a:endParaRPr lang="ko-KR" altLang="en-US"/>
-          </a:p>
-        </p:txBody>
-      </p:sp>
-      <p:sp>
-        <p:nvSpPr>
-          <p:cNvPr id="9" name="제목 1"/>
-          <p:cNvSpPr txBox="1">
-            <a:spLocks/>
-          </p:cNvSpPr>
-          <p:nvPr/>
-        </p:nvSpPr>
-        <p:spPr>
-          <a:xfrm>
-            <a:off x="1285916" y="0"/>
-            <a:ext cx="9144000" cy="1069514"/>
-          </a:xfrm>
-          <a:prstGeom prst="rect">
-            <a:avLst/>
-          </a:prstGeom>
-        </p:spPr>
-        <p:txBody>
-          <a:bodyPr anchor="ctr"/>
-          <a:lstStyle/>
-          <a:p>
-            <a:pPr marL="0" marR="0" lvl="0" indent="0" algn="l" defTabSz="914400" rtl="0" eaLnBrk="1" fontAlgn="auto" latinLnBrk="1" hangingPunct="1">
-              <a:lnSpc>
-                <a:spcPct val="100000"/>
-              </a:lnSpc>
-              <a:spcBef>
-                <a:spcPct val="0"/>
-              </a:spcBef>
-              <a:spcAft>
-                <a:spcPts val="0"/>
-              </a:spcAft>
-              <a:buClrTx/>
-              <a:buSzTx/>
-              <a:buFontTx/>
-              <a:buNone/>
-              <a:tabLst/>
-              <a:defRPr/>
-            </a:pPr>
-            <a:r>
-              <a:rPr kumimoji="0" lang="en-US" altLang="ko-KR" sz="4400" b="1" i="0" u="none" strike="noStrike" kern="1200" cap="none" spc="0" normalizeH="0" baseline="0" noProof="0" smtClean="0">
-                <a:ln>
-                  <a:noFill/>
-                </a:ln>
-                <a:solidFill>
-                  <a:schemeClr val="tx1">
-                    <a:lumMod val="75000"/>
-                    <a:lumOff val="25000"/>
-                  </a:schemeClr>
-                </a:solidFill>
-                <a:effectLst/>
-                <a:uLnTx/>
-                <a:uFillTx/>
-                <a:latin typeface="+mj-lt"/>
-                <a:ea typeface="+mj-ea"/>
-                <a:cs typeface="Arial" pitchFamily="34" charset="0"/>
-              </a:rPr>
-              <a:t>Members</a:t>
-            </a:r>
-            <a:endParaRPr kumimoji="0" lang="ko-KR" altLang="en-US" sz="4000" b="1" i="0" u="none" strike="noStrike" kern="1200" cap="none" spc="0" normalizeH="0" baseline="0" noProof="0" dirty="0">
-              <a:ln>
-                <a:noFill/>
-              </a:ln>
-              <a:solidFill>
-                <a:schemeClr val="tx1">
-                  <a:lumMod val="75000"/>
-                  <a:lumOff val="25000"/>
-                </a:schemeClr>
-              </a:solidFill>
-              <a:effectLst/>
-              <a:uLnTx/>
-              <a:uFillTx/>
-              <a:latin typeface="+mj-lt"/>
-              <a:ea typeface="+mj-ea"/>
-              <a:cs typeface="Arial" pitchFamily="34" charset="0"/>
-            </a:endParaRPr>
-          </a:p>
-        </p:txBody>
-      </p:sp>
-      <p:sp>
-        <p:nvSpPr>
-          <p:cNvPr id="13" name="설명선 2 12"/>
-          <p:cNvSpPr/>
-          <p:nvPr/>
-        </p:nvSpPr>
-        <p:spPr>
-          <a:xfrm>
-            <a:off x="5143504" y="4929198"/>
-            <a:ext cx="1785950" cy="1714512"/>
-          </a:xfrm>
-          <a:prstGeom prst="borderCallout2">
-            <a:avLst>
-              <a:gd name="adj1" fmla="val 64379"/>
-              <a:gd name="adj2" fmla="val 103737"/>
-              <a:gd name="adj3" fmla="val 64379"/>
-              <a:gd name="adj4" fmla="val 135794"/>
-              <a:gd name="adj5" fmla="val -48515"/>
-              <a:gd name="adj6" fmla="val 152768"/>
-            </a:avLst>
-          </a:prstGeom>
-          <a:noFill/>
-          <a:ln>
-            <a:solidFill>
-              <a:schemeClr val="tx1">
-                <a:lumMod val="75000"/>
-                <a:lumOff val="25000"/>
-              </a:schemeClr>
-            </a:solidFill>
-          </a:ln>
-        </p:spPr>
-        <p:style>
-          <a:lnRef idx="2">
-            <a:schemeClr val="accent1">
-              <a:shade val="50000"/>
-            </a:schemeClr>
-          </a:lnRef>
-          <a:fillRef idx="1">
-            <a:schemeClr val="accent1"/>
-          </a:fillRef>
-          <a:effectRef idx="0">
-            <a:schemeClr val="accent1"/>
-          </a:effectRef>
-          <a:fontRef idx="minor">
-            <a:schemeClr val="lt1"/>
-          </a:fontRef>
-        </p:style>
-        <p:txBody>
-          <a:bodyPr rtlCol="0" anchor="ctr"/>
-          <a:lstStyle/>
-          <a:p>
-            <a:pPr algn="ctr"/>
-            <a:endParaRPr lang="ko-KR" altLang="en-US"/>
-          </a:p>
-        </p:txBody>
-      </p:sp>
-      <p:sp>
-        <p:nvSpPr>
-          <p:cNvPr id="12" name="설명선 2 11"/>
-          <p:cNvSpPr/>
-          <p:nvPr/>
-        </p:nvSpPr>
-        <p:spPr>
-          <a:xfrm>
-            <a:off x="5143504" y="4929198"/>
-            <a:ext cx="1785950" cy="1714512"/>
-          </a:xfrm>
-          <a:prstGeom prst="borderCallout2">
-            <a:avLst>
-              <a:gd name="adj1" fmla="val 65565"/>
-              <a:gd name="adj2" fmla="val -3213"/>
-              <a:gd name="adj3" fmla="val 65565"/>
-              <a:gd name="adj4" fmla="val -40560"/>
-              <a:gd name="adj5" fmla="val -48007"/>
-              <a:gd name="adj6" fmla="val -76411"/>
-            </a:avLst>
-          </a:prstGeom>
-          <a:noFill/>
-          <a:ln>
-            <a:solidFill>
-              <a:schemeClr val="tx1">
-                <a:lumMod val="75000"/>
-                <a:lumOff val="25000"/>
-              </a:schemeClr>
-            </a:solidFill>
-          </a:ln>
-        </p:spPr>
-        <p:style>
-          <a:lnRef idx="2">
-            <a:schemeClr val="accent1">
-              <a:shade val="50000"/>
-            </a:schemeClr>
-          </a:lnRef>
-          <a:fillRef idx="1">
-            <a:schemeClr val="accent1"/>
-          </a:fillRef>
-          <a:effectRef idx="0">
-            <a:schemeClr val="accent1"/>
-          </a:effectRef>
-          <a:fontRef idx="minor">
-            <a:schemeClr val="lt1"/>
-          </a:fontRef>
-        </p:style>
-        <p:txBody>
-          <a:bodyPr rtlCol="0" anchor="ctr"/>
-          <a:lstStyle/>
-          <a:p>
-            <a:pPr algn="ctr"/>
-            <a:endParaRPr lang="ko-KR" altLang="en-US"/>
-          </a:p>
-        </p:txBody>
-      </p:sp>
-      <p:pic>
-        <p:nvPicPr>
-          <p:cNvPr id="4108" name="Picture 12" descr="C:\Users\java\Desktop\date.png"/>
-          <p:cNvPicPr>
-            <a:picLocks noChangeAspect="1" noChangeArrowheads="1"/>
-          </p:cNvPicPr>
-          <p:nvPr/>
-        </p:nvPicPr>
-        <p:blipFill>
-          <a:blip r:embed="rId4" cstate="print"/>
-          <a:srcRect/>
-          <a:stretch>
-            <a:fillRect/>
-          </a:stretch>
-        </p:blipFill>
-        <p:spPr bwMode="auto">
-          <a:xfrm>
-            <a:off x="5143505" y="4929477"/>
-            <a:ext cx="1785950" cy="1714233"/>
-          </a:xfrm>
-          <a:prstGeom prst="rect">
-            <a:avLst/>
-          </a:prstGeom>
-          <a:noFill/>
-          <a:ln>
-            <a:solidFill>
-              <a:schemeClr val="tx1">
-                <a:lumMod val="75000"/>
-                <a:lumOff val="25000"/>
-              </a:schemeClr>
-            </a:solidFill>
-          </a:ln>
-        </p:spPr>
-      </p:pic>
-    </p:spTree>
-  </p:cSld>
-  <p:clrMapOvr>
-    <a:masterClrMapping/>
-  </p:clrMapOvr>
-  <p:transition/>
-  <p:timing>
-    <p:tnLst>
-      <p:par>
-        <p:cTn id="1" dur="indefinite" restart="never" nodeType="tmRoot"/>
-      </p:par>
-    </p:tnLst>
-  </p:timing>
-</p:sld>
-</file>
-
-<file path=ppt/slides/slide25.xml><?xml version="1.0" encoding="utf-8"?>
-<p:sld xmlns:a="http://schemas.openxmlformats.org/drawingml/2006/main" xmlns:r="http://schemas.openxmlformats.org/officeDocument/2006/relationships" xmlns:p="http://schemas.openxmlformats.org/presentationml/2006/main">
-  <p:cSld>
-    <p:spTree>
-      <p:nvGrpSpPr>
-        <p:cNvPr id="1" name=""/>
-        <p:cNvGrpSpPr/>
-        <p:nvPr/>
-      </p:nvGrpSpPr>
-      <p:grpSpPr>
-        <a:xfrm>
-          <a:off x="0" y="0"/>
-          <a:ext cx="0" cy="0"/>
-          <a:chOff x="0" y="0"/>
-          <a:chExt cx="0" cy="0"/>
-        </a:xfrm>
-      </p:grpSpPr>
-      <p:sp>
-        <p:nvSpPr>
-          <p:cNvPr id="2" name="제목 1"/>
-          <p:cNvSpPr>
-            <a:spLocks noGrp="1"/>
-          </p:cNvSpPr>
-          <p:nvPr>
-            <p:ph type="title"/>
-          </p:nvPr>
-        </p:nvSpPr>
-        <p:spPr>
-          <a:xfrm>
-            <a:off x="1285916" y="0"/>
-            <a:ext cx="9144000" cy="1069514"/>
-          </a:xfrm>
-        </p:spPr>
-        <p:txBody>
-          <a:bodyPr/>
-          <a:lstStyle/>
-          <a:p>
-            <a:r>
-              <a:rPr lang="en-US" altLang="ko-KR" sz="4400" dirty="0" smtClean="0">
-                <a:solidFill>
-                  <a:schemeClr val="tx1">
-                    <a:lumMod val="75000"/>
-                    <a:lumOff val="25000"/>
-                  </a:schemeClr>
-                </a:solidFill>
-                <a:latin typeface="+mj-lt"/>
-              </a:rPr>
-              <a:t>Members</a:t>
-            </a:r>
-            <a:endParaRPr lang="ko-KR" altLang="en-US" dirty="0">
-              <a:solidFill>
-                <a:schemeClr val="tx1">
-                  <a:lumMod val="75000"/>
-                  <a:lumOff val="25000"/>
-                </a:schemeClr>
-              </a:solidFill>
-              <a:latin typeface="+mj-lt"/>
-            </a:endParaRPr>
-          </a:p>
-        </p:txBody>
-      </p:sp>
-      <p:pic>
-        <p:nvPicPr>
-          <p:cNvPr id="5122" name="Picture 2" descr="C:\Users\java\Desktop\player_delete.png"/>
-          <p:cNvPicPr>
-            <a:picLocks noChangeAspect="1" noChangeArrowheads="1"/>
-          </p:cNvPicPr>
-          <p:nvPr/>
-        </p:nvPicPr>
-        <p:blipFill>
-          <a:blip r:embed="rId2" cstate="print"/>
-          <a:srcRect/>
-          <a:stretch>
-            <a:fillRect/>
-          </a:stretch>
-        </p:blipFill>
-        <p:spPr bwMode="auto">
-          <a:xfrm>
-            <a:off x="1403648" y="1700808"/>
-            <a:ext cx="7560840" cy="2745297"/>
-          </a:xfrm>
-          <a:prstGeom prst="rect">
-            <a:avLst/>
-          </a:prstGeom>
-          <a:noFill/>
-          <a:ln>
-            <a:solidFill>
-              <a:schemeClr val="tx1">
-                <a:lumMod val="75000"/>
-                <a:lumOff val="25000"/>
-              </a:schemeClr>
-            </a:solidFill>
-          </a:ln>
-          <a:effectLst>
-            <a:outerShdw blurRad="50800" dist="38100" dir="2700000" algn="tl" rotWithShape="0">
-              <a:prstClr val="black">
-                <a:alpha val="40000"/>
-              </a:prstClr>
-            </a:outerShdw>
-          </a:effectLst>
-        </p:spPr>
-      </p:pic>
-    </p:spTree>
-  </p:cSld>
-  <p:clrMapOvr>
-    <a:masterClrMapping/>
-  </p:clrMapOvr>
-  <p:transition/>
-  <p:timing>
-    <p:tnLst>
-      <p:par>
-        <p:cTn id="1" dur="indefinite" restart="never" nodeType="tmRoot"/>
-      </p:par>
-    </p:tnLst>
-  </p:timing>
-</p:sld>
-</file>
-
-<file path=ppt/slides/slide26.xml><?xml version="1.0" encoding="utf-8"?>
 <p:sld xmlns:a="http://schemas.openxmlformats.org/drawingml/2006/main" xmlns:r="http://schemas.openxmlformats.org/officeDocument/2006/relationships" xmlns:p="http://schemas.openxmlformats.org/presentationml/2006/main">
   <p:cSld>
     <p:spTree>
@@ -7869,7 +7128,7 @@
     </p:spTree>
     <p:extLst>
       <p:ext uri="{BB962C8B-B14F-4D97-AF65-F5344CB8AC3E}">
-        <p14:creationId xmlns="" xmlns:p14="http://schemas.microsoft.com/office/powerpoint/2010/main" val="891763176"/>
+        <p14:creationId xmlns:p14="http://schemas.microsoft.com/office/powerpoint/2010/main" xmlns="" val="891763176"/>
       </p:ext>
     </p:extLst>
   </p:cSld>
@@ -8639,7 +7898,7 @@
     </p:spTree>
     <p:extLst>
       <p:ext uri="{BB962C8B-B14F-4D97-AF65-F5344CB8AC3E}">
-        <p14:creationId xmlns="" xmlns:p14="http://schemas.microsoft.com/office/powerpoint/2010/main" val="891763176"/>
+        <p14:creationId xmlns:p14="http://schemas.microsoft.com/office/powerpoint/2010/main" xmlns="" val="891763176"/>
       </p:ext>
     </p:extLst>
   </p:cSld>
@@ -8706,7 +7965,7 @@
                 <a:ea typeface="Arial Unicode MS" pitchFamily="50" charset="-127"/>
                 <a:cs typeface="Calibri" pitchFamily="34" charset="0"/>
               </a:rPr>
-              <a:t>Base Tables</a:t>
+              <a:t>Main </a:t>
             </a:r>
             <a:endParaRPr lang="ko-KR" altLang="en-US" sz="4400" dirty="0">
               <a:solidFill>
@@ -8724,7 +7983,7 @@
       </p:sp>
       <p:pic>
         <p:nvPicPr>
-          <p:cNvPr id="1028" name="Picture 4"/>
+          <p:cNvPr id="5" name="Picture 2"/>
           <p:cNvPicPr>
             <a:picLocks noChangeAspect="1" noChangeArrowheads="1"/>
           </p:cNvPicPr>
@@ -8739,8 +7998,8 @@
         </p:blipFill>
         <p:spPr bwMode="auto">
           <a:xfrm>
-            <a:off x="1500165" y="4017958"/>
-            <a:ext cx="6165714" cy="2340000"/>
+            <a:off x="1403648" y="1052736"/>
+            <a:ext cx="4824536" cy="3850306"/>
           </a:xfrm>
           <a:prstGeom prst="rect">
             <a:avLst/>
@@ -8763,51 +8022,108 @@
           </a:effectLst>
         </p:spPr>
       </p:pic>
-      <p:pic>
-        <p:nvPicPr>
-          <p:cNvPr id="1029" name="Picture 5"/>
-          <p:cNvPicPr>
-            <a:picLocks noChangeAspect="1" noChangeArrowheads="1"/>
-          </p:cNvPicPr>
+      <p:sp>
+        <p:nvSpPr>
+          <p:cNvPr id="6" name="TextBox 5"/>
+          <p:cNvSpPr txBox="1"/>
           <p:nvPr/>
-        </p:nvPicPr>
-        <p:blipFill>
-          <a:blip r:embed="rId3"/>
-          <a:srcRect/>
-          <a:stretch>
-            <a:fillRect/>
-          </a:stretch>
-        </p:blipFill>
-        <p:spPr bwMode="auto">
-          <a:xfrm>
-            <a:off x="1500166" y="1086190"/>
-            <a:ext cx="5268624" cy="2700000"/>
+        </p:nvSpPr>
+        <p:spPr>
+          <a:xfrm>
+            <a:off x="3179184" y="5291799"/>
+            <a:ext cx="5641288" cy="1089529"/>
           </a:xfrm>
           <a:prstGeom prst="rect">
             <a:avLst/>
           </a:prstGeom>
           <a:noFill/>
-          <a:ln w="9525">
+          <a:ln w="19050" cap="rnd" cmpd="sng">
             <a:solidFill>
-              <a:schemeClr val="tx1"/>
+              <a:schemeClr val="accent3">
+                <a:lumMod val="75000"/>
+              </a:schemeClr>
             </a:solidFill>
-            <a:miter lim="800000"/>
-            <a:headEnd/>
-            <a:tailEnd/>
           </a:ln>
-          <a:effectLst>
-            <a:outerShdw blurRad="50800" dist="38100" dir="2700000" algn="tl" rotWithShape="0">
-              <a:prstClr val="black">
-                <a:alpha val="40000"/>
-              </a:prstClr>
-            </a:outerShdw>
-          </a:effectLst>
-        </p:spPr>
-      </p:pic>
+          <a:effectLst/>
+        </p:spPr>
+        <p:txBody>
+          <a:bodyPr wrap="none" rtlCol="0">
+            <a:spAutoFit/>
+          </a:bodyPr>
+          <a:lstStyle/>
+          <a:p>
+            <a:pPr>
+              <a:lnSpc>
+                <a:spcPct val="120000"/>
+              </a:lnSpc>
+              <a:buFont typeface="Wingdings" pitchFamily="2" charset="2"/>
+              <a:buChar char="ü"/>
+            </a:pPr>
+            <a:r>
+              <a:rPr lang="ko-KR" altLang="en-US" dirty="0" smtClean="0">
+                <a:latin typeface="Calibri" pitchFamily="34" charset="0"/>
+                <a:cs typeface="Calibri" pitchFamily="34" charset="0"/>
+              </a:rPr>
+              <a:t> 역동적인 느낌</a:t>
+            </a:r>
+            <a:endParaRPr lang="en-US" altLang="ko-KR" dirty="0" smtClean="0">
+              <a:latin typeface="Calibri" pitchFamily="34" charset="0"/>
+              <a:cs typeface="Calibri" pitchFamily="34" charset="0"/>
+            </a:endParaRPr>
+          </a:p>
+          <a:p>
+            <a:pPr>
+              <a:lnSpc>
+                <a:spcPct val="120000"/>
+              </a:lnSpc>
+              <a:buFont typeface="Wingdings" pitchFamily="2" charset="2"/>
+              <a:buChar char="ü"/>
+            </a:pPr>
+            <a:endParaRPr lang="en-US" altLang="ko-KR" dirty="0" smtClean="0">
+              <a:latin typeface="Calibri" pitchFamily="34" charset="0"/>
+              <a:cs typeface="Calibri" pitchFamily="34" charset="0"/>
+            </a:endParaRPr>
+          </a:p>
+          <a:p>
+            <a:pPr>
+              <a:lnSpc>
+                <a:spcPct val="120000"/>
+              </a:lnSpc>
+              <a:buFont typeface="Wingdings" pitchFamily="2" charset="2"/>
+              <a:buChar char="ü"/>
+            </a:pPr>
+            <a:r>
+              <a:rPr lang="ko-KR" altLang="en-US" dirty="0" smtClean="0">
+                <a:latin typeface="Calibri" pitchFamily="34" charset="0"/>
+                <a:cs typeface="Calibri" pitchFamily="34" charset="0"/>
+              </a:rPr>
+              <a:t> 이미지를 선택할 경우</a:t>
+            </a:r>
+            <a:r>
+              <a:rPr lang="en-US" altLang="ko-KR" dirty="0" smtClean="0">
+                <a:latin typeface="Calibri" pitchFamily="34" charset="0"/>
+                <a:cs typeface="Calibri" pitchFamily="34" charset="0"/>
+              </a:rPr>
+              <a:t>, </a:t>
+            </a:r>
+            <a:r>
+              <a:rPr lang="ko-KR" altLang="en-US" dirty="0" smtClean="0">
+                <a:latin typeface="Calibri" pitchFamily="34" charset="0"/>
+                <a:cs typeface="Calibri" pitchFamily="34" charset="0"/>
+              </a:rPr>
+              <a:t>이미지의 페이지로 갈 수 있음</a:t>
+            </a:r>
+            <a:endParaRPr lang="en-US" altLang="ko-KR" dirty="0" smtClean="0">
+              <a:latin typeface="Calibri" pitchFamily="34" charset="0"/>
+              <a:cs typeface="Calibri" pitchFamily="34" charset="0"/>
+            </a:endParaRPr>
+          </a:p>
+        </p:txBody>
+      </p:sp>
     </p:spTree>
     <p:extLst>
       <p:ext uri="{BB962C8B-B14F-4D97-AF65-F5344CB8AC3E}">
-        <p14:creationId xmlns="" xmlns:p14="http://schemas.microsoft.com/office/powerpoint/2010/main" val="891763176"/>
+        <p14:creationId xmlns:p14="http://schemas.microsoft.com/office/powerpoint/2010/main" xmlns="" val="891763176"/>
       </p:ext>
     </p:extLst>
   </p:cSld>
@@ -8892,7 +8208,7 @@
       </p:sp>
       <p:pic>
         <p:nvPicPr>
-          <p:cNvPr id="2050" name="Picture 2"/>
+          <p:cNvPr id="5" name="Picture 3"/>
           <p:cNvPicPr>
             <a:picLocks noChangeAspect="1" noChangeArrowheads="1"/>
           </p:cNvPicPr>
@@ -8907,8 +8223,8 @@
         </p:blipFill>
         <p:spPr bwMode="auto">
           <a:xfrm>
-            <a:off x="1571604" y="1071546"/>
-            <a:ext cx="4785538" cy="2520000"/>
+            <a:off x="1403648" y="980728"/>
+            <a:ext cx="5242545" cy="3137129"/>
           </a:xfrm>
           <a:prstGeom prst="rect">
             <a:avLst/>
@@ -8933,7 +8249,7 @@
       </p:pic>
       <p:pic>
         <p:nvPicPr>
-          <p:cNvPr id="2052" name="Picture 4"/>
+          <p:cNvPr id="6" name="Picture 2"/>
           <p:cNvPicPr>
             <a:picLocks noChangeAspect="1" noChangeArrowheads="1"/>
           </p:cNvPicPr>
@@ -8948,8 +8264,8 @@
         </p:blipFill>
         <p:spPr bwMode="auto">
           <a:xfrm>
-            <a:off x="1571604" y="3837958"/>
-            <a:ext cx="5040000" cy="2520000"/>
+            <a:off x="3131840" y="3200993"/>
+            <a:ext cx="5437252" cy="3108327"/>
           </a:xfrm>
           <a:prstGeom prst="rect">
             <a:avLst/>
@@ -8975,7 +8291,7 @@
     </p:spTree>
     <p:extLst>
       <p:ext uri="{BB962C8B-B14F-4D97-AF65-F5344CB8AC3E}">
-        <p14:creationId xmlns="" xmlns:p14="http://schemas.microsoft.com/office/powerpoint/2010/main" val="891763176"/>
+        <p14:creationId xmlns:p14="http://schemas.microsoft.com/office/powerpoint/2010/main" xmlns="" val="891763176"/>
       </p:ext>
     </p:extLst>
   </p:cSld>
@@ -9429,7 +8745,7 @@
     </p:spTree>
     <p:extLst>
       <p:ext uri="{BB962C8B-B14F-4D97-AF65-F5344CB8AC3E}">
-        <p14:creationId xmlns="" xmlns:p14="http://schemas.microsoft.com/office/powerpoint/2010/main" val="891763176"/>
+        <p14:creationId xmlns:p14="http://schemas.microsoft.com/office/powerpoint/2010/main" xmlns="" val="891763176"/>
       </p:ext>
     </p:extLst>
   </p:cSld>
@@ -9561,7 +8877,7 @@
       </p:sp>
       <p:pic>
         <p:nvPicPr>
-          <p:cNvPr id="2050" name="Picture 2"/>
+          <p:cNvPr id="8" name="Picture 3"/>
           <p:cNvPicPr>
             <a:picLocks noChangeAspect="1" noChangeArrowheads="1"/>
           </p:cNvPicPr>
@@ -9576,8 +8892,8 @@
         </p:blipFill>
         <p:spPr bwMode="auto">
           <a:xfrm>
-            <a:off x="1428729" y="1214422"/>
-            <a:ext cx="5857916" cy="2745057"/>
+            <a:off x="1403648" y="1104922"/>
+            <a:ext cx="6834932" cy="3620222"/>
           </a:xfrm>
           <a:prstGeom prst="rect">
             <a:avLst/>
@@ -9602,7 +8918,7 @@
       </p:pic>
       <p:pic>
         <p:nvPicPr>
-          <p:cNvPr id="2051" name="Picture 3"/>
+          <p:cNvPr id="11" name="Picture 2"/>
           <p:cNvPicPr>
             <a:picLocks noChangeAspect="1" noChangeArrowheads="1"/>
           </p:cNvPicPr>
@@ -9617,8 +8933,8 @@
         </p:blipFill>
         <p:spPr bwMode="auto">
           <a:xfrm>
-            <a:off x="2357422" y="3732109"/>
-            <a:ext cx="6500858" cy="2811830"/>
+            <a:off x="2483768" y="3933056"/>
+            <a:ext cx="6201818" cy="2520000"/>
           </a:xfrm>
           <a:prstGeom prst="rect">
             <a:avLst/>
@@ -9644,7 +8960,7 @@
     </p:spTree>
     <p:extLst>
       <p:ext uri="{BB962C8B-B14F-4D97-AF65-F5344CB8AC3E}">
-        <p14:creationId xmlns="" xmlns:p14="http://schemas.microsoft.com/office/powerpoint/2010/main" val="891763176"/>
+        <p14:creationId xmlns:p14="http://schemas.microsoft.com/office/powerpoint/2010/main" xmlns="" val="891763176"/>
       </p:ext>
     </p:extLst>
   </p:cSld>
@@ -9711,7 +9027,7 @@
                 <a:ea typeface="Arial Unicode MS" pitchFamily="50" charset="-127"/>
                 <a:cs typeface="Calibri" pitchFamily="34" charset="0"/>
               </a:rPr>
-              <a:t>Salary Management</a:t>
+              <a:t>Account Management</a:t>
             </a:r>
             <a:endParaRPr lang="ko-KR" altLang="en-US" sz="4400" dirty="0">
               <a:solidFill>
@@ -9745,359 +9061,9 @@
         </p:spPr>
         <p:txBody>
           <a:bodyPr>
-            <a:normAutofit fontScale="92500" lnSpcReduction="10000"/>
+            <a:normAutofit/>
           </a:bodyPr>
           <a:lstStyle/>
-          <a:p>
-            <a:pPr>
-              <a:lnSpc>
-                <a:spcPct val="120000"/>
-              </a:lnSpc>
-            </a:pPr>
-            <a:r>
-              <a:rPr lang="ko-KR" altLang="en-US" sz="3600" dirty="0" smtClean="0">
-                <a:solidFill>
-                  <a:schemeClr val="tx1">
-                    <a:lumMod val="75000"/>
-                    <a:lumOff val="25000"/>
-                  </a:schemeClr>
-                </a:solidFill>
-                <a:latin typeface="Calibri" pitchFamily="34" charset="0"/>
-                <a:cs typeface="Calibri" pitchFamily="34" charset="0"/>
-              </a:rPr>
-              <a:t>급여 관리 페이지</a:t>
-            </a:r>
-            <a:endParaRPr lang="en-US" altLang="ko-KR" sz="3600" dirty="0" smtClean="0">
-              <a:solidFill>
-                <a:schemeClr val="tx1">
-                  <a:lumMod val="75000"/>
-                  <a:lumOff val="25000"/>
-                </a:schemeClr>
-              </a:solidFill>
-              <a:latin typeface="Calibri" pitchFamily="34" charset="0"/>
-              <a:cs typeface="Calibri" pitchFamily="34" charset="0"/>
-            </a:endParaRPr>
-          </a:p>
-          <a:p>
-            <a:pPr>
-              <a:lnSpc>
-                <a:spcPct val="120000"/>
-              </a:lnSpc>
-              <a:buFont typeface="Wingdings" pitchFamily="2" charset="2"/>
-              <a:buChar char="ü"/>
-            </a:pPr>
-            <a:r>
-              <a:rPr lang="ko-KR" altLang="en-US" sz="2100" dirty="0" smtClean="0">
-                <a:solidFill>
-                  <a:schemeClr val="tx1">
-                    <a:lumMod val="50000"/>
-                    <a:lumOff val="50000"/>
-                  </a:schemeClr>
-                </a:solidFill>
-                <a:latin typeface="Calibri" pitchFamily="34" charset="0"/>
-                <a:cs typeface="Calibri" pitchFamily="34" charset="0"/>
-              </a:rPr>
-              <a:t>회원 및 관리자의 급여를 관리할 수 있는 폼</a:t>
-            </a:r>
-            <a:endParaRPr lang="en-US" altLang="ko-KR" sz="2100" dirty="0" smtClean="0">
-              <a:solidFill>
-                <a:schemeClr val="tx1">
-                  <a:lumMod val="50000"/>
-                  <a:lumOff val="50000"/>
-                </a:schemeClr>
-              </a:solidFill>
-              <a:latin typeface="Calibri" pitchFamily="34" charset="0"/>
-              <a:cs typeface="Calibri" pitchFamily="34" charset="0"/>
-            </a:endParaRPr>
-          </a:p>
-          <a:p>
-            <a:pPr>
-              <a:lnSpc>
-                <a:spcPct val="120000"/>
-              </a:lnSpc>
-              <a:buNone/>
-            </a:pPr>
-            <a:endParaRPr lang="en-US" altLang="ko-KR" sz="1900" dirty="0" smtClean="0">
-              <a:solidFill>
-                <a:schemeClr val="tx1">
-                  <a:lumMod val="50000"/>
-                  <a:lumOff val="50000"/>
-                </a:schemeClr>
-              </a:solidFill>
-              <a:latin typeface="Calibri" pitchFamily="34" charset="0"/>
-              <a:cs typeface="Calibri" pitchFamily="34" charset="0"/>
-            </a:endParaRPr>
-          </a:p>
-          <a:p>
-            <a:pPr>
-              <a:lnSpc>
-                <a:spcPct val="120000"/>
-              </a:lnSpc>
-            </a:pPr>
-            <a:r>
-              <a:rPr lang="ko-KR" altLang="en-US" sz="3600" dirty="0" smtClean="0">
-                <a:solidFill>
-                  <a:schemeClr val="tx1">
-                    <a:lumMod val="75000"/>
-                    <a:lumOff val="25000"/>
-                  </a:schemeClr>
-                </a:solidFill>
-                <a:latin typeface="Calibri" pitchFamily="34" charset="0"/>
-                <a:cs typeface="Calibri" pitchFamily="34" charset="0"/>
-              </a:rPr>
-              <a:t>관리자 급여 관리</a:t>
-            </a:r>
-            <a:endParaRPr lang="en-US" altLang="ko-KR" sz="3600" dirty="0" smtClean="0">
-              <a:solidFill>
-                <a:schemeClr val="tx1">
-                  <a:lumMod val="75000"/>
-                  <a:lumOff val="25000"/>
-                </a:schemeClr>
-              </a:solidFill>
-              <a:latin typeface="Calibri" pitchFamily="34" charset="0"/>
-              <a:cs typeface="Calibri" pitchFamily="34" charset="0"/>
-            </a:endParaRPr>
-          </a:p>
-          <a:p>
-            <a:pPr>
-              <a:lnSpc>
-                <a:spcPct val="120000"/>
-              </a:lnSpc>
-              <a:buFont typeface="Wingdings" pitchFamily="2" charset="2"/>
-              <a:buChar char="ü"/>
-            </a:pPr>
-            <a:r>
-              <a:rPr lang="ko-KR" altLang="en-US" sz="2100" dirty="0" smtClean="0">
-                <a:solidFill>
-                  <a:schemeClr val="tx1">
-                    <a:lumMod val="50000"/>
-                    <a:lumOff val="50000"/>
-                  </a:schemeClr>
-                </a:solidFill>
-                <a:latin typeface="Calibri" pitchFamily="34" charset="0"/>
-                <a:cs typeface="Calibri" pitchFamily="34" charset="0"/>
-              </a:rPr>
-              <a:t>관리자는 회원의 급여 관리  </a:t>
-            </a:r>
-            <a:r>
-              <a:rPr lang="ko-KR" altLang="en-US" sz="2100" dirty="0" err="1" smtClean="0">
-                <a:solidFill>
-                  <a:schemeClr val="tx1">
-                    <a:lumMod val="50000"/>
-                    <a:lumOff val="50000"/>
-                  </a:schemeClr>
-                </a:solidFill>
-                <a:latin typeface="Calibri" pitchFamily="34" charset="0"/>
-                <a:cs typeface="Calibri" pitchFamily="34" charset="0"/>
-              </a:rPr>
-              <a:t>추가</a:t>
-            </a:r>
-            <a:r>
-              <a:rPr lang="ko-KR" altLang="en-US" sz="2100" dirty="0" err="1" smtClean="0">
-                <a:solidFill>
-                  <a:schemeClr val="tx1">
-                    <a:lumMod val="50000"/>
-                    <a:lumOff val="50000"/>
-                  </a:schemeClr>
-                </a:solidFill>
-                <a:latin typeface="굴림체"/>
-                <a:ea typeface="굴림체"/>
-                <a:cs typeface="Calibri" pitchFamily="34" charset="0"/>
-              </a:rPr>
-              <a:t>ㆍ</a:t>
-            </a:r>
-            <a:r>
-              <a:rPr lang="ko-KR" altLang="en-US" sz="2100" dirty="0" err="1" smtClean="0">
-                <a:solidFill>
-                  <a:schemeClr val="tx1">
-                    <a:lumMod val="50000"/>
-                    <a:lumOff val="50000"/>
-                  </a:schemeClr>
-                </a:solidFill>
-                <a:latin typeface="Calibri" pitchFamily="34" charset="0"/>
-                <a:cs typeface="Calibri" pitchFamily="34" charset="0"/>
-              </a:rPr>
-              <a:t>수정</a:t>
-            </a:r>
-            <a:r>
-              <a:rPr lang="ko-KR" altLang="en-US" sz="2100" dirty="0" err="1" smtClean="0">
-                <a:solidFill>
-                  <a:schemeClr val="tx1">
-                    <a:lumMod val="50000"/>
-                    <a:lumOff val="50000"/>
-                  </a:schemeClr>
-                </a:solidFill>
-                <a:latin typeface="굴림체"/>
-                <a:ea typeface="굴림체"/>
-                <a:cs typeface="Calibri" pitchFamily="34" charset="0"/>
-              </a:rPr>
-              <a:t>ㆍ</a:t>
-            </a:r>
-            <a:r>
-              <a:rPr lang="ko-KR" altLang="en-US" sz="2100" dirty="0" err="1" smtClean="0">
-                <a:solidFill>
-                  <a:schemeClr val="tx1">
-                    <a:lumMod val="50000"/>
-                    <a:lumOff val="50000"/>
-                  </a:schemeClr>
-                </a:solidFill>
-                <a:latin typeface="Calibri" pitchFamily="34" charset="0"/>
-                <a:cs typeface="Calibri" pitchFamily="34" charset="0"/>
-              </a:rPr>
-              <a:t>삭제</a:t>
-            </a:r>
-            <a:r>
-              <a:rPr lang="ko-KR" altLang="en-US" sz="2100" dirty="0" smtClean="0">
-                <a:solidFill>
-                  <a:schemeClr val="tx1">
-                    <a:lumMod val="50000"/>
-                    <a:lumOff val="50000"/>
-                  </a:schemeClr>
-                </a:solidFill>
-                <a:latin typeface="Calibri" pitchFamily="34" charset="0"/>
-                <a:cs typeface="Calibri" pitchFamily="34" charset="0"/>
-              </a:rPr>
-              <a:t>  가능</a:t>
-            </a:r>
-            <a:endParaRPr lang="en-US" altLang="ko-KR" sz="2100" dirty="0" smtClean="0">
-              <a:solidFill>
-                <a:schemeClr val="tx1">
-                  <a:lumMod val="50000"/>
-                  <a:lumOff val="50000"/>
-                </a:schemeClr>
-              </a:solidFill>
-              <a:latin typeface="Calibri" pitchFamily="34" charset="0"/>
-              <a:cs typeface="Calibri" pitchFamily="34" charset="0"/>
-            </a:endParaRPr>
-          </a:p>
-          <a:p>
-            <a:pPr>
-              <a:lnSpc>
-                <a:spcPct val="120000"/>
-              </a:lnSpc>
-              <a:buFont typeface="Wingdings" pitchFamily="2" charset="2"/>
-              <a:buChar char="ü"/>
-            </a:pPr>
-            <a:r>
-              <a:rPr lang="ko-KR" altLang="en-US" sz="2100" dirty="0" smtClean="0">
-                <a:solidFill>
-                  <a:schemeClr val="tx1">
-                    <a:lumMod val="50000"/>
-                    <a:lumOff val="50000"/>
-                  </a:schemeClr>
-                </a:solidFill>
-                <a:latin typeface="Calibri" pitchFamily="34" charset="0"/>
-                <a:cs typeface="Calibri" pitchFamily="34" charset="0"/>
-              </a:rPr>
-              <a:t>급여 등록 시 관리자 및 회원의 코드번호 조회 가능</a:t>
-            </a:r>
-            <a:endParaRPr lang="en-US" altLang="ko-KR" sz="2100" dirty="0" smtClean="0">
-              <a:solidFill>
-                <a:schemeClr val="tx1">
-                  <a:lumMod val="50000"/>
-                  <a:lumOff val="50000"/>
-                </a:schemeClr>
-              </a:solidFill>
-              <a:latin typeface="Calibri" pitchFamily="34" charset="0"/>
-              <a:cs typeface="Calibri" pitchFamily="34" charset="0"/>
-            </a:endParaRPr>
-          </a:p>
-          <a:p>
-            <a:pPr>
-              <a:lnSpc>
-                <a:spcPct val="120000"/>
-              </a:lnSpc>
-              <a:buNone/>
-            </a:pPr>
-            <a:endParaRPr lang="en-US" altLang="ko-KR" sz="2800" dirty="0" smtClean="0">
-              <a:solidFill>
-                <a:schemeClr val="tx1">
-                  <a:lumMod val="50000"/>
-                  <a:lumOff val="50000"/>
-                </a:schemeClr>
-              </a:solidFill>
-              <a:latin typeface="Calibri" pitchFamily="34" charset="0"/>
-              <a:cs typeface="Calibri" pitchFamily="34" charset="0"/>
-            </a:endParaRPr>
-          </a:p>
-          <a:p>
-            <a:pPr>
-              <a:lnSpc>
-                <a:spcPct val="120000"/>
-              </a:lnSpc>
-            </a:pPr>
-            <a:r>
-              <a:rPr lang="ko-KR" altLang="en-US" sz="3600" dirty="0" smtClean="0">
-                <a:solidFill>
-                  <a:schemeClr val="tx1">
-                    <a:lumMod val="75000"/>
-                    <a:lumOff val="25000"/>
-                  </a:schemeClr>
-                </a:solidFill>
-                <a:latin typeface="Calibri" pitchFamily="34" charset="0"/>
-                <a:cs typeface="Calibri" pitchFamily="34" charset="0"/>
-              </a:rPr>
-              <a:t>회원 급여 관리</a:t>
-            </a:r>
-            <a:endParaRPr lang="en-US" altLang="ko-KR" sz="3600" dirty="0" smtClean="0">
-              <a:solidFill>
-                <a:schemeClr val="tx1">
-                  <a:lumMod val="75000"/>
-                  <a:lumOff val="25000"/>
-                </a:schemeClr>
-              </a:solidFill>
-              <a:latin typeface="Calibri" pitchFamily="34" charset="0"/>
-              <a:cs typeface="Calibri" pitchFamily="34" charset="0"/>
-            </a:endParaRPr>
-          </a:p>
-          <a:p>
-            <a:pPr>
-              <a:lnSpc>
-                <a:spcPct val="120000"/>
-              </a:lnSpc>
-              <a:buFont typeface="Wingdings" pitchFamily="2" charset="2"/>
-              <a:buChar char="ü"/>
-            </a:pPr>
-            <a:r>
-              <a:rPr lang="ko-KR" altLang="en-US" sz="2100" dirty="0" smtClean="0">
-                <a:solidFill>
-                  <a:schemeClr val="tx1">
-                    <a:lumMod val="50000"/>
-                    <a:lumOff val="50000"/>
-                  </a:schemeClr>
-                </a:solidFill>
-                <a:latin typeface="Calibri" pitchFamily="34" charset="0"/>
-                <a:cs typeface="Calibri" pitchFamily="34" charset="0"/>
-              </a:rPr>
-              <a:t>회원은 자신의 급여 정보 및 코드번호 확인 가능 </a:t>
-            </a:r>
-            <a:endParaRPr lang="en-US" altLang="ko-KR" sz="2100" dirty="0" smtClean="0">
-              <a:solidFill>
-                <a:schemeClr val="tx1">
-                  <a:lumMod val="50000"/>
-                  <a:lumOff val="50000"/>
-                </a:schemeClr>
-              </a:solidFill>
-              <a:latin typeface="Calibri" pitchFamily="34" charset="0"/>
-              <a:cs typeface="Calibri" pitchFamily="34" charset="0"/>
-            </a:endParaRPr>
-          </a:p>
-          <a:p>
-            <a:pPr>
-              <a:buFont typeface="Wingdings" pitchFamily="2" charset="2"/>
-              <a:buChar char="ü"/>
-            </a:pPr>
-            <a:endParaRPr lang="en-US" altLang="ko-KR" sz="2400" dirty="0" smtClean="0">
-              <a:solidFill>
-                <a:schemeClr val="tx1">
-                  <a:lumMod val="50000"/>
-                  <a:lumOff val="50000"/>
-                </a:schemeClr>
-              </a:solidFill>
-              <a:latin typeface="Calibri" pitchFamily="34" charset="0"/>
-              <a:cs typeface="Calibri" pitchFamily="34" charset="0"/>
-            </a:endParaRPr>
-          </a:p>
           <a:p>
             <a:endParaRPr lang="en-US" altLang="ko-KR" sz="4000" dirty="0" smtClean="0">
               <a:solidFill>
@@ -10124,10 +9090,92 @@
           </a:p>
         </p:txBody>
       </p:sp>
+      <p:pic>
+        <p:nvPicPr>
+          <p:cNvPr id="6" name="Picture 2"/>
+          <p:cNvPicPr>
+            <a:picLocks noChangeAspect="1" noChangeArrowheads="1"/>
+          </p:cNvPicPr>
+          <p:nvPr/>
+        </p:nvPicPr>
+        <p:blipFill>
+          <a:blip r:embed="rId2"/>
+          <a:srcRect/>
+          <a:stretch>
+            <a:fillRect/>
+          </a:stretch>
+        </p:blipFill>
+        <p:spPr bwMode="auto">
+          <a:xfrm>
+            <a:off x="1472146" y="1052736"/>
+            <a:ext cx="6196198" cy="2412000"/>
+          </a:xfrm>
+          <a:prstGeom prst="rect">
+            <a:avLst/>
+          </a:prstGeom>
+          <a:noFill/>
+          <a:ln w="9525">
+            <a:solidFill>
+              <a:schemeClr val="tx1"/>
+            </a:solidFill>
+            <a:miter lim="800000"/>
+            <a:headEnd/>
+            <a:tailEnd/>
+          </a:ln>
+          <a:effectLst>
+            <a:outerShdw blurRad="50800" dist="38100" dir="2700000" algn="tl" rotWithShape="0">
+              <a:prstClr val="black">
+                <a:alpha val="40000"/>
+              </a:prstClr>
+            </a:outerShdw>
+          </a:effectLst>
+        </p:spPr>
+      </p:pic>
+      <p:pic>
+        <p:nvPicPr>
+          <p:cNvPr id="7" name="Picture 2"/>
+          <p:cNvPicPr>
+            <a:picLocks noChangeAspect="1" noChangeArrowheads="1"/>
+          </p:cNvPicPr>
+          <p:nvPr/>
+        </p:nvPicPr>
+        <p:blipFill>
+          <a:blip r:embed="rId3"/>
+          <a:srcRect/>
+          <a:stretch>
+            <a:fillRect/>
+          </a:stretch>
+        </p:blipFill>
+        <p:spPr bwMode="auto">
+          <a:xfrm>
+            <a:off x="2023803" y="3213248"/>
+            <a:ext cx="6580645" cy="2448000"/>
+          </a:xfrm>
+          <a:prstGeom prst="rect">
+            <a:avLst/>
+          </a:prstGeom>
+          <a:noFill/>
+          <a:ln w="9525">
+            <a:solidFill>
+              <a:schemeClr val="tx1"/>
+            </a:solidFill>
+            <a:miter lim="800000"/>
+            <a:headEnd/>
+            <a:tailEnd/>
+          </a:ln>
+          <a:effectLst>
+            <a:outerShdw blurRad="50800" dist="38100" dir="2700000" algn="tl" rotWithShape="0">
+              <a:prstClr val="black">
+                <a:alpha val="40000"/>
+              </a:prstClr>
+            </a:outerShdw>
+          </a:effectLst>
+        </p:spPr>
+      </p:pic>
     </p:spTree>
     <p:extLst>
       <p:ext uri="{BB962C8B-B14F-4D97-AF65-F5344CB8AC3E}">
-        <p14:creationId xmlns="" xmlns:p14="http://schemas.microsoft.com/office/powerpoint/2010/main" val="891763176"/>
+        <p14:creationId xmlns:p14="http://schemas.microsoft.com/office/powerpoint/2010/main" xmlns="" val="891763176"/>
       </p:ext>
     </p:extLst>
   </p:cSld>
